--- a/files/teaching-resources/monmouthcollege-econ-300/ECON300-LEC00.pptx
+++ b/files/teaching-resources/monmouthcollege-econ-300/ECON300-LEC00.pptx
@@ -5,34 +5,36 @@
     <p:sldMasterId id="2147483720" r:id="rId1"/>
   </p:sldMasterIdLst>
   <p:notesMasterIdLst>
-    <p:notesMasterId r:id="rId27"/>
+    <p:notesMasterId r:id="rId29"/>
   </p:notesMasterIdLst>
   <p:sldIdLst>
     <p:sldId id="283" r:id="rId2"/>
     <p:sldId id="284" r:id="rId3"/>
-    <p:sldId id="282" r:id="rId4"/>
-    <p:sldId id="257" r:id="rId5"/>
-    <p:sldId id="259" r:id="rId6"/>
-    <p:sldId id="274" r:id="rId7"/>
-    <p:sldId id="289" r:id="rId8"/>
-    <p:sldId id="262" r:id="rId9"/>
-    <p:sldId id="273" r:id="rId10"/>
-    <p:sldId id="288" r:id="rId11"/>
-    <p:sldId id="263" r:id="rId12"/>
-    <p:sldId id="264" r:id="rId13"/>
-    <p:sldId id="265" r:id="rId14"/>
-    <p:sldId id="266" r:id="rId15"/>
-    <p:sldId id="281" r:id="rId16"/>
-    <p:sldId id="285" r:id="rId17"/>
-    <p:sldId id="286" r:id="rId18"/>
-    <p:sldId id="287" r:id="rId19"/>
-    <p:sldId id="268" r:id="rId20"/>
-    <p:sldId id="269" r:id="rId21"/>
-    <p:sldId id="279" r:id="rId22"/>
-    <p:sldId id="270" r:id="rId23"/>
-    <p:sldId id="271" r:id="rId24"/>
-    <p:sldId id="272" r:id="rId25"/>
-    <p:sldId id="280" r:id="rId26"/>
+    <p:sldId id="274" r:id="rId4"/>
+    <p:sldId id="285" r:id="rId5"/>
+    <p:sldId id="286" r:id="rId6"/>
+    <p:sldId id="282" r:id="rId7"/>
+    <p:sldId id="257" r:id="rId8"/>
+    <p:sldId id="259" r:id="rId9"/>
+    <p:sldId id="289" r:id="rId10"/>
+    <p:sldId id="262" r:id="rId11"/>
+    <p:sldId id="296" r:id="rId12"/>
+    <p:sldId id="273" r:id="rId13"/>
+    <p:sldId id="288" r:id="rId14"/>
+    <p:sldId id="263" r:id="rId15"/>
+    <p:sldId id="264" r:id="rId16"/>
+    <p:sldId id="265" r:id="rId17"/>
+    <p:sldId id="266" r:id="rId18"/>
+    <p:sldId id="281" r:id="rId19"/>
+    <p:sldId id="297" r:id="rId20"/>
+    <p:sldId id="287" r:id="rId21"/>
+    <p:sldId id="268" r:id="rId22"/>
+    <p:sldId id="269" r:id="rId23"/>
+    <p:sldId id="279" r:id="rId24"/>
+    <p:sldId id="270" r:id="rId25"/>
+    <p:sldId id="271" r:id="rId26"/>
+    <p:sldId id="272" r:id="rId27"/>
+    <p:sldId id="280" r:id="rId28"/>
   </p:sldIdLst>
   <p:sldSz cx="9144000" cy="6858000" type="screen4x3"/>
   <p:notesSz cx="6858000" cy="9144000"/>
@@ -221,7 +223,7 @@
           <a:p>
             <a:fld id="{0E0A6441-4E79-42FF-805B-86C90BDFD38D}" type="datetimeFigureOut">
               <a:rPr lang="en-US" smtClean="0"/>
-              <a:t>8/22/2023</a:t>
+              <a:t>8/23/2023</a:t>
             </a:fld>
             <a:endParaRPr lang="en-US"/>
           </a:p>
@@ -537,8 +539,8 @@
               <a:t>
 Poll Title: Do not modify the notes in this section to avoid tampering with the Poll Everywhere activity.
 More info at polleverywhere.com/support
-What do you see yourself doing after graduating?
-https://www.polleverywhere.com/free_text_polls/9i0swkUqm8pA0pnPL97FK</a:t>
+Did you complete ECON 200 Principles of Economics?
+https://www.polleverywhere.com/multiple_choice_polls/ZhVSCRdd00fosPei4xZIj?state=opened&amp;flow=Default&amp;onscreen=persist</a:t>
             </a:r>
           </a:p>
         </p:txBody>
@@ -560,7 +562,7 @@
           <a:p>
             <a:fld id="{64A29054-221E-4755-818D-C35A08AFDBE7}" type="slidenum">
               <a:rPr lang="en-US" smtClean="0"/>
-              <a:t>7</a:t>
+              <a:t>4</a:t>
             </a:fld>
             <a:endParaRPr lang="en-US"/>
           </a:p>
@@ -571,7 +573,7 @@
           <p:cNvPr id="5" name="TextBox 4">
             <a:extLst>
               <a:ext uri="{FF2B5EF4-FFF2-40B4-BE49-F238E27FC236}">
-                <a16:creationId xmlns:a16="http://schemas.microsoft.com/office/drawing/2014/main" id="{88447A93-D68F-05F8-091C-C973D57D6CD8}"/>
+                <a16:creationId xmlns:a16="http://schemas.microsoft.com/office/drawing/2014/main" id="{89D912B0-E74C-EF28-A26A-0DC7173FA481}"/>
               </a:ext>
             </a:extLst>
           </p:cNvPr>
@@ -601,7 +603,7 @@
     </p:spTree>
     <p:extLst>
       <p:ext uri="{BB962C8B-B14F-4D97-AF65-F5344CB8AC3E}">
-        <p14:creationId xmlns:p14="http://schemas.microsoft.com/office/powerpoint/2010/main" val="1304248607"/>
+        <p14:creationId xmlns:p14="http://schemas.microsoft.com/office/powerpoint/2010/main" val="905536003"/>
       </p:ext>
     </p:extLst>
   </p:cSld>
@@ -660,8 +662,8 @@
               <a:t>
 Poll Title: Do not modify the notes in this section to avoid tampering with the Poll Everywhere activity.
 More info at polleverywhere.com/support
-Did you complete ECON 200 Principles of Economics?
-https://www.polleverywhere.com/multiple_choice_polls/ZhVSCRdd00fosPei4xZIj?state=opened&amp;flow=Default&amp;onscreen=persist</a:t>
+Did you complete BUSI 205 Business Math and Statistics?
+https://www.polleverywhere.com/multiple_choice_polls/auTy1OHlPrXjwvOnl8VWE?state=opened&amp;flow=Default&amp;onscreen=persist</a:t>
             </a:r>
           </a:p>
         </p:txBody>
@@ -683,7 +685,7 @@
           <a:p>
             <a:fld id="{64A29054-221E-4755-818D-C35A08AFDBE7}" type="slidenum">
               <a:rPr lang="en-US" smtClean="0"/>
-              <a:t>16</a:t>
+              <a:t>5</a:t>
             </a:fld>
             <a:endParaRPr lang="en-US"/>
           </a:p>
@@ -694,7 +696,7 @@
           <p:cNvPr id="5" name="TextBox 4">
             <a:extLst>
               <a:ext uri="{FF2B5EF4-FFF2-40B4-BE49-F238E27FC236}">
-                <a16:creationId xmlns:a16="http://schemas.microsoft.com/office/drawing/2014/main" id="{89D912B0-E74C-EF28-A26A-0DC7173FA481}"/>
+                <a16:creationId xmlns:a16="http://schemas.microsoft.com/office/drawing/2014/main" id="{4737E34E-7C88-3DE8-333D-32A4D72328D5}"/>
               </a:ext>
             </a:extLst>
           </p:cNvPr>
@@ -724,7 +726,7 @@
     </p:spTree>
     <p:extLst>
       <p:ext uri="{BB962C8B-B14F-4D97-AF65-F5344CB8AC3E}">
-        <p14:creationId xmlns:p14="http://schemas.microsoft.com/office/powerpoint/2010/main" val="905536003"/>
+        <p14:creationId xmlns:p14="http://schemas.microsoft.com/office/powerpoint/2010/main" val="3472611079"/>
       </p:ext>
     </p:extLst>
   </p:cSld>
@@ -783,8 +785,8 @@
               <a:t>
 Poll Title: Do not modify the notes in this section to avoid tampering with the Poll Everywhere activity.
 More info at polleverywhere.com/support
-Did you complete BUSI 205 Business Math and Statistics?
-https://www.polleverywhere.com/multiple_choice_polls/auTy1OHlPrXjwvOnl8VWE?state=opened&amp;flow=Default&amp;onscreen=persist</a:t>
+What do you see yourself doing after graduating?
+https://www.polleverywhere.com/free_text_polls/9i0swkUqm8pA0pnPL97FK</a:t>
             </a:r>
           </a:p>
         </p:txBody>
@@ -806,7 +808,7 @@
           <a:p>
             <a:fld id="{64A29054-221E-4755-818D-C35A08AFDBE7}" type="slidenum">
               <a:rPr lang="en-US" smtClean="0"/>
-              <a:t>17</a:t>
+              <a:t>9</a:t>
             </a:fld>
             <a:endParaRPr lang="en-US"/>
           </a:p>
@@ -817,7 +819,7 @@
           <p:cNvPr id="5" name="TextBox 4">
             <a:extLst>
               <a:ext uri="{FF2B5EF4-FFF2-40B4-BE49-F238E27FC236}">
-                <a16:creationId xmlns:a16="http://schemas.microsoft.com/office/drawing/2014/main" id="{4737E34E-7C88-3DE8-333D-32A4D72328D5}"/>
+                <a16:creationId xmlns:a16="http://schemas.microsoft.com/office/drawing/2014/main" id="{88447A93-D68F-05F8-091C-C973D57D6CD8}"/>
               </a:ext>
             </a:extLst>
           </p:cNvPr>
@@ -847,7 +849,7 @@
     </p:spTree>
     <p:extLst>
       <p:ext uri="{BB962C8B-B14F-4D97-AF65-F5344CB8AC3E}">
-        <p14:creationId xmlns:p14="http://schemas.microsoft.com/office/powerpoint/2010/main" val="3472611079"/>
+        <p14:creationId xmlns:p14="http://schemas.microsoft.com/office/powerpoint/2010/main" val="1304248607"/>
       </p:ext>
     </p:extLst>
   </p:cSld>
@@ -929,7 +931,7 @@
           <a:p>
             <a:fld id="{64A29054-221E-4755-818D-C35A08AFDBE7}" type="slidenum">
               <a:rPr lang="en-US" smtClean="0"/>
-              <a:t>18</a:t>
+              <a:t>20</a:t>
             </a:fld>
             <a:endParaRPr lang="en-US"/>
           </a:p>
@@ -4776,7 +4778,7 @@
           <p:cNvPr id="2" name="Title 1">
             <a:extLst>
               <a:ext uri="{FF2B5EF4-FFF2-40B4-BE49-F238E27FC236}">
-                <a16:creationId xmlns:a16="http://schemas.microsoft.com/office/drawing/2014/main" id="{A6D4615C-3DF4-634F-DEB2-48BD7736E353}"/>
+                <a16:creationId xmlns:a16="http://schemas.microsoft.com/office/drawing/2014/main" id="{776B09A4-5BC9-4EA8-C267-D3B26A49D07E}"/>
               </a:ext>
             </a:extLst>
           </p:cNvPr>
@@ -4789,155 +4791,138 @@
         </p:nvSpPr>
         <p:spPr/>
         <p:txBody>
-          <a:bodyPr anchor="ctr"/>
+          <a:bodyPr/>
           <a:lstStyle/>
           <a:p>
             <a:r>
               <a:rPr lang="en-US" dirty="0"/>
-              <a:t>Availability</a:t>
-            </a:r>
-            <a:br>
+              <a:t>Contact Information</a:t>
+            </a:r>
+          </a:p>
+        </p:txBody>
+      </p:sp>
+      <p:sp>
+        <p:nvSpPr>
+          <p:cNvPr id="3" name="Content Placeholder 2">
+            <a:extLst>
+              <a:ext uri="{FF2B5EF4-FFF2-40B4-BE49-F238E27FC236}">
+                <a16:creationId xmlns:a16="http://schemas.microsoft.com/office/drawing/2014/main" id="{97FEFFAF-3949-E82D-4583-E06DA22E7204}"/>
+              </a:ext>
+            </a:extLst>
+          </p:cNvPr>
+          <p:cNvSpPr>
+            <a:spLocks noGrp="1"/>
+          </p:cNvSpPr>
+          <p:nvPr>
+            <p:ph idx="1"/>
+          </p:nvPr>
+        </p:nvSpPr>
+        <p:spPr/>
+        <p:txBody>
+          <a:bodyPr>
+            <a:normAutofit fontScale="92500" lnSpcReduction="10000"/>
+          </a:bodyPr>
+          <a:lstStyle/>
+          <a:p>
+            <a:r>
               <a:rPr lang="en-US" dirty="0"/>
-            </a:br>
+              <a:t>Email: BPARK@monmouthcollege.edu</a:t>
+            </a:r>
+          </a:p>
+          <a:p>
+            <a:pPr lvl="1"/>
             <a:r>
               <a:rPr lang="en-US" dirty="0"/>
-              <a:t>Indicator</a:t>
-            </a:r>
-          </a:p>
-        </p:txBody>
-      </p:sp>
-      <p:pic>
-        <p:nvPicPr>
-          <p:cNvPr id="9" name="Picture Placeholder 8" descr="A sign on a wall&#10;&#10;Description automatically generated">
-            <a:extLst>
-              <a:ext uri="{FF2B5EF4-FFF2-40B4-BE49-F238E27FC236}">
-                <a16:creationId xmlns:a16="http://schemas.microsoft.com/office/drawing/2014/main" id="{622B65F6-6D39-179A-48C4-9BF2D84A5434}"/>
-              </a:ext>
-            </a:extLst>
-          </p:cNvPr>
-          <p:cNvPicPr>
-            <a:picLocks noGrp="1" noChangeAspect="1"/>
-          </p:cNvPicPr>
-          <p:nvPr>
-            <p:ph type="pic" idx="1"/>
-          </p:nvPr>
-        </p:nvPicPr>
-        <p:blipFill>
-          <a:blip r:embed="rId2">
-            <a:extLst>
-              <a:ext uri="{28A0092B-C50C-407E-A947-70E740481C1C}">
-                <a14:useLocalDpi xmlns:a14="http://schemas.microsoft.com/office/drawing/2010/main" val="0"/>
-              </a:ext>
-            </a:extLst>
-          </a:blip>
-          <a:srcRect l="9575" r="9575"/>
-          <a:stretch>
-            <a:fillRect/>
-          </a:stretch>
-        </p:blipFill>
-        <p:spPr>
-          <a:xfrm>
-            <a:off x="4131200" y="1244112"/>
-            <a:ext cx="4141532" cy="4360254"/>
-          </a:xfrm>
-        </p:spPr>
-      </p:pic>
-      <p:sp>
-        <p:nvSpPr>
-          <p:cNvPr id="4" name="Text Placeholder 3">
-            <a:extLst>
-              <a:ext uri="{FF2B5EF4-FFF2-40B4-BE49-F238E27FC236}">
-                <a16:creationId xmlns:a16="http://schemas.microsoft.com/office/drawing/2014/main" id="{011338A4-B358-C6CE-BB88-88FE4E803F89}"/>
-              </a:ext>
-            </a:extLst>
-          </p:cNvPr>
-          <p:cNvSpPr>
-            <a:spLocks noGrp="1"/>
-          </p:cNvSpPr>
-          <p:nvPr>
-            <p:ph type="body" sz="half" idx="2"/>
-          </p:nvPr>
-        </p:nvSpPr>
-        <p:spPr/>
-        <p:txBody>
-          <a:bodyPr/>
-          <a:lstStyle/>
-          <a:p>
-            <a:pPr marL="285750" indent="-285750">
-              <a:buFont typeface="Arial" panose="020B0604020202020204" pitchFamily="34" charset="0"/>
-              <a:buChar char="•"/>
-            </a:pPr>
+              <a:t>Please include “ECON300” in the subject line.</a:t>
+            </a:r>
+          </a:p>
+          <a:p>
+            <a:pPr lvl="1"/>
             <a:r>
               <a:rPr lang="en-US" dirty="0"/>
-              <a:t>Whenever it displays </a:t>
-            </a:r>
+              <a:t>Target response within 1 business day.</a:t>
+            </a:r>
+          </a:p>
+          <a:p>
+            <a:pPr lvl="1"/>
+            <a:endParaRPr lang="en-US" sz="1300" dirty="0"/>
+          </a:p>
+          <a:p>
+            <a:r>
+              <a:rPr lang="en-US" dirty="0"/>
+              <a:t>Office: CSB 248</a:t>
+            </a:r>
+          </a:p>
+          <a:p>
+            <a:pPr lvl="1"/>
+            <a:endParaRPr lang="en-US" sz="1300" dirty="0"/>
+          </a:p>
+          <a:p>
+            <a:r>
+              <a:rPr lang="en-US" dirty="0"/>
+              <a:t>Regular Office Hours: Tue/Thu 12:30 PM ~ 2:00 PM</a:t>
+            </a:r>
+          </a:p>
+          <a:p>
+            <a:pPr lvl="1"/>
+            <a:endParaRPr lang="en-US" sz="1300" dirty="0"/>
+          </a:p>
+          <a:p>
+            <a:r>
+              <a:rPr lang="en-US" dirty="0"/>
+              <a:t>Individual (or Group) Appointments via Calendly.</a:t>
+            </a:r>
+          </a:p>
+          <a:p>
+            <a:pPr lvl="1"/>
             <a:r>
               <a:rPr lang="en-US" dirty="0">
-                <a:solidFill>
-                  <a:srgbClr val="00B050"/>
-                </a:solidFill>
+                <a:hlinkClick r:id="rId2"/>
               </a:rPr>
-              <a:t>“Please Knock”</a:t>
-            </a:r>
+              <a:t>https://calendly.com/brianhwpark</a:t>
+            </a:r>
+            <a:endParaRPr lang="en-US" dirty="0"/>
+          </a:p>
+          <a:p>
+            <a:pPr lvl="1"/>
             <a:r>
               <a:rPr lang="en-US" dirty="0"/>
-              <a:t>, that means that I am available.</a:t>
-            </a:r>
-          </a:p>
-          <a:p>
-            <a:pPr marL="285750" indent="-285750">
-              <a:buFont typeface="Arial" panose="020B0604020202020204" pitchFamily="34" charset="0"/>
-              <a:buChar char="•"/>
-            </a:pPr>
-            <a:endParaRPr lang="en-US" sz="1200" dirty="0"/>
-          </a:p>
-          <a:p>
-            <a:pPr marL="285750" indent="-285750">
-              <a:buFont typeface="Arial" panose="020B0604020202020204" pitchFamily="34" charset="0"/>
-              <a:buChar char="•"/>
-            </a:pPr>
+              <a:t>Book on-demand office hours in 30-minute increments</a:t>
+            </a:r>
+          </a:p>
+          <a:p>
+            <a:pPr lvl="1"/>
             <a:r>
               <a:rPr lang="en-US" dirty="0"/>
-              <a:t>When it is at </a:t>
-            </a:r>
-            <a:r>
-              <a:rPr lang="en-US" dirty="0">
-                <a:solidFill>
-                  <a:srgbClr val="0070C0"/>
-                </a:solidFill>
-              </a:rPr>
-              <a:t>“Back Soon”</a:t>
-            </a:r>
+              <a:t>Calendar opens 15 days in advance</a:t>
+            </a:r>
+          </a:p>
+          <a:p>
+            <a:pPr lvl="1"/>
+            <a:endParaRPr lang="en-US" sz="1300" dirty="0"/>
+          </a:p>
+          <a:p>
             <a:r>
               <a:rPr lang="en-US" dirty="0"/>
-              <a:t>, it means that I have briefly left the office, but will be back soon.</a:t>
-            </a:r>
-          </a:p>
-          <a:p>
-            <a:pPr marL="285750" indent="-285750">
-              <a:buFont typeface="Arial" panose="020B0604020202020204" pitchFamily="34" charset="0"/>
-              <a:buChar char="•"/>
-            </a:pPr>
-            <a:endParaRPr lang="en-US" sz="1200" dirty="0"/>
-          </a:p>
-          <a:p>
-            <a:pPr marL="285750" indent="-285750">
-              <a:buFont typeface="Arial" panose="020B0604020202020204" pitchFamily="34" charset="0"/>
-              <a:buChar char="•"/>
-            </a:pPr>
+              <a:t>Send me an email if you need </a:t>
+            </a:r>
+            <a:r>
+              <a:rPr lang="en-US" b="1" dirty="0"/>
+              <a:t>anything</a:t>
+            </a:r>
             <a:r>
               <a:rPr lang="en-US" dirty="0"/>
-              <a:t>If you see anything else, and need to talk, send me an email!</a:t>
-            </a:r>
-          </a:p>
-        </p:txBody>
-      </p:sp>
-      <p:sp>
-        <p:nvSpPr>
-          <p:cNvPr id="5" name="Date Placeholder 4">
-            <a:extLst>
-              <a:ext uri="{FF2B5EF4-FFF2-40B4-BE49-F238E27FC236}">
-                <a16:creationId xmlns:a16="http://schemas.microsoft.com/office/drawing/2014/main" id="{0E51A1B7-AA3F-885D-08EA-BF51CBA2C1C8}"/>
+              <a:t> else</a:t>
+            </a:r>
+          </a:p>
+        </p:txBody>
+      </p:sp>
+      <p:sp>
+        <p:nvSpPr>
+          <p:cNvPr id="4" name="Date Placeholder 3">
+            <a:extLst>
+              <a:ext uri="{FF2B5EF4-FFF2-40B4-BE49-F238E27FC236}">
+                <a16:creationId xmlns:a16="http://schemas.microsoft.com/office/drawing/2014/main" id="{CE725A02-EA7A-7321-8B8B-168BF05EA587}"/>
               </a:ext>
             </a:extLst>
           </p:cNvPr>
@@ -4962,10 +4947,10 @@
       </p:sp>
       <p:sp>
         <p:nvSpPr>
-          <p:cNvPr id="6" name="Footer Placeholder 5">
-            <a:extLst>
-              <a:ext uri="{FF2B5EF4-FFF2-40B4-BE49-F238E27FC236}">
-                <a16:creationId xmlns:a16="http://schemas.microsoft.com/office/drawing/2014/main" id="{ED020EE8-CA12-C686-E701-5AB230ADA427}"/>
+          <p:cNvPr id="5" name="Footer Placeholder 4">
+            <a:extLst>
+              <a:ext uri="{FF2B5EF4-FFF2-40B4-BE49-F238E27FC236}">
+                <a16:creationId xmlns:a16="http://schemas.microsoft.com/office/drawing/2014/main" id="{024C4429-8EF0-A6CF-DF65-1DD6365F71D2}"/>
               </a:ext>
             </a:extLst>
           </p:cNvPr>
@@ -4990,10 +4975,10 @@
       </p:sp>
       <p:sp>
         <p:nvSpPr>
-          <p:cNvPr id="7" name="Slide Number Placeholder 6">
-            <a:extLst>
-              <a:ext uri="{FF2B5EF4-FFF2-40B4-BE49-F238E27FC236}">
-                <a16:creationId xmlns:a16="http://schemas.microsoft.com/office/drawing/2014/main" id="{EF45FC76-F6A8-D9DA-9949-AED9F5EA521E}"/>
+          <p:cNvPr id="6" name="Slide Number Placeholder 5">
+            <a:extLst>
+              <a:ext uri="{FF2B5EF4-FFF2-40B4-BE49-F238E27FC236}">
+                <a16:creationId xmlns:a16="http://schemas.microsoft.com/office/drawing/2014/main" id="{E35CE67F-4580-2DF1-52D2-80C99C5F60C8}"/>
               </a:ext>
             </a:extLst>
           </p:cNvPr>
@@ -5020,7 +5005,7 @@
     </p:spTree>
     <p:extLst>
       <p:ext uri="{BB962C8B-B14F-4D97-AF65-F5344CB8AC3E}">
-        <p14:creationId xmlns:p14="http://schemas.microsoft.com/office/powerpoint/2010/main" val="872575912"/>
+        <p14:creationId xmlns:p14="http://schemas.microsoft.com/office/powerpoint/2010/main" val="1142850086"/>
       </p:ext>
     </p:extLst>
   </p:cSld>
@@ -5070,97 +5055,8 @@
           <a:p>
             <a:r>
               <a:rPr lang="en-US" dirty="0"/>
-              <a:t>Grades</a:t>
-            </a:r>
-          </a:p>
-        </p:txBody>
-      </p:sp>
-      <p:sp>
-        <p:nvSpPr>
-          <p:cNvPr id="3" name="Content Placeholder 2">
-            <a:extLst>
-              <a:ext uri="{FF2B5EF4-FFF2-40B4-BE49-F238E27FC236}">
-                <a16:creationId xmlns:a16="http://schemas.microsoft.com/office/drawing/2014/main" id="{97FEFFAF-3949-E82D-4583-E06DA22E7204}"/>
-              </a:ext>
-            </a:extLst>
-          </p:cNvPr>
-          <p:cNvSpPr>
-            <a:spLocks noGrp="1"/>
-          </p:cNvSpPr>
-          <p:nvPr>
-            <p:ph idx="1"/>
-          </p:nvPr>
-        </p:nvSpPr>
-        <p:spPr/>
-        <p:txBody>
-          <a:bodyPr>
-            <a:normAutofit/>
-          </a:bodyPr>
-          <a:lstStyle/>
-          <a:p>
-            <a:r>
-              <a:rPr lang="en-US" dirty="0"/>
-              <a:t>Final letter grades based on </a:t>
-            </a:r>
-            <a:r>
-              <a:rPr lang="en-US" b="1" dirty="0"/>
-              <a:t>four factors</a:t>
-            </a:r>
-            <a:r>
-              <a:rPr lang="en-US" dirty="0"/>
-              <a:t>:</a:t>
-            </a:r>
-          </a:p>
-          <a:p>
-            <a:pPr lvl="1"/>
-            <a:r>
-              <a:rPr lang="en-US" dirty="0"/>
-              <a:t>Attendance: 10%</a:t>
-            </a:r>
-          </a:p>
-          <a:p>
-            <a:pPr lvl="1"/>
-            <a:r>
-              <a:rPr lang="en-US" dirty="0"/>
-              <a:t>Quizzes / Assignments: 30%</a:t>
-            </a:r>
-          </a:p>
-          <a:p>
-            <a:pPr lvl="1"/>
-            <a:r>
-              <a:rPr lang="en-US" dirty="0"/>
-              <a:t>Midterm Exam: 25%</a:t>
-            </a:r>
-          </a:p>
-          <a:p>
-            <a:pPr lvl="1"/>
-            <a:r>
-              <a:rPr lang="en-US" dirty="0"/>
-              <a:t>Final Exam: 35%</a:t>
-            </a:r>
-          </a:p>
-          <a:p>
-            <a:pPr lvl="1"/>
-            <a:endParaRPr lang="en-US" sz="1200" dirty="0"/>
-          </a:p>
-          <a:p>
-            <a:r>
-              <a:rPr lang="en-US" dirty="0"/>
-              <a:t>There are no predetermined “cutoff” points for letter grades.</a:t>
-            </a:r>
-          </a:p>
-          <a:p>
-            <a:pPr lvl="1"/>
-            <a:endParaRPr lang="en-US" sz="1200" dirty="0"/>
-          </a:p>
-          <a:p>
-            <a:r>
-              <a:rPr lang="en-US" dirty="0"/>
-              <a:t>The cutoffs will be updated as the semester progresses.</a:t>
-            </a:r>
-          </a:p>
-          <a:p>
-            <a:endParaRPr lang="en-US" dirty="0"/>
+              <a:t>Office Hours</a:t>
+            </a:r>
           </a:p>
         </p:txBody>
       </p:sp>
@@ -5249,10 +5145,46 @@
           </a:p>
         </p:txBody>
       </p:sp>
+      <p:pic>
+        <p:nvPicPr>
+          <p:cNvPr id="7" name="Picture 6" descr="A qr code on a white background&#10;&#10;Description automatically generated">
+            <a:extLst>
+              <a:ext uri="{FF2B5EF4-FFF2-40B4-BE49-F238E27FC236}">
+                <a16:creationId xmlns:a16="http://schemas.microsoft.com/office/drawing/2014/main" id="{4AE541C1-789A-90EB-EF38-D8110642DD95}"/>
+              </a:ext>
+            </a:extLst>
+          </p:cNvPr>
+          <p:cNvPicPr>
+            <a:picLocks noChangeAspect="1"/>
+          </p:cNvPicPr>
+          <p:nvPr/>
+        </p:nvPicPr>
+        <p:blipFill>
+          <a:blip r:embed="rId2">
+            <a:extLst>
+              <a:ext uri="{28A0092B-C50C-407E-A947-70E740481C1C}">
+                <a14:useLocalDpi xmlns:a14="http://schemas.microsoft.com/office/drawing/2010/main" val="0"/>
+              </a:ext>
+            </a:extLst>
+          </a:blip>
+          <a:stretch>
+            <a:fillRect/>
+          </a:stretch>
+        </p:blipFill>
+        <p:spPr>
+          <a:xfrm>
+            <a:off x="2346385" y="1582947"/>
+            <a:ext cx="4451230" cy="4451230"/>
+          </a:xfrm>
+          <a:prstGeom prst="rect">
+            <a:avLst/>
+          </a:prstGeom>
+        </p:spPr>
+      </p:pic>
     </p:spTree>
     <p:extLst>
       <p:ext uri="{BB962C8B-B14F-4D97-AF65-F5344CB8AC3E}">
-        <p14:creationId xmlns:p14="http://schemas.microsoft.com/office/powerpoint/2010/main" val="2097555130"/>
+        <p14:creationId xmlns:p14="http://schemas.microsoft.com/office/powerpoint/2010/main" val="430009618"/>
       </p:ext>
     </p:extLst>
   </p:cSld>
@@ -5302,7 +5234,645 @@
           <a:p>
             <a:r>
               <a:rPr lang="en-US" dirty="0"/>
-              <a:t>Attendance</a:t>
+              <a:t>Office Hours</a:t>
+            </a:r>
+          </a:p>
+        </p:txBody>
+      </p:sp>
+      <p:sp>
+        <p:nvSpPr>
+          <p:cNvPr id="4" name="Date Placeholder 3">
+            <a:extLst>
+              <a:ext uri="{FF2B5EF4-FFF2-40B4-BE49-F238E27FC236}">
+                <a16:creationId xmlns:a16="http://schemas.microsoft.com/office/drawing/2014/main" id="{CE725A02-EA7A-7321-8B8B-168BF05EA587}"/>
+              </a:ext>
+            </a:extLst>
+          </p:cNvPr>
+          <p:cNvSpPr>
+            <a:spLocks noGrp="1"/>
+          </p:cNvSpPr>
+          <p:nvPr>
+            <p:ph type="dt" sz="half" idx="10"/>
+          </p:nvPr>
+        </p:nvSpPr>
+        <p:spPr/>
+        <p:txBody>
+          <a:bodyPr/>
+          <a:lstStyle/>
+          <a:p>
+            <a:r>
+              <a:rPr lang="en-US"/>
+              <a:t>Fall 2023</a:t>
+            </a:r>
+          </a:p>
+        </p:txBody>
+      </p:sp>
+      <p:sp>
+        <p:nvSpPr>
+          <p:cNvPr id="5" name="Footer Placeholder 4">
+            <a:extLst>
+              <a:ext uri="{FF2B5EF4-FFF2-40B4-BE49-F238E27FC236}">
+                <a16:creationId xmlns:a16="http://schemas.microsoft.com/office/drawing/2014/main" id="{024C4429-8EF0-A6CF-DF65-1DD6365F71D2}"/>
+              </a:ext>
+            </a:extLst>
+          </p:cNvPr>
+          <p:cNvSpPr>
+            <a:spLocks noGrp="1"/>
+          </p:cNvSpPr>
+          <p:nvPr>
+            <p:ph type="ftr" sz="quarter" idx="11"/>
+          </p:nvPr>
+        </p:nvSpPr>
+        <p:spPr/>
+        <p:txBody>
+          <a:bodyPr/>
+          <a:lstStyle/>
+          <a:p>
+            <a:r>
+              <a:rPr lang="en-US"/>
+              <a:t>DEPARTMENT OF BUSINESS &amp; ECONOMICS</a:t>
+            </a:r>
+          </a:p>
+        </p:txBody>
+      </p:sp>
+      <p:sp>
+        <p:nvSpPr>
+          <p:cNvPr id="6" name="Slide Number Placeholder 5">
+            <a:extLst>
+              <a:ext uri="{FF2B5EF4-FFF2-40B4-BE49-F238E27FC236}">
+                <a16:creationId xmlns:a16="http://schemas.microsoft.com/office/drawing/2014/main" id="{E35CE67F-4580-2DF1-52D2-80C99C5F60C8}"/>
+              </a:ext>
+            </a:extLst>
+          </p:cNvPr>
+          <p:cNvSpPr>
+            <a:spLocks noGrp="1"/>
+          </p:cNvSpPr>
+          <p:nvPr>
+            <p:ph type="sldNum" sz="quarter" idx="12"/>
+          </p:nvPr>
+        </p:nvSpPr>
+        <p:spPr/>
+        <p:txBody>
+          <a:bodyPr/>
+          <a:lstStyle/>
+          <a:p>
+            <a:fld id="{1A980C56-831A-4EAB-9EDE-57C090F4F877}" type="slidenum">
+              <a:rPr lang="en-US" smtClean="0"/>
+              <a:t>12</a:t>
+            </a:fld>
+            <a:endParaRPr lang="en-US"/>
+          </a:p>
+        </p:txBody>
+      </p:sp>
+      <p:pic>
+        <p:nvPicPr>
+          <p:cNvPr id="10" name="Picture 9">
+            <a:extLst>
+              <a:ext uri="{FF2B5EF4-FFF2-40B4-BE49-F238E27FC236}">
+                <a16:creationId xmlns:a16="http://schemas.microsoft.com/office/drawing/2014/main" id="{906E5FC0-DE08-E9E6-B4BF-E9ACC69683BD}"/>
+              </a:ext>
+            </a:extLst>
+          </p:cNvPr>
+          <p:cNvPicPr>
+            <a:picLocks noChangeAspect="1"/>
+          </p:cNvPicPr>
+          <p:nvPr/>
+        </p:nvPicPr>
+        <p:blipFill>
+          <a:blip r:embed="rId2"/>
+          <a:stretch>
+            <a:fillRect/>
+          </a:stretch>
+        </p:blipFill>
+        <p:spPr>
+          <a:xfrm>
+            <a:off x="628650" y="1546629"/>
+            <a:ext cx="7886700" cy="4604476"/>
+          </a:xfrm>
+          <a:prstGeom prst="rect">
+            <a:avLst/>
+          </a:prstGeom>
+        </p:spPr>
+      </p:pic>
+      <p:pic>
+        <p:nvPicPr>
+          <p:cNvPr id="14" name="Picture 13">
+            <a:extLst>
+              <a:ext uri="{FF2B5EF4-FFF2-40B4-BE49-F238E27FC236}">
+                <a16:creationId xmlns:a16="http://schemas.microsoft.com/office/drawing/2014/main" id="{1ECCA483-206B-8314-FE82-825A73EB100E}"/>
+              </a:ext>
+            </a:extLst>
+          </p:cNvPr>
+          <p:cNvPicPr>
+            <a:picLocks noChangeAspect="1"/>
+          </p:cNvPicPr>
+          <p:nvPr/>
+        </p:nvPicPr>
+        <p:blipFill>
+          <a:blip r:embed="rId3"/>
+          <a:stretch>
+            <a:fillRect/>
+          </a:stretch>
+        </p:blipFill>
+        <p:spPr>
+          <a:xfrm>
+            <a:off x="628650" y="1546629"/>
+            <a:ext cx="7886700" cy="4578618"/>
+          </a:xfrm>
+          <a:prstGeom prst="rect">
+            <a:avLst/>
+          </a:prstGeom>
+        </p:spPr>
+      </p:pic>
+      <p:pic>
+        <p:nvPicPr>
+          <p:cNvPr id="16" name="Picture 15">
+            <a:extLst>
+              <a:ext uri="{FF2B5EF4-FFF2-40B4-BE49-F238E27FC236}">
+                <a16:creationId xmlns:a16="http://schemas.microsoft.com/office/drawing/2014/main" id="{35131B10-4363-7B01-92D5-A97CFD1938D1}"/>
+              </a:ext>
+            </a:extLst>
+          </p:cNvPr>
+          <p:cNvPicPr>
+            <a:picLocks noChangeAspect="1"/>
+          </p:cNvPicPr>
+          <p:nvPr/>
+        </p:nvPicPr>
+        <p:blipFill>
+          <a:blip r:embed="rId4"/>
+          <a:stretch>
+            <a:fillRect/>
+          </a:stretch>
+        </p:blipFill>
+        <p:spPr>
+          <a:xfrm>
+            <a:off x="628650" y="1538841"/>
+            <a:ext cx="7886700" cy="4594194"/>
+          </a:xfrm>
+          <a:prstGeom prst="rect">
+            <a:avLst/>
+          </a:prstGeom>
+        </p:spPr>
+      </p:pic>
+    </p:spTree>
+    <p:extLst>
+      <p:ext uri="{BB962C8B-B14F-4D97-AF65-F5344CB8AC3E}">
+        <p14:creationId xmlns:p14="http://schemas.microsoft.com/office/powerpoint/2010/main" val="2073326842"/>
+      </p:ext>
+    </p:extLst>
+  </p:cSld>
+  <p:clrMapOvr>
+    <a:masterClrMapping/>
+  </p:clrMapOvr>
+  <p:timing>
+    <p:tnLst>
+      <p:par>
+        <p:cTn id="1" dur="indefinite" restart="never" nodeType="tmRoot">
+          <p:childTnLst>
+            <p:seq concurrent="1" nextAc="seek">
+              <p:cTn id="2" dur="indefinite" nodeType="mainSeq">
+                <p:childTnLst>
+                  <p:par>
+                    <p:cTn id="3" fill="hold">
+                      <p:stCondLst>
+                        <p:cond delay="indefinite"/>
+                      </p:stCondLst>
+                      <p:childTnLst>
+                        <p:par>
+                          <p:cTn id="4" fill="hold">
+                            <p:stCondLst>
+                              <p:cond delay="0"/>
+                            </p:stCondLst>
+                            <p:childTnLst>
+                              <p:par>
+                                <p:cTn id="5" presetID="10" presetClass="entr" presetSubtype="0" fill="hold" nodeType="clickEffect">
+                                  <p:stCondLst>
+                                    <p:cond delay="0"/>
+                                  </p:stCondLst>
+                                  <p:childTnLst>
+                                    <p:set>
+                                      <p:cBhvr>
+                                        <p:cTn id="6" dur="1" fill="hold">
+                                          <p:stCondLst>
+                                            <p:cond delay="0"/>
+                                          </p:stCondLst>
+                                        </p:cTn>
+                                        <p:tgtEl>
+                                          <p:spTgt spid="14"/>
+                                        </p:tgtEl>
+                                        <p:attrNameLst>
+                                          <p:attrName>style.visibility</p:attrName>
+                                        </p:attrNameLst>
+                                      </p:cBhvr>
+                                      <p:to>
+                                        <p:strVal val="visible"/>
+                                      </p:to>
+                                    </p:set>
+                                    <p:animEffect transition="in" filter="fade">
+                                      <p:cBhvr>
+                                        <p:cTn id="7" dur="500"/>
+                                        <p:tgtEl>
+                                          <p:spTgt spid="14"/>
+                                        </p:tgtEl>
+                                      </p:cBhvr>
+                                    </p:animEffect>
+                                  </p:childTnLst>
+                                </p:cTn>
+                              </p:par>
+                            </p:childTnLst>
+                          </p:cTn>
+                        </p:par>
+                      </p:childTnLst>
+                    </p:cTn>
+                  </p:par>
+                  <p:par>
+                    <p:cTn id="8" fill="hold">
+                      <p:stCondLst>
+                        <p:cond delay="indefinite"/>
+                      </p:stCondLst>
+                      <p:childTnLst>
+                        <p:par>
+                          <p:cTn id="9" fill="hold">
+                            <p:stCondLst>
+                              <p:cond delay="0"/>
+                            </p:stCondLst>
+                            <p:childTnLst>
+                              <p:par>
+                                <p:cTn id="10" presetID="10" presetClass="entr" presetSubtype="0" fill="hold" nodeType="clickEffect">
+                                  <p:stCondLst>
+                                    <p:cond delay="0"/>
+                                  </p:stCondLst>
+                                  <p:childTnLst>
+                                    <p:set>
+                                      <p:cBhvr>
+                                        <p:cTn id="11" dur="1" fill="hold">
+                                          <p:stCondLst>
+                                            <p:cond delay="0"/>
+                                          </p:stCondLst>
+                                        </p:cTn>
+                                        <p:tgtEl>
+                                          <p:spTgt spid="16"/>
+                                        </p:tgtEl>
+                                        <p:attrNameLst>
+                                          <p:attrName>style.visibility</p:attrName>
+                                        </p:attrNameLst>
+                                      </p:cBhvr>
+                                      <p:to>
+                                        <p:strVal val="visible"/>
+                                      </p:to>
+                                    </p:set>
+                                    <p:animEffect transition="in" filter="fade">
+                                      <p:cBhvr>
+                                        <p:cTn id="12" dur="500"/>
+                                        <p:tgtEl>
+                                          <p:spTgt spid="16"/>
+                                        </p:tgtEl>
+                                      </p:cBhvr>
+                                    </p:animEffect>
+                                  </p:childTnLst>
+                                </p:cTn>
+                              </p:par>
+                            </p:childTnLst>
+                          </p:cTn>
+                        </p:par>
+                      </p:childTnLst>
+                    </p:cTn>
+                  </p:par>
+                </p:childTnLst>
+              </p:cTn>
+              <p:prevCondLst>
+                <p:cond evt="onPrev" delay="0">
+                  <p:tgtEl>
+                    <p:sldTgt/>
+                  </p:tgtEl>
+                </p:cond>
+              </p:prevCondLst>
+              <p:nextCondLst>
+                <p:cond evt="onNext" delay="0">
+                  <p:tgtEl>
+                    <p:sldTgt/>
+                  </p:tgtEl>
+                </p:cond>
+              </p:nextCondLst>
+            </p:seq>
+          </p:childTnLst>
+        </p:cTn>
+      </p:par>
+    </p:tnLst>
+  </p:timing>
+</p:sld>
+</file>
+
+<file path=ppt/slides/slide13.xml><?xml version="1.0" encoding="utf-8"?>
+<p:sld xmlns:a="http://schemas.openxmlformats.org/drawingml/2006/main" xmlns:r="http://schemas.openxmlformats.org/officeDocument/2006/relationships" xmlns:p="http://schemas.openxmlformats.org/presentationml/2006/main">
+  <p:cSld>
+    <p:spTree>
+      <p:nvGrpSpPr>
+        <p:cNvPr id="1" name=""/>
+        <p:cNvGrpSpPr/>
+        <p:nvPr/>
+      </p:nvGrpSpPr>
+      <p:grpSpPr>
+        <a:xfrm>
+          <a:off x="0" y="0"/>
+          <a:ext cx="0" cy="0"/>
+          <a:chOff x="0" y="0"/>
+          <a:chExt cx="0" cy="0"/>
+        </a:xfrm>
+      </p:grpSpPr>
+      <p:sp>
+        <p:nvSpPr>
+          <p:cNvPr id="2" name="Title 1">
+            <a:extLst>
+              <a:ext uri="{FF2B5EF4-FFF2-40B4-BE49-F238E27FC236}">
+                <a16:creationId xmlns:a16="http://schemas.microsoft.com/office/drawing/2014/main" id="{A6D4615C-3DF4-634F-DEB2-48BD7736E353}"/>
+              </a:ext>
+            </a:extLst>
+          </p:cNvPr>
+          <p:cNvSpPr>
+            <a:spLocks noGrp="1"/>
+          </p:cNvSpPr>
+          <p:nvPr>
+            <p:ph type="title"/>
+          </p:nvPr>
+        </p:nvSpPr>
+        <p:spPr/>
+        <p:txBody>
+          <a:bodyPr anchor="ctr"/>
+          <a:lstStyle/>
+          <a:p>
+            <a:r>
+              <a:rPr lang="en-US" dirty="0"/>
+              <a:t>Office Hours</a:t>
+            </a:r>
+          </a:p>
+        </p:txBody>
+      </p:sp>
+      <p:pic>
+        <p:nvPicPr>
+          <p:cNvPr id="9" name="Picture Placeholder 8" descr="A sign on a wall&#10;&#10;Description automatically generated">
+            <a:extLst>
+              <a:ext uri="{FF2B5EF4-FFF2-40B4-BE49-F238E27FC236}">
+                <a16:creationId xmlns:a16="http://schemas.microsoft.com/office/drawing/2014/main" id="{622B65F6-6D39-179A-48C4-9BF2D84A5434}"/>
+              </a:ext>
+            </a:extLst>
+          </p:cNvPr>
+          <p:cNvPicPr>
+            <a:picLocks noGrp="1" noChangeAspect="1"/>
+          </p:cNvPicPr>
+          <p:nvPr>
+            <p:ph type="pic" idx="1"/>
+          </p:nvPr>
+        </p:nvPicPr>
+        <p:blipFill>
+          <a:blip r:embed="rId2">
+            <a:extLst>
+              <a:ext uri="{28A0092B-C50C-407E-A947-70E740481C1C}">
+                <a14:useLocalDpi xmlns:a14="http://schemas.microsoft.com/office/drawing/2010/main" val="0"/>
+              </a:ext>
+            </a:extLst>
+          </a:blip>
+          <a:srcRect l="9575" r="9575"/>
+          <a:stretch>
+            <a:fillRect/>
+          </a:stretch>
+        </p:blipFill>
+        <p:spPr>
+          <a:xfrm>
+            <a:off x="4131200" y="1244112"/>
+            <a:ext cx="4141532" cy="4360254"/>
+          </a:xfrm>
+        </p:spPr>
+      </p:pic>
+      <p:sp>
+        <p:nvSpPr>
+          <p:cNvPr id="4" name="Text Placeholder 3">
+            <a:extLst>
+              <a:ext uri="{FF2B5EF4-FFF2-40B4-BE49-F238E27FC236}">
+                <a16:creationId xmlns:a16="http://schemas.microsoft.com/office/drawing/2014/main" id="{011338A4-B358-C6CE-BB88-88FE4E803F89}"/>
+              </a:ext>
+            </a:extLst>
+          </p:cNvPr>
+          <p:cNvSpPr>
+            <a:spLocks noGrp="1"/>
+          </p:cNvSpPr>
+          <p:nvPr>
+            <p:ph type="body" sz="half" idx="2"/>
+          </p:nvPr>
+        </p:nvSpPr>
+        <p:spPr/>
+        <p:txBody>
+          <a:bodyPr/>
+          <a:lstStyle/>
+          <a:p>
+            <a:pPr marL="285750" indent="-285750">
+              <a:buFont typeface="Arial" panose="020B0604020202020204" pitchFamily="34" charset="0"/>
+              <a:buChar char="•"/>
+            </a:pPr>
+            <a:r>
+              <a:rPr lang="en-US" dirty="0"/>
+              <a:t>Whenever it displays </a:t>
+            </a:r>
+            <a:r>
+              <a:rPr lang="en-US" dirty="0">
+                <a:solidFill>
+                  <a:srgbClr val="00B050"/>
+                </a:solidFill>
+              </a:rPr>
+              <a:t>“Please Knock”</a:t>
+            </a:r>
+            <a:r>
+              <a:rPr lang="en-US" dirty="0"/>
+              <a:t>, that means that I am available.</a:t>
+            </a:r>
+          </a:p>
+          <a:p>
+            <a:pPr marL="285750" indent="-285750">
+              <a:buFont typeface="Arial" panose="020B0604020202020204" pitchFamily="34" charset="0"/>
+              <a:buChar char="•"/>
+            </a:pPr>
+            <a:endParaRPr lang="en-US" sz="1200" dirty="0"/>
+          </a:p>
+          <a:p>
+            <a:pPr marL="285750" indent="-285750">
+              <a:buFont typeface="Arial" panose="020B0604020202020204" pitchFamily="34" charset="0"/>
+              <a:buChar char="•"/>
+            </a:pPr>
+            <a:r>
+              <a:rPr lang="en-US" dirty="0"/>
+              <a:t>When it is at </a:t>
+            </a:r>
+            <a:r>
+              <a:rPr lang="en-US" dirty="0">
+                <a:solidFill>
+                  <a:srgbClr val="0070C0"/>
+                </a:solidFill>
+              </a:rPr>
+              <a:t>“Back Soon”</a:t>
+            </a:r>
+            <a:r>
+              <a:rPr lang="en-US" dirty="0"/>
+              <a:t>, it means that I have briefly left the office, but will be back soon.</a:t>
+            </a:r>
+          </a:p>
+          <a:p>
+            <a:pPr marL="285750" indent="-285750">
+              <a:buFont typeface="Arial" panose="020B0604020202020204" pitchFamily="34" charset="0"/>
+              <a:buChar char="•"/>
+            </a:pPr>
+            <a:endParaRPr lang="en-US" sz="1200" dirty="0"/>
+          </a:p>
+          <a:p>
+            <a:pPr marL="285750" indent="-285750">
+              <a:buFont typeface="Arial" panose="020B0604020202020204" pitchFamily="34" charset="0"/>
+              <a:buChar char="•"/>
+            </a:pPr>
+            <a:r>
+              <a:rPr lang="en-US" dirty="0"/>
+              <a:t>If you see anything else, and need to talk, send me an email!</a:t>
+            </a:r>
+          </a:p>
+        </p:txBody>
+      </p:sp>
+      <p:sp>
+        <p:nvSpPr>
+          <p:cNvPr id="5" name="Date Placeholder 4">
+            <a:extLst>
+              <a:ext uri="{FF2B5EF4-FFF2-40B4-BE49-F238E27FC236}">
+                <a16:creationId xmlns:a16="http://schemas.microsoft.com/office/drawing/2014/main" id="{0E51A1B7-AA3F-885D-08EA-BF51CBA2C1C8}"/>
+              </a:ext>
+            </a:extLst>
+          </p:cNvPr>
+          <p:cNvSpPr>
+            <a:spLocks noGrp="1"/>
+          </p:cNvSpPr>
+          <p:nvPr>
+            <p:ph type="dt" sz="half" idx="10"/>
+          </p:nvPr>
+        </p:nvSpPr>
+        <p:spPr/>
+        <p:txBody>
+          <a:bodyPr/>
+          <a:lstStyle/>
+          <a:p>
+            <a:r>
+              <a:rPr lang="en-US"/>
+              <a:t>Fall 2023</a:t>
+            </a:r>
+          </a:p>
+        </p:txBody>
+      </p:sp>
+      <p:sp>
+        <p:nvSpPr>
+          <p:cNvPr id="6" name="Footer Placeholder 5">
+            <a:extLst>
+              <a:ext uri="{FF2B5EF4-FFF2-40B4-BE49-F238E27FC236}">
+                <a16:creationId xmlns:a16="http://schemas.microsoft.com/office/drawing/2014/main" id="{ED020EE8-CA12-C686-E701-5AB230ADA427}"/>
+              </a:ext>
+            </a:extLst>
+          </p:cNvPr>
+          <p:cNvSpPr>
+            <a:spLocks noGrp="1"/>
+          </p:cNvSpPr>
+          <p:nvPr>
+            <p:ph type="ftr" sz="quarter" idx="11"/>
+          </p:nvPr>
+        </p:nvSpPr>
+        <p:spPr/>
+        <p:txBody>
+          <a:bodyPr/>
+          <a:lstStyle/>
+          <a:p>
+            <a:r>
+              <a:rPr lang="en-US"/>
+              <a:t>DEPARTMENT OF BUSINESS &amp; ECONOMICS</a:t>
+            </a:r>
+          </a:p>
+        </p:txBody>
+      </p:sp>
+      <p:sp>
+        <p:nvSpPr>
+          <p:cNvPr id="7" name="Slide Number Placeholder 6">
+            <a:extLst>
+              <a:ext uri="{FF2B5EF4-FFF2-40B4-BE49-F238E27FC236}">
+                <a16:creationId xmlns:a16="http://schemas.microsoft.com/office/drawing/2014/main" id="{EF45FC76-F6A8-D9DA-9949-AED9F5EA521E}"/>
+              </a:ext>
+            </a:extLst>
+          </p:cNvPr>
+          <p:cNvSpPr>
+            <a:spLocks noGrp="1"/>
+          </p:cNvSpPr>
+          <p:nvPr>
+            <p:ph type="sldNum" sz="quarter" idx="12"/>
+          </p:nvPr>
+        </p:nvSpPr>
+        <p:spPr/>
+        <p:txBody>
+          <a:bodyPr/>
+          <a:lstStyle/>
+          <a:p>
+            <a:fld id="{1A980C56-831A-4EAB-9EDE-57C090F4F877}" type="slidenum">
+              <a:rPr lang="en-US" smtClean="0"/>
+              <a:t>13</a:t>
+            </a:fld>
+            <a:endParaRPr lang="en-US"/>
+          </a:p>
+        </p:txBody>
+      </p:sp>
+    </p:spTree>
+    <p:extLst>
+      <p:ext uri="{BB962C8B-B14F-4D97-AF65-F5344CB8AC3E}">
+        <p14:creationId xmlns:p14="http://schemas.microsoft.com/office/powerpoint/2010/main" val="872575912"/>
+      </p:ext>
+    </p:extLst>
+  </p:cSld>
+  <p:clrMapOvr>
+    <a:masterClrMapping/>
+  </p:clrMapOvr>
+</p:sld>
+</file>
+
+<file path=ppt/slides/slide14.xml><?xml version="1.0" encoding="utf-8"?>
+<p:sld xmlns:a="http://schemas.openxmlformats.org/drawingml/2006/main" xmlns:r="http://schemas.openxmlformats.org/officeDocument/2006/relationships" xmlns:p="http://schemas.openxmlformats.org/presentationml/2006/main">
+  <p:cSld>
+    <p:spTree>
+      <p:nvGrpSpPr>
+        <p:cNvPr id="1" name=""/>
+        <p:cNvGrpSpPr/>
+        <p:nvPr/>
+      </p:nvGrpSpPr>
+      <p:grpSpPr>
+        <a:xfrm>
+          <a:off x="0" y="0"/>
+          <a:ext cx="0" cy="0"/>
+          <a:chOff x="0" y="0"/>
+          <a:chExt cx="0" cy="0"/>
+        </a:xfrm>
+      </p:grpSpPr>
+      <p:sp>
+        <p:nvSpPr>
+          <p:cNvPr id="2" name="Title 1">
+            <a:extLst>
+              <a:ext uri="{FF2B5EF4-FFF2-40B4-BE49-F238E27FC236}">
+                <a16:creationId xmlns:a16="http://schemas.microsoft.com/office/drawing/2014/main" id="{776B09A4-5BC9-4EA8-C267-D3B26A49D07E}"/>
+              </a:ext>
+            </a:extLst>
+          </p:cNvPr>
+          <p:cNvSpPr>
+            <a:spLocks noGrp="1"/>
+          </p:cNvSpPr>
+          <p:nvPr>
+            <p:ph type="title"/>
+          </p:nvPr>
+        </p:nvSpPr>
+        <p:spPr/>
+        <p:txBody>
+          <a:bodyPr/>
+          <a:lstStyle/>
+          <a:p>
+            <a:r>
+              <a:rPr lang="en-US" dirty="0"/>
+              <a:t>Grades</a:t>
             </a:r>
           </a:p>
         </p:txBody>
@@ -5332,7 +5902,43 @@
           <a:p>
             <a:r>
               <a:rPr lang="en-US" dirty="0"/>
-              <a:t>Attendance may be called every time we meet.</a:t>
+              <a:t>Final letter grades based on </a:t>
+            </a:r>
+            <a:r>
+              <a:rPr lang="en-US" b="1" dirty="0"/>
+              <a:t>four factors</a:t>
+            </a:r>
+            <a:r>
+              <a:rPr lang="en-US" dirty="0"/>
+              <a:t>:</a:t>
+            </a:r>
+          </a:p>
+          <a:p>
+            <a:pPr lvl="1"/>
+            <a:r>
+              <a:rPr lang="en-US" dirty="0"/>
+              <a:t>Attendance: 10%</a:t>
+            </a:r>
+          </a:p>
+          <a:p>
+            <a:pPr lvl="1"/>
+            <a:r>
+              <a:rPr lang="en-US" dirty="0"/>
+              <a:t>Quizzes / Assignments: 30%</a:t>
+            </a:r>
+          </a:p>
+          <a:p>
+            <a:pPr lvl="1"/>
+            <a:r>
+              <a:rPr lang="en-US" dirty="0"/>
+              <a:t>Midterm Exam: 25%</a:t>
+            </a:r>
+          </a:p>
+          <a:p>
+            <a:pPr lvl="1"/>
+            <a:r>
+              <a:rPr lang="en-US" dirty="0"/>
+              <a:t>Final Exam: 35%</a:t>
             </a:r>
           </a:p>
           <a:p>
@@ -5342,7 +5948,7 @@
           <a:p>
             <a:r>
               <a:rPr lang="en-US" dirty="0"/>
-              <a:t>One “no-points-deducted” absence for each month.</a:t>
+              <a:t>There are no predetermined “cutoff” points for letter grades.</a:t>
             </a:r>
           </a:p>
           <a:p>
@@ -5352,7 +5958,183 @@
           <a:p>
             <a:r>
               <a:rPr lang="en-US" dirty="0"/>
-              <a:t>Extra “no-points-deducted” absences may be granted on a case-by-case basis.</a:t>
+              <a:t>The cutoffs will be updated as the semester progresses.</a:t>
+            </a:r>
+          </a:p>
+          <a:p>
+            <a:endParaRPr lang="en-US" dirty="0"/>
+          </a:p>
+        </p:txBody>
+      </p:sp>
+      <p:sp>
+        <p:nvSpPr>
+          <p:cNvPr id="4" name="Date Placeholder 3">
+            <a:extLst>
+              <a:ext uri="{FF2B5EF4-FFF2-40B4-BE49-F238E27FC236}">
+                <a16:creationId xmlns:a16="http://schemas.microsoft.com/office/drawing/2014/main" id="{CE725A02-EA7A-7321-8B8B-168BF05EA587}"/>
+              </a:ext>
+            </a:extLst>
+          </p:cNvPr>
+          <p:cNvSpPr>
+            <a:spLocks noGrp="1"/>
+          </p:cNvSpPr>
+          <p:nvPr>
+            <p:ph type="dt" sz="half" idx="10"/>
+          </p:nvPr>
+        </p:nvSpPr>
+        <p:spPr/>
+        <p:txBody>
+          <a:bodyPr/>
+          <a:lstStyle/>
+          <a:p>
+            <a:r>
+              <a:rPr lang="en-US"/>
+              <a:t>Fall 2023</a:t>
+            </a:r>
+          </a:p>
+        </p:txBody>
+      </p:sp>
+      <p:sp>
+        <p:nvSpPr>
+          <p:cNvPr id="5" name="Footer Placeholder 4">
+            <a:extLst>
+              <a:ext uri="{FF2B5EF4-FFF2-40B4-BE49-F238E27FC236}">
+                <a16:creationId xmlns:a16="http://schemas.microsoft.com/office/drawing/2014/main" id="{024C4429-8EF0-A6CF-DF65-1DD6365F71D2}"/>
+              </a:ext>
+            </a:extLst>
+          </p:cNvPr>
+          <p:cNvSpPr>
+            <a:spLocks noGrp="1"/>
+          </p:cNvSpPr>
+          <p:nvPr>
+            <p:ph type="ftr" sz="quarter" idx="11"/>
+          </p:nvPr>
+        </p:nvSpPr>
+        <p:spPr/>
+        <p:txBody>
+          <a:bodyPr/>
+          <a:lstStyle/>
+          <a:p>
+            <a:r>
+              <a:rPr lang="en-US"/>
+              <a:t>DEPARTMENT OF BUSINESS &amp; ECONOMICS</a:t>
+            </a:r>
+          </a:p>
+        </p:txBody>
+      </p:sp>
+      <p:sp>
+        <p:nvSpPr>
+          <p:cNvPr id="6" name="Slide Number Placeholder 5">
+            <a:extLst>
+              <a:ext uri="{FF2B5EF4-FFF2-40B4-BE49-F238E27FC236}">
+                <a16:creationId xmlns:a16="http://schemas.microsoft.com/office/drawing/2014/main" id="{E35CE67F-4580-2DF1-52D2-80C99C5F60C8}"/>
+              </a:ext>
+            </a:extLst>
+          </p:cNvPr>
+          <p:cNvSpPr>
+            <a:spLocks noGrp="1"/>
+          </p:cNvSpPr>
+          <p:nvPr>
+            <p:ph type="sldNum" sz="quarter" idx="12"/>
+          </p:nvPr>
+        </p:nvSpPr>
+        <p:spPr/>
+        <p:txBody>
+          <a:bodyPr/>
+          <a:lstStyle/>
+          <a:p>
+            <a:fld id="{1A980C56-831A-4EAB-9EDE-57C090F4F877}" type="slidenum">
+              <a:rPr lang="en-US" smtClean="0"/>
+              <a:t>14</a:t>
+            </a:fld>
+            <a:endParaRPr lang="en-US"/>
+          </a:p>
+        </p:txBody>
+      </p:sp>
+    </p:spTree>
+    <p:extLst>
+      <p:ext uri="{BB962C8B-B14F-4D97-AF65-F5344CB8AC3E}">
+        <p14:creationId xmlns:p14="http://schemas.microsoft.com/office/powerpoint/2010/main" val="2097555130"/>
+      </p:ext>
+    </p:extLst>
+  </p:cSld>
+  <p:clrMapOvr>
+    <a:masterClrMapping/>
+  </p:clrMapOvr>
+</p:sld>
+</file>
+
+<file path=ppt/slides/slide15.xml><?xml version="1.0" encoding="utf-8"?>
+<p:sld xmlns:a="http://schemas.openxmlformats.org/drawingml/2006/main" xmlns:r="http://schemas.openxmlformats.org/officeDocument/2006/relationships" xmlns:p="http://schemas.openxmlformats.org/presentationml/2006/main">
+  <p:cSld>
+    <p:spTree>
+      <p:nvGrpSpPr>
+        <p:cNvPr id="1" name=""/>
+        <p:cNvGrpSpPr/>
+        <p:nvPr/>
+      </p:nvGrpSpPr>
+      <p:grpSpPr>
+        <a:xfrm>
+          <a:off x="0" y="0"/>
+          <a:ext cx="0" cy="0"/>
+          <a:chOff x="0" y="0"/>
+          <a:chExt cx="0" cy="0"/>
+        </a:xfrm>
+      </p:grpSpPr>
+      <p:sp>
+        <p:nvSpPr>
+          <p:cNvPr id="2" name="Title 1">
+            <a:extLst>
+              <a:ext uri="{FF2B5EF4-FFF2-40B4-BE49-F238E27FC236}">
+                <a16:creationId xmlns:a16="http://schemas.microsoft.com/office/drawing/2014/main" id="{776B09A4-5BC9-4EA8-C267-D3B26A49D07E}"/>
+              </a:ext>
+            </a:extLst>
+          </p:cNvPr>
+          <p:cNvSpPr>
+            <a:spLocks noGrp="1"/>
+          </p:cNvSpPr>
+          <p:nvPr>
+            <p:ph type="title"/>
+          </p:nvPr>
+        </p:nvSpPr>
+        <p:spPr/>
+        <p:txBody>
+          <a:bodyPr/>
+          <a:lstStyle/>
+          <a:p>
+            <a:r>
+              <a:rPr lang="en-US" dirty="0"/>
+              <a:t>Attendance</a:t>
+            </a:r>
+          </a:p>
+        </p:txBody>
+      </p:sp>
+      <p:sp>
+        <p:nvSpPr>
+          <p:cNvPr id="3" name="Content Placeholder 2">
+            <a:extLst>
+              <a:ext uri="{FF2B5EF4-FFF2-40B4-BE49-F238E27FC236}">
+                <a16:creationId xmlns:a16="http://schemas.microsoft.com/office/drawing/2014/main" id="{97FEFFAF-3949-E82D-4583-E06DA22E7204}"/>
+              </a:ext>
+            </a:extLst>
+          </p:cNvPr>
+          <p:cNvSpPr>
+            <a:spLocks noGrp="1"/>
+          </p:cNvSpPr>
+          <p:nvPr>
+            <p:ph idx="1"/>
+          </p:nvPr>
+        </p:nvSpPr>
+        <p:spPr/>
+        <p:txBody>
+          <a:bodyPr>
+            <a:normAutofit/>
+          </a:bodyPr>
+          <a:lstStyle/>
+          <a:p>
+            <a:r>
+              <a:rPr lang="en-US" dirty="0"/>
+              <a:t>Attendance may be called every time we meet.</a:t>
             </a:r>
           </a:p>
           <a:p>
@@ -5362,6 +6144,26 @@
           <a:p>
             <a:r>
               <a:rPr lang="en-US" dirty="0"/>
+              <a:t>One “no-points-deducted” absence for each month.</a:t>
+            </a:r>
+          </a:p>
+          <a:p>
+            <a:pPr lvl="1"/>
+            <a:endParaRPr lang="en-US" sz="1200" dirty="0"/>
+          </a:p>
+          <a:p>
+            <a:r>
+              <a:rPr lang="en-US" dirty="0"/>
+              <a:t>Extra “no-points-deducted” absences may be granted on a case-by-case basis.</a:t>
+            </a:r>
+          </a:p>
+          <a:p>
+            <a:pPr lvl="1"/>
+            <a:endParaRPr lang="en-US" sz="1200" dirty="0"/>
+          </a:p>
+          <a:p>
+            <a:r>
+              <a:rPr lang="en-US" dirty="0"/>
               <a:t>Attendance scores will be calculated as:</a:t>
             </a:r>
           </a:p>
@@ -5446,7 +6248,7 @@
           <a:p>
             <a:fld id="{1A980C56-831A-4EAB-9EDE-57C090F4F877}" type="slidenum">
               <a:rPr lang="en-US" smtClean="0"/>
-              <a:t>12</a:t>
+              <a:t>15</a:t>
             </a:fld>
             <a:endParaRPr lang="en-US"/>
           </a:p>
@@ -5468,8 +6270,8 @@
             </p:nvSpPr>
             <p:spPr>
               <a:xfrm>
-                <a:off x="1690777" y="4938623"/>
-                <a:ext cx="5766387" cy="525978"/>
+                <a:off x="967359" y="4800601"/>
+                <a:ext cx="7209281" cy="467564"/>
               </a:xfrm>
               <a:prstGeom prst="rect">
                 <a:avLst/>
@@ -5490,13 +6292,13 @@
                     </m:oMathParaPr>
                     <m:oMath xmlns:m="http://schemas.openxmlformats.org/officeDocument/2006/math">
                       <m:r>
-                        <a:rPr lang="en-US" b="0" i="1" smtClean="0">
+                        <a:rPr lang="en-US" sz="1600" b="0" i="1" smtClean="0">
                           <a:latin typeface="Cambria Math" panose="02040503050406030204" pitchFamily="18" charset="0"/>
                         </a:rPr>
                         <m:t>𝐴𝑡𝑡𝑒𝑛𝑑𝑎𝑛𝑐𝑒</m:t>
                       </m:r>
                       <m:r>
-                        <a:rPr lang="en-US" b="0" i="1" smtClean="0">
+                        <a:rPr lang="en-US" sz="1600" b="0" i="1" smtClean="0">
                           <a:latin typeface="Cambria Math" panose="02040503050406030204" pitchFamily="18" charset="0"/>
                         </a:rPr>
                         <m:t>= </m:t>
@@ -5504,44 +6306,68 @@
                       <m:f>
                         <m:fPr>
                           <m:ctrlPr>
-                            <a:rPr lang="en-US" b="0" i="1" smtClean="0">
+                            <a:rPr lang="en-US" sz="1600" b="0" i="1" smtClean="0">
                               <a:latin typeface="Cambria Math" panose="02040503050406030204" pitchFamily="18" charset="0"/>
                             </a:rPr>
                           </m:ctrlPr>
                         </m:fPr>
                         <m:num>
                           <m:r>
-                            <a:rPr lang="en-US" b="0" i="1" smtClean="0">
+                            <a:rPr lang="en-US" sz="1600" b="0" i="1" smtClean="0">
                               <a:latin typeface="Cambria Math" panose="02040503050406030204" pitchFamily="18" charset="0"/>
                             </a:rPr>
                             <m:t># </m:t>
                           </m:r>
                           <m:r>
-                            <a:rPr lang="en-US" b="0" i="1" smtClean="0">
+                            <a:rPr lang="en-US" sz="1600" b="0" i="1" smtClean="0">
                               <a:latin typeface="Cambria Math" panose="02040503050406030204" pitchFamily="18" charset="0"/>
                             </a:rPr>
                             <m:t>𝐴𝑡𝑡𝑒𝑛𝑑𝑎𝑛𝑐𝑒</m:t>
                           </m:r>
                           <m:r>
-                            <a:rPr lang="en-US" b="0" i="1" smtClean="0">
+                            <a:rPr lang="en-US" sz="1600" b="0" i="1" smtClean="0">
                               <a:latin typeface="Cambria Math" panose="02040503050406030204" pitchFamily="18" charset="0"/>
                             </a:rPr>
                             <m:t> </m:t>
                           </m:r>
                           <m:r>
-                            <a:rPr lang="en-US" b="0" i="1" smtClean="0">
+                            <a:rPr lang="en-US" sz="1600" b="0" i="1" smtClean="0">
                               <a:latin typeface="Cambria Math" panose="02040503050406030204" pitchFamily="18" charset="0"/>
                             </a:rPr>
                             <m:t>𝐶h𝑒𝑐𝑘𝑠</m:t>
                           </m:r>
                           <m:r>
-                            <a:rPr lang="en-US" b="0" i="1" smtClean="0">
+                            <a:rPr lang="en-US" sz="1600" b="0" i="1" smtClean="0">
                               <a:latin typeface="Cambria Math" panose="02040503050406030204" pitchFamily="18" charset="0"/>
                             </a:rPr>
-                            <m:t> −# </m:t>
+                            <m:t>−# </m:t>
                           </m:r>
                           <m:r>
-                            <a:rPr lang="en-US" b="0" i="1" smtClean="0">
+                            <a:rPr lang="en-US" sz="1600" b="0" i="1" smtClean="0">
+                              <a:latin typeface="Cambria Math" panose="02040503050406030204" pitchFamily="18" charset="0"/>
+                            </a:rPr>
+                            <m:t>𝐴𝑏𝑠𝑒𝑛𝑐𝑒𝑠</m:t>
+                          </m:r>
+                          <m:r>
+                            <a:rPr lang="en-US" sz="1600" b="0" i="1" smtClean="0">
+                              <a:latin typeface="Cambria Math" panose="02040503050406030204" pitchFamily="18" charset="0"/>
+                            </a:rPr>
+                            <m:t>+# </m:t>
+                          </m:r>
+                          <m:r>
+                            <a:rPr lang="en-US" sz="1600" b="0" i="1" smtClean="0">
+                              <a:latin typeface="Cambria Math" panose="02040503050406030204" pitchFamily="18" charset="0"/>
+                            </a:rPr>
+                            <m:t>𝐸𝑥𝑐𝑢𝑠𝑒𝑑</m:t>
+                          </m:r>
+                          <m:r>
+                            <a:rPr lang="en-US" sz="1600" b="0" i="1" smtClean="0">
+                              <a:latin typeface="Cambria Math" panose="02040503050406030204" pitchFamily="18" charset="0"/>
+                            </a:rPr>
+                            <m:t> </m:t>
+                          </m:r>
+                          <m:r>
+                            <a:rPr lang="en-US" sz="1600" b="0" i="1" smtClean="0">
                               <a:latin typeface="Cambria Math" panose="02040503050406030204" pitchFamily="18" charset="0"/>
                             </a:rPr>
                             <m:t>𝐴𝑏𝑠𝑒𝑛𝑐𝑒𝑠</m:t>
@@ -5549,25 +6375,25 @@
                         </m:num>
                         <m:den>
                           <m:r>
-                            <a:rPr lang="en-US" i="1">
+                            <a:rPr lang="en-US" sz="1600" i="1">
                               <a:latin typeface="Cambria Math" panose="02040503050406030204" pitchFamily="18" charset="0"/>
                             </a:rPr>
                             <m:t># </m:t>
                           </m:r>
                           <m:r>
-                            <a:rPr lang="en-US" i="1">
+                            <a:rPr lang="en-US" sz="1600" i="1">
                               <a:latin typeface="Cambria Math" panose="02040503050406030204" pitchFamily="18" charset="0"/>
                             </a:rPr>
                             <m:t>𝐴𝑡𝑡𝑒𝑛𝑑𝑎𝑛𝑐𝑒</m:t>
                           </m:r>
                           <m:r>
-                            <a:rPr lang="en-US" i="1">
+                            <a:rPr lang="en-US" sz="1600" i="1">
                               <a:latin typeface="Cambria Math" panose="02040503050406030204" pitchFamily="18" charset="0"/>
                             </a:rPr>
                             <m:t> </m:t>
                           </m:r>
                           <m:r>
-                            <a:rPr lang="en-US" i="1">
+                            <a:rPr lang="en-US" sz="1600" i="1">
                               <a:latin typeface="Cambria Math" panose="02040503050406030204" pitchFamily="18" charset="0"/>
                             </a:rPr>
                             <m:t>𝐶h𝑒𝑐𝑘𝑠</m:t>
@@ -5575,7 +6401,7 @@
                         </m:den>
                       </m:f>
                       <m:r>
-                        <a:rPr lang="en-US" b="0" i="1" smtClean="0">
+                        <a:rPr lang="en-US" sz="1600" b="0" i="1" smtClean="0">
                           <a:latin typeface="Cambria Math" panose="02040503050406030204" pitchFamily="18" charset="0"/>
                           <a:ea typeface="Cambria Math" panose="02040503050406030204" pitchFamily="18" charset="0"/>
                         </a:rPr>
@@ -5584,7 +6410,7 @@
                     </m:oMath>
                   </m:oMathPara>
                 </a14:m>
-                <a:endParaRPr lang="en-US" dirty="0"/>
+                <a:endParaRPr lang="en-US" sz="1600" dirty="0"/>
               </a:p>
             </p:txBody>
           </p:sp>
@@ -5606,8 +6432,8 @@
             </p:nvSpPr>
             <p:spPr>
               <a:xfrm>
-                <a:off x="1690777" y="4938623"/>
-                <a:ext cx="5766387" cy="525978"/>
+                <a:off x="967359" y="4800601"/>
+                <a:ext cx="7209281" cy="467564"/>
               </a:xfrm>
               <a:prstGeom prst="rect">
                 <a:avLst/>
@@ -5647,626 +6473,6 @@
 </p:sld>
 </file>
 
-<file path=ppt/slides/slide13.xml><?xml version="1.0" encoding="utf-8"?>
-<p:sld xmlns:a="http://schemas.openxmlformats.org/drawingml/2006/main" xmlns:r="http://schemas.openxmlformats.org/officeDocument/2006/relationships" xmlns:p="http://schemas.openxmlformats.org/presentationml/2006/main">
-  <p:cSld>
-    <p:spTree>
-      <p:nvGrpSpPr>
-        <p:cNvPr id="1" name=""/>
-        <p:cNvGrpSpPr/>
-        <p:nvPr/>
-      </p:nvGrpSpPr>
-      <p:grpSpPr>
-        <a:xfrm>
-          <a:off x="0" y="0"/>
-          <a:ext cx="0" cy="0"/>
-          <a:chOff x="0" y="0"/>
-          <a:chExt cx="0" cy="0"/>
-        </a:xfrm>
-      </p:grpSpPr>
-      <p:sp>
-        <p:nvSpPr>
-          <p:cNvPr id="2" name="Title 1">
-            <a:extLst>
-              <a:ext uri="{FF2B5EF4-FFF2-40B4-BE49-F238E27FC236}">
-                <a16:creationId xmlns:a16="http://schemas.microsoft.com/office/drawing/2014/main" id="{776B09A4-5BC9-4EA8-C267-D3B26A49D07E}"/>
-              </a:ext>
-            </a:extLst>
-          </p:cNvPr>
-          <p:cNvSpPr>
-            <a:spLocks noGrp="1"/>
-          </p:cNvSpPr>
-          <p:nvPr>
-            <p:ph type="title"/>
-          </p:nvPr>
-        </p:nvSpPr>
-        <p:spPr/>
-        <p:txBody>
-          <a:bodyPr/>
-          <a:lstStyle/>
-          <a:p>
-            <a:r>
-              <a:rPr lang="en-US" dirty="0"/>
-              <a:t>Quizzes / Homework</a:t>
-            </a:r>
-          </a:p>
-        </p:txBody>
-      </p:sp>
-      <p:sp>
-        <p:nvSpPr>
-          <p:cNvPr id="3" name="Content Placeholder 2">
-            <a:extLst>
-              <a:ext uri="{FF2B5EF4-FFF2-40B4-BE49-F238E27FC236}">
-                <a16:creationId xmlns:a16="http://schemas.microsoft.com/office/drawing/2014/main" id="{97FEFFAF-3949-E82D-4583-E06DA22E7204}"/>
-              </a:ext>
-            </a:extLst>
-          </p:cNvPr>
-          <p:cNvSpPr>
-            <a:spLocks noGrp="1"/>
-          </p:cNvSpPr>
-          <p:nvPr>
-            <p:ph idx="1"/>
-          </p:nvPr>
-        </p:nvSpPr>
-        <p:spPr/>
-        <p:txBody>
-          <a:bodyPr>
-            <a:normAutofit/>
-          </a:bodyPr>
-          <a:lstStyle/>
-          <a:p>
-            <a:r>
-              <a:rPr lang="en-US" dirty="0"/>
-              <a:t>Quizzes will act as a low-stakes status check.</a:t>
-            </a:r>
-          </a:p>
-          <a:p>
-            <a:pPr lvl="1"/>
-            <a:endParaRPr lang="en-US" sz="1200" dirty="0"/>
-          </a:p>
-          <a:p>
-            <a:r>
-              <a:rPr lang="en-US" dirty="0"/>
-              <a:t>Students can recover extra credit by attending office hours and “correcting” any mistakes made.</a:t>
-            </a:r>
-          </a:p>
-          <a:p>
-            <a:pPr lvl="1"/>
-            <a:endParaRPr lang="en-US" sz="1200" dirty="0"/>
-          </a:p>
-          <a:p>
-            <a:r>
-              <a:rPr lang="en-US" dirty="0"/>
-              <a:t>The lowest 1 or 2 quizzes will be dropped at the end of the semester.</a:t>
-            </a:r>
-          </a:p>
-          <a:p>
-            <a:pPr lvl="1"/>
-            <a:endParaRPr lang="en-US" sz="1200" dirty="0"/>
-          </a:p>
-          <a:p>
-            <a:r>
-              <a:rPr lang="en-US" dirty="0"/>
-              <a:t>Quizzes may be substituted to homework assignments at the instructor’s discretion.</a:t>
-            </a:r>
-          </a:p>
-        </p:txBody>
-      </p:sp>
-      <p:sp>
-        <p:nvSpPr>
-          <p:cNvPr id="4" name="Date Placeholder 3">
-            <a:extLst>
-              <a:ext uri="{FF2B5EF4-FFF2-40B4-BE49-F238E27FC236}">
-                <a16:creationId xmlns:a16="http://schemas.microsoft.com/office/drawing/2014/main" id="{CE725A02-EA7A-7321-8B8B-168BF05EA587}"/>
-              </a:ext>
-            </a:extLst>
-          </p:cNvPr>
-          <p:cNvSpPr>
-            <a:spLocks noGrp="1"/>
-          </p:cNvSpPr>
-          <p:nvPr>
-            <p:ph type="dt" sz="half" idx="10"/>
-          </p:nvPr>
-        </p:nvSpPr>
-        <p:spPr/>
-        <p:txBody>
-          <a:bodyPr/>
-          <a:lstStyle/>
-          <a:p>
-            <a:r>
-              <a:rPr lang="en-US"/>
-              <a:t>Fall 2023</a:t>
-            </a:r>
-          </a:p>
-        </p:txBody>
-      </p:sp>
-      <p:sp>
-        <p:nvSpPr>
-          <p:cNvPr id="5" name="Footer Placeholder 4">
-            <a:extLst>
-              <a:ext uri="{FF2B5EF4-FFF2-40B4-BE49-F238E27FC236}">
-                <a16:creationId xmlns:a16="http://schemas.microsoft.com/office/drawing/2014/main" id="{024C4429-8EF0-A6CF-DF65-1DD6365F71D2}"/>
-              </a:ext>
-            </a:extLst>
-          </p:cNvPr>
-          <p:cNvSpPr>
-            <a:spLocks noGrp="1"/>
-          </p:cNvSpPr>
-          <p:nvPr>
-            <p:ph type="ftr" sz="quarter" idx="11"/>
-          </p:nvPr>
-        </p:nvSpPr>
-        <p:spPr/>
-        <p:txBody>
-          <a:bodyPr/>
-          <a:lstStyle/>
-          <a:p>
-            <a:r>
-              <a:rPr lang="en-US"/>
-              <a:t>DEPARTMENT OF BUSINESS &amp; ECONOMICS</a:t>
-            </a:r>
-          </a:p>
-        </p:txBody>
-      </p:sp>
-      <p:sp>
-        <p:nvSpPr>
-          <p:cNvPr id="6" name="Slide Number Placeholder 5">
-            <a:extLst>
-              <a:ext uri="{FF2B5EF4-FFF2-40B4-BE49-F238E27FC236}">
-                <a16:creationId xmlns:a16="http://schemas.microsoft.com/office/drawing/2014/main" id="{E35CE67F-4580-2DF1-52D2-80C99C5F60C8}"/>
-              </a:ext>
-            </a:extLst>
-          </p:cNvPr>
-          <p:cNvSpPr>
-            <a:spLocks noGrp="1"/>
-          </p:cNvSpPr>
-          <p:nvPr>
-            <p:ph type="sldNum" sz="quarter" idx="12"/>
-          </p:nvPr>
-        </p:nvSpPr>
-        <p:spPr/>
-        <p:txBody>
-          <a:bodyPr/>
-          <a:lstStyle/>
-          <a:p>
-            <a:fld id="{1A980C56-831A-4EAB-9EDE-57C090F4F877}" type="slidenum">
-              <a:rPr lang="en-US" smtClean="0"/>
-              <a:t>13</a:t>
-            </a:fld>
-            <a:endParaRPr lang="en-US"/>
-          </a:p>
-        </p:txBody>
-      </p:sp>
-    </p:spTree>
-    <p:extLst>
-      <p:ext uri="{BB962C8B-B14F-4D97-AF65-F5344CB8AC3E}">
-        <p14:creationId xmlns:p14="http://schemas.microsoft.com/office/powerpoint/2010/main" val="377782915"/>
-      </p:ext>
-    </p:extLst>
-  </p:cSld>
-  <p:clrMapOvr>
-    <a:masterClrMapping/>
-  </p:clrMapOvr>
-</p:sld>
-</file>
-
-<file path=ppt/slides/slide14.xml><?xml version="1.0" encoding="utf-8"?>
-<p:sld xmlns:a="http://schemas.openxmlformats.org/drawingml/2006/main" xmlns:r="http://schemas.openxmlformats.org/officeDocument/2006/relationships" xmlns:p="http://schemas.openxmlformats.org/presentationml/2006/main">
-  <p:cSld>
-    <p:spTree>
-      <p:nvGrpSpPr>
-        <p:cNvPr id="1" name=""/>
-        <p:cNvGrpSpPr/>
-        <p:nvPr/>
-      </p:nvGrpSpPr>
-      <p:grpSpPr>
-        <a:xfrm>
-          <a:off x="0" y="0"/>
-          <a:ext cx="0" cy="0"/>
-          <a:chOff x="0" y="0"/>
-          <a:chExt cx="0" cy="0"/>
-        </a:xfrm>
-      </p:grpSpPr>
-      <p:sp>
-        <p:nvSpPr>
-          <p:cNvPr id="2" name="Title 1">
-            <a:extLst>
-              <a:ext uri="{FF2B5EF4-FFF2-40B4-BE49-F238E27FC236}">
-                <a16:creationId xmlns:a16="http://schemas.microsoft.com/office/drawing/2014/main" id="{776B09A4-5BC9-4EA8-C267-D3B26A49D07E}"/>
-              </a:ext>
-            </a:extLst>
-          </p:cNvPr>
-          <p:cNvSpPr>
-            <a:spLocks noGrp="1"/>
-          </p:cNvSpPr>
-          <p:nvPr>
-            <p:ph type="title"/>
-          </p:nvPr>
-        </p:nvSpPr>
-        <p:spPr/>
-        <p:txBody>
-          <a:bodyPr/>
-          <a:lstStyle/>
-          <a:p>
-            <a:r>
-              <a:rPr lang="en-US" dirty="0"/>
-              <a:t>Exams</a:t>
-            </a:r>
-          </a:p>
-        </p:txBody>
-      </p:sp>
-      <p:sp>
-        <p:nvSpPr>
-          <p:cNvPr id="3" name="Content Placeholder 2">
-            <a:extLst>
-              <a:ext uri="{FF2B5EF4-FFF2-40B4-BE49-F238E27FC236}">
-                <a16:creationId xmlns:a16="http://schemas.microsoft.com/office/drawing/2014/main" id="{97FEFFAF-3949-E82D-4583-E06DA22E7204}"/>
-              </a:ext>
-            </a:extLst>
-          </p:cNvPr>
-          <p:cNvSpPr>
-            <a:spLocks noGrp="1"/>
-          </p:cNvSpPr>
-          <p:nvPr>
-            <p:ph idx="1"/>
-          </p:nvPr>
-        </p:nvSpPr>
-        <p:spPr/>
-        <p:txBody>
-          <a:bodyPr>
-            <a:normAutofit/>
-          </a:bodyPr>
-          <a:lstStyle/>
-          <a:p>
-            <a:r>
-              <a:rPr lang="en-US" dirty="0"/>
-              <a:t>Two exams; one midterm and a comprehensive final.</a:t>
-            </a:r>
-          </a:p>
-          <a:p>
-            <a:pPr lvl="1"/>
-            <a:endParaRPr lang="en-US" sz="1200" dirty="0"/>
-          </a:p>
-          <a:p>
-            <a:r>
-              <a:rPr lang="en-US" dirty="0"/>
-              <a:t>No “review sessions” for partial credit for exams.</a:t>
-            </a:r>
-          </a:p>
-          <a:p>
-            <a:pPr lvl="1"/>
-            <a:endParaRPr lang="en-US" sz="1200" dirty="0"/>
-          </a:p>
-          <a:p>
-            <a:r>
-              <a:rPr lang="en-US" dirty="0"/>
-              <a:t>Students may submit a request for regrading within the first 5 days the scores are made available.</a:t>
-            </a:r>
-          </a:p>
-          <a:p>
-            <a:pPr lvl="1"/>
-            <a:endParaRPr lang="en-US" sz="1200" dirty="0"/>
-          </a:p>
-          <a:p>
-            <a:r>
-              <a:rPr lang="en-US" dirty="0"/>
-              <a:t>If you miss an exam due to valid cause, the option would be either a written make-up exam, or an oral exam.</a:t>
-            </a:r>
-          </a:p>
-        </p:txBody>
-      </p:sp>
-      <p:sp>
-        <p:nvSpPr>
-          <p:cNvPr id="4" name="Date Placeholder 3">
-            <a:extLst>
-              <a:ext uri="{FF2B5EF4-FFF2-40B4-BE49-F238E27FC236}">
-                <a16:creationId xmlns:a16="http://schemas.microsoft.com/office/drawing/2014/main" id="{CE725A02-EA7A-7321-8B8B-168BF05EA587}"/>
-              </a:ext>
-            </a:extLst>
-          </p:cNvPr>
-          <p:cNvSpPr>
-            <a:spLocks noGrp="1"/>
-          </p:cNvSpPr>
-          <p:nvPr>
-            <p:ph type="dt" sz="half" idx="10"/>
-          </p:nvPr>
-        </p:nvSpPr>
-        <p:spPr/>
-        <p:txBody>
-          <a:bodyPr/>
-          <a:lstStyle/>
-          <a:p>
-            <a:r>
-              <a:rPr lang="en-US"/>
-              <a:t>Fall 2023</a:t>
-            </a:r>
-          </a:p>
-        </p:txBody>
-      </p:sp>
-      <p:sp>
-        <p:nvSpPr>
-          <p:cNvPr id="5" name="Footer Placeholder 4">
-            <a:extLst>
-              <a:ext uri="{FF2B5EF4-FFF2-40B4-BE49-F238E27FC236}">
-                <a16:creationId xmlns:a16="http://schemas.microsoft.com/office/drawing/2014/main" id="{024C4429-8EF0-A6CF-DF65-1DD6365F71D2}"/>
-              </a:ext>
-            </a:extLst>
-          </p:cNvPr>
-          <p:cNvSpPr>
-            <a:spLocks noGrp="1"/>
-          </p:cNvSpPr>
-          <p:nvPr>
-            <p:ph type="ftr" sz="quarter" idx="11"/>
-          </p:nvPr>
-        </p:nvSpPr>
-        <p:spPr/>
-        <p:txBody>
-          <a:bodyPr/>
-          <a:lstStyle/>
-          <a:p>
-            <a:r>
-              <a:rPr lang="en-US"/>
-              <a:t>DEPARTMENT OF BUSINESS &amp; ECONOMICS</a:t>
-            </a:r>
-          </a:p>
-        </p:txBody>
-      </p:sp>
-      <p:sp>
-        <p:nvSpPr>
-          <p:cNvPr id="6" name="Slide Number Placeholder 5">
-            <a:extLst>
-              <a:ext uri="{FF2B5EF4-FFF2-40B4-BE49-F238E27FC236}">
-                <a16:creationId xmlns:a16="http://schemas.microsoft.com/office/drawing/2014/main" id="{E35CE67F-4580-2DF1-52D2-80C99C5F60C8}"/>
-              </a:ext>
-            </a:extLst>
-          </p:cNvPr>
-          <p:cNvSpPr>
-            <a:spLocks noGrp="1"/>
-          </p:cNvSpPr>
-          <p:nvPr>
-            <p:ph type="sldNum" sz="quarter" idx="12"/>
-          </p:nvPr>
-        </p:nvSpPr>
-        <p:spPr/>
-        <p:txBody>
-          <a:bodyPr/>
-          <a:lstStyle/>
-          <a:p>
-            <a:fld id="{1A980C56-831A-4EAB-9EDE-57C090F4F877}" type="slidenum">
-              <a:rPr lang="en-US" smtClean="0"/>
-              <a:t>14</a:t>
-            </a:fld>
-            <a:endParaRPr lang="en-US"/>
-          </a:p>
-        </p:txBody>
-      </p:sp>
-    </p:spTree>
-    <p:extLst>
-      <p:ext uri="{BB962C8B-B14F-4D97-AF65-F5344CB8AC3E}">
-        <p14:creationId xmlns:p14="http://schemas.microsoft.com/office/powerpoint/2010/main" val="2087276231"/>
-      </p:ext>
-    </p:extLst>
-  </p:cSld>
-  <p:clrMapOvr>
-    <a:masterClrMapping/>
-  </p:clrMapOvr>
-</p:sld>
-</file>
-
-<file path=ppt/slides/slide15.xml><?xml version="1.0" encoding="utf-8"?>
-<p:sld xmlns:a="http://schemas.openxmlformats.org/drawingml/2006/main" xmlns:r="http://schemas.openxmlformats.org/officeDocument/2006/relationships" xmlns:p="http://schemas.openxmlformats.org/presentationml/2006/main">
-  <p:cSld>
-    <p:spTree>
-      <p:nvGrpSpPr>
-        <p:cNvPr id="1" name=""/>
-        <p:cNvGrpSpPr/>
-        <p:nvPr/>
-      </p:nvGrpSpPr>
-      <p:grpSpPr>
-        <a:xfrm>
-          <a:off x="0" y="0"/>
-          <a:ext cx="0" cy="0"/>
-          <a:chOff x="0" y="0"/>
-          <a:chExt cx="0" cy="0"/>
-        </a:xfrm>
-      </p:grpSpPr>
-      <p:sp>
-        <p:nvSpPr>
-          <p:cNvPr id="2" name="Title 1">
-            <a:extLst>
-              <a:ext uri="{FF2B5EF4-FFF2-40B4-BE49-F238E27FC236}">
-                <a16:creationId xmlns:a16="http://schemas.microsoft.com/office/drawing/2014/main" id="{776B09A4-5BC9-4EA8-C267-D3B26A49D07E}"/>
-              </a:ext>
-            </a:extLst>
-          </p:cNvPr>
-          <p:cNvSpPr>
-            <a:spLocks noGrp="1"/>
-          </p:cNvSpPr>
-          <p:nvPr>
-            <p:ph type="title"/>
-          </p:nvPr>
-        </p:nvSpPr>
-        <p:spPr/>
-        <p:txBody>
-          <a:bodyPr/>
-          <a:lstStyle/>
-          <a:p>
-            <a:r>
-              <a:rPr lang="en-US" dirty="0"/>
-              <a:t>Textbook / Reading Material</a:t>
-            </a:r>
-          </a:p>
-        </p:txBody>
-      </p:sp>
-      <p:sp>
-        <p:nvSpPr>
-          <p:cNvPr id="3" name="Content Placeholder 2">
-            <a:extLst>
-              <a:ext uri="{FF2B5EF4-FFF2-40B4-BE49-F238E27FC236}">
-                <a16:creationId xmlns:a16="http://schemas.microsoft.com/office/drawing/2014/main" id="{97FEFFAF-3949-E82D-4583-E06DA22E7204}"/>
-              </a:ext>
-            </a:extLst>
-          </p:cNvPr>
-          <p:cNvSpPr>
-            <a:spLocks noGrp="1"/>
-          </p:cNvSpPr>
-          <p:nvPr>
-            <p:ph idx="1"/>
-          </p:nvPr>
-        </p:nvSpPr>
-        <p:spPr/>
-        <p:txBody>
-          <a:bodyPr>
-            <a:normAutofit/>
-          </a:bodyPr>
-          <a:lstStyle/>
-          <a:p>
-            <a:r>
-              <a:rPr lang="en-US" dirty="0"/>
-              <a:t>The main textbook for this course will be H. Varian’s Intermediate Microeconomics.</a:t>
-            </a:r>
-          </a:p>
-          <a:p>
-            <a:pPr lvl="1"/>
-            <a:endParaRPr lang="en-US" sz="1200" dirty="0"/>
-          </a:p>
-          <a:p>
-            <a:r>
-              <a:rPr lang="en-US" dirty="0"/>
-              <a:t>Slides / Notes will be distributed online.</a:t>
-            </a:r>
-          </a:p>
-          <a:p>
-            <a:pPr lvl="1"/>
-            <a:r>
-              <a:rPr lang="en-US" dirty="0"/>
-              <a:t>Moodle?</a:t>
-            </a:r>
-          </a:p>
-          <a:p>
-            <a:pPr lvl="1"/>
-            <a:r>
-              <a:rPr lang="en-US" dirty="0"/>
-              <a:t>Dropbox?</a:t>
-            </a:r>
-          </a:p>
-          <a:p>
-            <a:pPr lvl="1"/>
-            <a:r>
-              <a:rPr lang="en-US" dirty="0"/>
-              <a:t>Separate Webpage?</a:t>
-            </a:r>
-          </a:p>
-          <a:p>
-            <a:pPr lvl="1"/>
-            <a:endParaRPr lang="en-US" sz="1200" dirty="0"/>
-          </a:p>
-          <a:p>
-            <a:r>
-              <a:rPr lang="en-US" dirty="0"/>
-              <a:t>Occasional newspaper articles or short stories may be assigned as reading material.</a:t>
-            </a:r>
-          </a:p>
-        </p:txBody>
-      </p:sp>
-      <p:sp>
-        <p:nvSpPr>
-          <p:cNvPr id="4" name="Date Placeholder 3">
-            <a:extLst>
-              <a:ext uri="{FF2B5EF4-FFF2-40B4-BE49-F238E27FC236}">
-                <a16:creationId xmlns:a16="http://schemas.microsoft.com/office/drawing/2014/main" id="{CE725A02-EA7A-7321-8B8B-168BF05EA587}"/>
-              </a:ext>
-            </a:extLst>
-          </p:cNvPr>
-          <p:cNvSpPr>
-            <a:spLocks noGrp="1"/>
-          </p:cNvSpPr>
-          <p:nvPr>
-            <p:ph type="dt" sz="half" idx="10"/>
-          </p:nvPr>
-        </p:nvSpPr>
-        <p:spPr/>
-        <p:txBody>
-          <a:bodyPr/>
-          <a:lstStyle/>
-          <a:p>
-            <a:r>
-              <a:rPr lang="en-US"/>
-              <a:t>Fall 2023</a:t>
-            </a:r>
-          </a:p>
-        </p:txBody>
-      </p:sp>
-      <p:sp>
-        <p:nvSpPr>
-          <p:cNvPr id="5" name="Footer Placeholder 4">
-            <a:extLst>
-              <a:ext uri="{FF2B5EF4-FFF2-40B4-BE49-F238E27FC236}">
-                <a16:creationId xmlns:a16="http://schemas.microsoft.com/office/drawing/2014/main" id="{024C4429-8EF0-A6CF-DF65-1DD6365F71D2}"/>
-              </a:ext>
-            </a:extLst>
-          </p:cNvPr>
-          <p:cNvSpPr>
-            <a:spLocks noGrp="1"/>
-          </p:cNvSpPr>
-          <p:nvPr>
-            <p:ph type="ftr" sz="quarter" idx="11"/>
-          </p:nvPr>
-        </p:nvSpPr>
-        <p:spPr/>
-        <p:txBody>
-          <a:bodyPr/>
-          <a:lstStyle/>
-          <a:p>
-            <a:r>
-              <a:rPr lang="en-US"/>
-              <a:t>DEPARTMENT OF BUSINESS &amp; ECONOMICS</a:t>
-            </a:r>
-          </a:p>
-        </p:txBody>
-      </p:sp>
-      <p:sp>
-        <p:nvSpPr>
-          <p:cNvPr id="6" name="Slide Number Placeholder 5">
-            <a:extLst>
-              <a:ext uri="{FF2B5EF4-FFF2-40B4-BE49-F238E27FC236}">
-                <a16:creationId xmlns:a16="http://schemas.microsoft.com/office/drawing/2014/main" id="{E35CE67F-4580-2DF1-52D2-80C99C5F60C8}"/>
-              </a:ext>
-            </a:extLst>
-          </p:cNvPr>
-          <p:cNvSpPr>
-            <a:spLocks noGrp="1"/>
-          </p:cNvSpPr>
-          <p:nvPr>
-            <p:ph type="sldNum" sz="quarter" idx="12"/>
-          </p:nvPr>
-        </p:nvSpPr>
-        <p:spPr/>
-        <p:txBody>
-          <a:bodyPr/>
-          <a:lstStyle/>
-          <a:p>
-            <a:fld id="{1A980C56-831A-4EAB-9EDE-57C090F4F877}" type="slidenum">
-              <a:rPr lang="en-US" smtClean="0"/>
-              <a:t>15</a:t>
-            </a:fld>
-            <a:endParaRPr lang="en-US"/>
-          </a:p>
-        </p:txBody>
-      </p:sp>
-    </p:spTree>
-    <p:extLst>
-      <p:ext uri="{BB962C8B-B14F-4D97-AF65-F5344CB8AC3E}">
-        <p14:creationId xmlns:p14="http://schemas.microsoft.com/office/powerpoint/2010/main" val="1589184417"/>
-      </p:ext>
-    </p:extLst>
-  </p:cSld>
-  <p:clrMapOvr>
-    <a:masterClrMapping/>
-  </p:clrMapOvr>
-</p:sld>
-</file>
-
 <file path=ppt/slides/slide16.xml><?xml version="1.0" encoding="utf-8"?>
 <p:sld xmlns:a="http://schemas.openxmlformats.org/drawingml/2006/main" xmlns:r="http://schemas.openxmlformats.org/officeDocument/2006/relationships" xmlns:p="http://schemas.openxmlformats.org/presentationml/2006/main">
   <p:cSld>
@@ -6286,10 +6492,98 @@
       </p:grpSpPr>
       <p:sp>
         <p:nvSpPr>
-          <p:cNvPr id="2" name="Date Placeholder 1">
-            <a:extLst>
-              <a:ext uri="{FF2B5EF4-FFF2-40B4-BE49-F238E27FC236}">
-                <a16:creationId xmlns:a16="http://schemas.microsoft.com/office/drawing/2014/main" id="{1022C780-F98E-749C-4F79-DE6B25F4A3B8}"/>
+          <p:cNvPr id="2" name="Title 1">
+            <a:extLst>
+              <a:ext uri="{FF2B5EF4-FFF2-40B4-BE49-F238E27FC236}">
+                <a16:creationId xmlns:a16="http://schemas.microsoft.com/office/drawing/2014/main" id="{776B09A4-5BC9-4EA8-C267-D3B26A49D07E}"/>
+              </a:ext>
+            </a:extLst>
+          </p:cNvPr>
+          <p:cNvSpPr>
+            <a:spLocks noGrp="1"/>
+          </p:cNvSpPr>
+          <p:nvPr>
+            <p:ph type="title"/>
+          </p:nvPr>
+        </p:nvSpPr>
+        <p:spPr/>
+        <p:txBody>
+          <a:bodyPr/>
+          <a:lstStyle/>
+          <a:p>
+            <a:r>
+              <a:rPr lang="en-US" dirty="0"/>
+              <a:t>Quizzes / Homework</a:t>
+            </a:r>
+          </a:p>
+        </p:txBody>
+      </p:sp>
+      <p:sp>
+        <p:nvSpPr>
+          <p:cNvPr id="3" name="Content Placeholder 2">
+            <a:extLst>
+              <a:ext uri="{FF2B5EF4-FFF2-40B4-BE49-F238E27FC236}">
+                <a16:creationId xmlns:a16="http://schemas.microsoft.com/office/drawing/2014/main" id="{97FEFFAF-3949-E82D-4583-E06DA22E7204}"/>
+              </a:ext>
+            </a:extLst>
+          </p:cNvPr>
+          <p:cNvSpPr>
+            <a:spLocks noGrp="1"/>
+          </p:cNvSpPr>
+          <p:nvPr>
+            <p:ph idx="1"/>
+          </p:nvPr>
+        </p:nvSpPr>
+        <p:spPr/>
+        <p:txBody>
+          <a:bodyPr>
+            <a:normAutofit/>
+          </a:bodyPr>
+          <a:lstStyle/>
+          <a:p>
+            <a:r>
+              <a:rPr lang="en-US" dirty="0"/>
+              <a:t>Quizzes will act as a low-stakes status check.</a:t>
+            </a:r>
+          </a:p>
+          <a:p>
+            <a:pPr lvl="1"/>
+            <a:endParaRPr lang="en-US" sz="1200" dirty="0"/>
+          </a:p>
+          <a:p>
+            <a:r>
+              <a:rPr lang="en-US" dirty="0"/>
+              <a:t>Students can recover extra credit by attending office hours and “correcting” any mistakes made.</a:t>
+            </a:r>
+          </a:p>
+          <a:p>
+            <a:pPr lvl="1"/>
+            <a:endParaRPr lang="en-US" sz="1200" dirty="0"/>
+          </a:p>
+          <a:p>
+            <a:r>
+              <a:rPr lang="en-US" dirty="0"/>
+              <a:t>The lowest 1 or 2 quizzes will be dropped at the end of the semester.</a:t>
+            </a:r>
+          </a:p>
+          <a:p>
+            <a:pPr lvl="1"/>
+            <a:endParaRPr lang="en-US" sz="1200" dirty="0"/>
+          </a:p>
+          <a:p>
+            <a:r>
+              <a:rPr lang="en-US" dirty="0"/>
+              <a:t>Quizzes may be substituted to homework assignments at the instructor’s discretion.</a:t>
+            </a:r>
+          </a:p>
+        </p:txBody>
+      </p:sp>
+      <p:sp>
+        <p:nvSpPr>
+          <p:cNvPr id="4" name="Date Placeholder 3">
+            <a:extLst>
+              <a:ext uri="{FF2B5EF4-FFF2-40B4-BE49-F238E27FC236}">
+                <a16:creationId xmlns:a16="http://schemas.microsoft.com/office/drawing/2014/main" id="{CE725A02-EA7A-7321-8B8B-168BF05EA587}"/>
               </a:ext>
             </a:extLst>
           </p:cNvPr>
@@ -6314,10 +6608,10 @@
       </p:sp>
       <p:sp>
         <p:nvSpPr>
-          <p:cNvPr id="3" name="Footer Placeholder 2">
-            <a:extLst>
-              <a:ext uri="{FF2B5EF4-FFF2-40B4-BE49-F238E27FC236}">
-                <a16:creationId xmlns:a16="http://schemas.microsoft.com/office/drawing/2014/main" id="{40927615-3499-AB42-D0B7-17260449353D}"/>
+          <p:cNvPr id="5" name="Footer Placeholder 4">
+            <a:extLst>
+              <a:ext uri="{FF2B5EF4-FFF2-40B4-BE49-F238E27FC236}">
+                <a16:creationId xmlns:a16="http://schemas.microsoft.com/office/drawing/2014/main" id="{024C4429-8EF0-A6CF-DF65-1DD6365F71D2}"/>
               </a:ext>
             </a:extLst>
           </p:cNvPr>
@@ -6342,10 +6636,10 @@
       </p:sp>
       <p:sp>
         <p:nvSpPr>
-          <p:cNvPr id="4" name="Slide Number Placeholder 3">
-            <a:extLst>
-              <a:ext uri="{FF2B5EF4-FFF2-40B4-BE49-F238E27FC236}">
-                <a16:creationId xmlns:a16="http://schemas.microsoft.com/office/drawing/2014/main" id="{9D866D59-D2FF-C5B0-1BD0-23C9A7C2DF4B}"/>
+          <p:cNvPr id="6" name="Slide Number Placeholder 5">
+            <a:extLst>
+              <a:ext uri="{FF2B5EF4-FFF2-40B4-BE49-F238E27FC236}">
+                <a16:creationId xmlns:a16="http://schemas.microsoft.com/office/drawing/2014/main" id="{E35CE67F-4580-2DF1-52D2-80C99C5F60C8}"/>
               </a:ext>
             </a:extLst>
           </p:cNvPr>
@@ -6369,50 +6663,10 @@
           </a:p>
         </p:txBody>
       </p:sp>
-      <p:pic>
-        <p:nvPicPr>
-          <p:cNvPr id="6" name="Picture 5">
-            <a:extLst>
-              <a:ext uri="{FF2B5EF4-FFF2-40B4-BE49-F238E27FC236}">
-                <a16:creationId xmlns:a16="http://schemas.microsoft.com/office/drawing/2014/main" id="{C744EA90-0465-61EF-CE4F-AD482A830469}"/>
-              </a:ext>
-            </a:extLst>
-          </p:cNvPr>
-          <p:cNvPicPr>
-            <a:picLocks/>
-          </p:cNvPicPr>
-          <p:nvPr>
-            <p:custDataLst>
-              <p:tags r:id="rId1"/>
-            </p:custDataLst>
-          </p:nvPr>
-        </p:nvPicPr>
-        <p:blipFill>
-          <a:blip r:embed="rId4">
-            <a:extLst>
-              <a:ext uri="{28A0092B-C50C-407E-A947-70E740481C1C}">
-                <a14:useLocalDpi xmlns:a14="http://schemas.microsoft.com/office/drawing/2010/main" val="0"/>
-              </a:ext>
-            </a:extLst>
-          </a:blip>
-          <a:stretch>
-            <a:fillRect/>
-          </a:stretch>
-        </p:blipFill>
-        <p:spPr>
-          <a:xfrm>
-            <a:off x="0" y="0"/>
-            <a:ext cx="9144000" cy="6858000"/>
-          </a:xfrm>
-          <a:prstGeom prst="rect">
-            <a:avLst/>
-          </a:prstGeom>
-        </p:spPr>
-      </p:pic>
     </p:spTree>
     <p:extLst>
       <p:ext uri="{BB962C8B-B14F-4D97-AF65-F5344CB8AC3E}">
-        <p14:creationId xmlns:p14="http://schemas.microsoft.com/office/powerpoint/2010/main" val="637836773"/>
+        <p14:creationId xmlns:p14="http://schemas.microsoft.com/office/powerpoint/2010/main" val="377782915"/>
       </p:ext>
     </p:extLst>
   </p:cSld>
@@ -6441,10 +6695,98 @@
       </p:grpSpPr>
       <p:sp>
         <p:nvSpPr>
-          <p:cNvPr id="2" name="Date Placeholder 1">
-            <a:extLst>
-              <a:ext uri="{FF2B5EF4-FFF2-40B4-BE49-F238E27FC236}">
-                <a16:creationId xmlns:a16="http://schemas.microsoft.com/office/drawing/2014/main" id="{5837873B-5B24-A4DC-CE8F-8A475B7E403A}"/>
+          <p:cNvPr id="2" name="Title 1">
+            <a:extLst>
+              <a:ext uri="{FF2B5EF4-FFF2-40B4-BE49-F238E27FC236}">
+                <a16:creationId xmlns:a16="http://schemas.microsoft.com/office/drawing/2014/main" id="{776B09A4-5BC9-4EA8-C267-D3B26A49D07E}"/>
+              </a:ext>
+            </a:extLst>
+          </p:cNvPr>
+          <p:cNvSpPr>
+            <a:spLocks noGrp="1"/>
+          </p:cNvSpPr>
+          <p:nvPr>
+            <p:ph type="title"/>
+          </p:nvPr>
+        </p:nvSpPr>
+        <p:spPr/>
+        <p:txBody>
+          <a:bodyPr/>
+          <a:lstStyle/>
+          <a:p>
+            <a:r>
+              <a:rPr lang="en-US" dirty="0"/>
+              <a:t>Exams</a:t>
+            </a:r>
+          </a:p>
+        </p:txBody>
+      </p:sp>
+      <p:sp>
+        <p:nvSpPr>
+          <p:cNvPr id="3" name="Content Placeholder 2">
+            <a:extLst>
+              <a:ext uri="{FF2B5EF4-FFF2-40B4-BE49-F238E27FC236}">
+                <a16:creationId xmlns:a16="http://schemas.microsoft.com/office/drawing/2014/main" id="{97FEFFAF-3949-E82D-4583-E06DA22E7204}"/>
+              </a:ext>
+            </a:extLst>
+          </p:cNvPr>
+          <p:cNvSpPr>
+            <a:spLocks noGrp="1"/>
+          </p:cNvSpPr>
+          <p:nvPr>
+            <p:ph idx="1"/>
+          </p:nvPr>
+        </p:nvSpPr>
+        <p:spPr/>
+        <p:txBody>
+          <a:bodyPr>
+            <a:normAutofit/>
+          </a:bodyPr>
+          <a:lstStyle/>
+          <a:p>
+            <a:r>
+              <a:rPr lang="en-US" dirty="0"/>
+              <a:t>Two exams; one midterm and a comprehensive final.</a:t>
+            </a:r>
+          </a:p>
+          <a:p>
+            <a:pPr lvl="1"/>
+            <a:endParaRPr lang="en-US" sz="1200" dirty="0"/>
+          </a:p>
+          <a:p>
+            <a:r>
+              <a:rPr lang="en-US" dirty="0"/>
+              <a:t>No “review sessions” for partial credit for exams.</a:t>
+            </a:r>
+          </a:p>
+          <a:p>
+            <a:pPr lvl="1"/>
+            <a:endParaRPr lang="en-US" sz="1200" dirty="0"/>
+          </a:p>
+          <a:p>
+            <a:r>
+              <a:rPr lang="en-US" dirty="0"/>
+              <a:t>Students may submit a request for regrading within the first 5 days the scores are made available.</a:t>
+            </a:r>
+          </a:p>
+          <a:p>
+            <a:pPr lvl="1"/>
+            <a:endParaRPr lang="en-US" sz="1200" dirty="0"/>
+          </a:p>
+          <a:p>
+            <a:r>
+              <a:rPr lang="en-US" dirty="0"/>
+              <a:t>If you miss an exam due to valid cause, the option would be either a written make-up exam, or an oral exam.</a:t>
+            </a:r>
+          </a:p>
+        </p:txBody>
+      </p:sp>
+      <p:sp>
+        <p:nvSpPr>
+          <p:cNvPr id="4" name="Date Placeholder 3">
+            <a:extLst>
+              <a:ext uri="{FF2B5EF4-FFF2-40B4-BE49-F238E27FC236}">
+                <a16:creationId xmlns:a16="http://schemas.microsoft.com/office/drawing/2014/main" id="{CE725A02-EA7A-7321-8B8B-168BF05EA587}"/>
               </a:ext>
             </a:extLst>
           </p:cNvPr>
@@ -6469,10 +6811,10 @@
       </p:sp>
       <p:sp>
         <p:nvSpPr>
-          <p:cNvPr id="3" name="Footer Placeholder 2">
-            <a:extLst>
-              <a:ext uri="{FF2B5EF4-FFF2-40B4-BE49-F238E27FC236}">
-                <a16:creationId xmlns:a16="http://schemas.microsoft.com/office/drawing/2014/main" id="{5F329111-5F54-B3AD-74AC-AE51A3EE4B79}"/>
+          <p:cNvPr id="5" name="Footer Placeholder 4">
+            <a:extLst>
+              <a:ext uri="{FF2B5EF4-FFF2-40B4-BE49-F238E27FC236}">
+                <a16:creationId xmlns:a16="http://schemas.microsoft.com/office/drawing/2014/main" id="{024C4429-8EF0-A6CF-DF65-1DD6365F71D2}"/>
               </a:ext>
             </a:extLst>
           </p:cNvPr>
@@ -6497,10 +6839,10 @@
       </p:sp>
       <p:sp>
         <p:nvSpPr>
-          <p:cNvPr id="4" name="Slide Number Placeholder 3">
-            <a:extLst>
-              <a:ext uri="{FF2B5EF4-FFF2-40B4-BE49-F238E27FC236}">
-                <a16:creationId xmlns:a16="http://schemas.microsoft.com/office/drawing/2014/main" id="{B379BB4C-1152-0DFD-5B9A-7741C62CAC11}"/>
+          <p:cNvPr id="6" name="Slide Number Placeholder 5">
+            <a:extLst>
+              <a:ext uri="{FF2B5EF4-FFF2-40B4-BE49-F238E27FC236}">
+                <a16:creationId xmlns:a16="http://schemas.microsoft.com/office/drawing/2014/main" id="{E35CE67F-4580-2DF1-52D2-80C99C5F60C8}"/>
               </a:ext>
             </a:extLst>
           </p:cNvPr>
@@ -6524,50 +6866,10 @@
           </a:p>
         </p:txBody>
       </p:sp>
-      <p:pic>
-        <p:nvPicPr>
-          <p:cNvPr id="6" name="Picture 5">
-            <a:extLst>
-              <a:ext uri="{FF2B5EF4-FFF2-40B4-BE49-F238E27FC236}">
-                <a16:creationId xmlns:a16="http://schemas.microsoft.com/office/drawing/2014/main" id="{F69CE346-2C6F-7C38-FC6C-E44FBFFDDCB7}"/>
-              </a:ext>
-            </a:extLst>
-          </p:cNvPr>
-          <p:cNvPicPr>
-            <a:picLocks/>
-          </p:cNvPicPr>
-          <p:nvPr>
-            <p:custDataLst>
-              <p:tags r:id="rId1"/>
-            </p:custDataLst>
-          </p:nvPr>
-        </p:nvPicPr>
-        <p:blipFill>
-          <a:blip r:embed="rId4">
-            <a:extLst>
-              <a:ext uri="{28A0092B-C50C-407E-A947-70E740481C1C}">
-                <a14:useLocalDpi xmlns:a14="http://schemas.microsoft.com/office/drawing/2010/main" val="0"/>
-              </a:ext>
-            </a:extLst>
-          </a:blip>
-          <a:stretch>
-            <a:fillRect/>
-          </a:stretch>
-        </p:blipFill>
-        <p:spPr>
-          <a:xfrm>
-            <a:off x="0" y="0"/>
-            <a:ext cx="9144000" cy="6858000"/>
-          </a:xfrm>
-          <a:prstGeom prst="rect">
-            <a:avLst/>
-          </a:prstGeom>
-        </p:spPr>
-      </p:pic>
     </p:spTree>
     <p:extLst>
       <p:ext uri="{BB962C8B-B14F-4D97-AF65-F5344CB8AC3E}">
-        <p14:creationId xmlns:p14="http://schemas.microsoft.com/office/powerpoint/2010/main" val="3003151096"/>
+        <p14:creationId xmlns:p14="http://schemas.microsoft.com/office/powerpoint/2010/main" val="2087276231"/>
       </p:ext>
     </p:extLst>
   </p:cSld>
@@ -6596,10 +6898,128 @@
       </p:grpSpPr>
       <p:sp>
         <p:nvSpPr>
-          <p:cNvPr id="2" name="Date Placeholder 1">
-            <a:extLst>
-              <a:ext uri="{FF2B5EF4-FFF2-40B4-BE49-F238E27FC236}">
-                <a16:creationId xmlns:a16="http://schemas.microsoft.com/office/drawing/2014/main" id="{1C7D3459-7107-E535-F38C-11653BC0EA6C}"/>
+          <p:cNvPr id="2" name="Title 1">
+            <a:extLst>
+              <a:ext uri="{FF2B5EF4-FFF2-40B4-BE49-F238E27FC236}">
+                <a16:creationId xmlns:a16="http://schemas.microsoft.com/office/drawing/2014/main" id="{776B09A4-5BC9-4EA8-C267-D3B26A49D07E}"/>
+              </a:ext>
+            </a:extLst>
+          </p:cNvPr>
+          <p:cNvSpPr>
+            <a:spLocks noGrp="1"/>
+          </p:cNvSpPr>
+          <p:nvPr>
+            <p:ph type="title"/>
+          </p:nvPr>
+        </p:nvSpPr>
+        <p:spPr/>
+        <p:txBody>
+          <a:bodyPr/>
+          <a:lstStyle/>
+          <a:p>
+            <a:r>
+              <a:rPr lang="en-US" dirty="0"/>
+              <a:t>Textbook / Reading Material</a:t>
+            </a:r>
+          </a:p>
+        </p:txBody>
+      </p:sp>
+      <p:sp>
+        <p:nvSpPr>
+          <p:cNvPr id="3" name="Content Placeholder 2">
+            <a:extLst>
+              <a:ext uri="{FF2B5EF4-FFF2-40B4-BE49-F238E27FC236}">
+                <a16:creationId xmlns:a16="http://schemas.microsoft.com/office/drawing/2014/main" id="{97FEFFAF-3949-E82D-4583-E06DA22E7204}"/>
+              </a:ext>
+            </a:extLst>
+          </p:cNvPr>
+          <p:cNvSpPr>
+            <a:spLocks noGrp="1"/>
+          </p:cNvSpPr>
+          <p:nvPr>
+            <p:ph idx="1"/>
+          </p:nvPr>
+        </p:nvSpPr>
+        <p:spPr>
+          <a:xfrm>
+            <a:off x="628650" y="1825624"/>
+            <a:ext cx="7886700" cy="4530727"/>
+          </a:xfrm>
+        </p:spPr>
+        <p:txBody>
+          <a:bodyPr>
+            <a:normAutofit/>
+          </a:bodyPr>
+          <a:lstStyle/>
+          <a:p>
+            <a:r>
+              <a:rPr lang="en-US" dirty="0"/>
+              <a:t>The main textbook for this course:</a:t>
+            </a:r>
+          </a:p>
+          <a:p>
+            <a:pPr lvl="1"/>
+            <a:r>
+              <a:rPr lang="en-US" dirty="0"/>
+              <a:t>H. Varian’s Intermediate Microeconomics.</a:t>
+            </a:r>
+          </a:p>
+          <a:p>
+            <a:pPr lvl="1"/>
+            <a:r>
+              <a:rPr lang="en-US" dirty="0"/>
+              <a:t>Optional, but recommended</a:t>
+            </a:r>
+          </a:p>
+          <a:p>
+            <a:pPr lvl="1"/>
+            <a:endParaRPr lang="en-US" sz="1200" dirty="0"/>
+          </a:p>
+          <a:p>
+            <a:r>
+              <a:rPr lang="en-US" dirty="0"/>
+              <a:t>Slides / Notes will be distributed online.</a:t>
+            </a:r>
+          </a:p>
+          <a:p>
+            <a:pPr lvl="1"/>
+            <a:r>
+              <a:rPr lang="en-US" dirty="0"/>
+              <a:t>LMS: Moodle?</a:t>
+            </a:r>
+          </a:p>
+          <a:p>
+            <a:pPr lvl="1"/>
+            <a:r>
+              <a:rPr lang="en-US" dirty="0"/>
+              <a:t>Cloud: OneDrive , Google Drive, Dropbox?</a:t>
+            </a:r>
+          </a:p>
+          <a:p>
+            <a:pPr lvl="1"/>
+            <a:r>
+              <a:rPr lang="en-US" dirty="0"/>
+              <a:t>Personal Webpage?</a:t>
+            </a:r>
+          </a:p>
+          <a:p>
+            <a:pPr lvl="1"/>
+            <a:endParaRPr lang="en-US" sz="1200" dirty="0"/>
+          </a:p>
+          <a:p>
+            <a:r>
+              <a:rPr lang="en-US" dirty="0"/>
+              <a:t>News articles, short stories, or videos may occasionally be assigned as supplementary material.</a:t>
+            </a:r>
+          </a:p>
+        </p:txBody>
+      </p:sp>
+      <p:sp>
+        <p:nvSpPr>
+          <p:cNvPr id="4" name="Date Placeholder 3">
+            <a:extLst>
+              <a:ext uri="{FF2B5EF4-FFF2-40B4-BE49-F238E27FC236}">
+                <a16:creationId xmlns:a16="http://schemas.microsoft.com/office/drawing/2014/main" id="{CE725A02-EA7A-7321-8B8B-168BF05EA587}"/>
               </a:ext>
             </a:extLst>
           </p:cNvPr>
@@ -6624,10 +7044,10 @@
       </p:sp>
       <p:sp>
         <p:nvSpPr>
-          <p:cNvPr id="3" name="Footer Placeholder 2">
-            <a:extLst>
-              <a:ext uri="{FF2B5EF4-FFF2-40B4-BE49-F238E27FC236}">
-                <a16:creationId xmlns:a16="http://schemas.microsoft.com/office/drawing/2014/main" id="{0198ED19-750A-9774-7652-992D7DBDF2A2}"/>
+          <p:cNvPr id="5" name="Footer Placeholder 4">
+            <a:extLst>
+              <a:ext uri="{FF2B5EF4-FFF2-40B4-BE49-F238E27FC236}">
+                <a16:creationId xmlns:a16="http://schemas.microsoft.com/office/drawing/2014/main" id="{024C4429-8EF0-A6CF-DF65-1DD6365F71D2}"/>
               </a:ext>
             </a:extLst>
           </p:cNvPr>
@@ -6652,10 +7072,10 @@
       </p:sp>
       <p:sp>
         <p:nvSpPr>
-          <p:cNvPr id="4" name="Slide Number Placeholder 3">
-            <a:extLst>
-              <a:ext uri="{FF2B5EF4-FFF2-40B4-BE49-F238E27FC236}">
-                <a16:creationId xmlns:a16="http://schemas.microsoft.com/office/drawing/2014/main" id="{97BEBEDF-4F6A-80C1-125C-BB5F256DEBA1}"/>
+          <p:cNvPr id="6" name="Slide Number Placeholder 5">
+            <a:extLst>
+              <a:ext uri="{FF2B5EF4-FFF2-40B4-BE49-F238E27FC236}">
+                <a16:creationId xmlns:a16="http://schemas.microsoft.com/office/drawing/2014/main" id="{E35CE67F-4580-2DF1-52D2-80C99C5F60C8}"/>
               </a:ext>
             </a:extLst>
           </p:cNvPr>
@@ -6674,6 +7094,546 @@
             <a:fld id="{1A980C56-831A-4EAB-9EDE-57C090F4F877}" type="slidenum">
               <a:rPr lang="en-US" smtClean="0"/>
               <a:t>18</a:t>
+            </a:fld>
+            <a:endParaRPr lang="en-US"/>
+          </a:p>
+        </p:txBody>
+      </p:sp>
+    </p:spTree>
+    <p:extLst>
+      <p:ext uri="{BB962C8B-B14F-4D97-AF65-F5344CB8AC3E}">
+        <p14:creationId xmlns:p14="http://schemas.microsoft.com/office/powerpoint/2010/main" val="1589184417"/>
+      </p:ext>
+    </p:extLst>
+  </p:cSld>
+  <p:clrMapOvr>
+    <a:masterClrMapping/>
+  </p:clrMapOvr>
+</p:sld>
+</file>
+
+<file path=ppt/slides/slide19.xml><?xml version="1.0" encoding="utf-8"?>
+<p:sld xmlns:a="http://schemas.openxmlformats.org/drawingml/2006/main" xmlns:r="http://schemas.openxmlformats.org/officeDocument/2006/relationships" xmlns:p="http://schemas.openxmlformats.org/presentationml/2006/main">
+  <p:cSld>
+    <p:spTree>
+      <p:nvGrpSpPr>
+        <p:cNvPr id="1" name=""/>
+        <p:cNvGrpSpPr/>
+        <p:nvPr/>
+      </p:nvGrpSpPr>
+      <p:grpSpPr>
+        <a:xfrm>
+          <a:off x="0" y="0"/>
+          <a:ext cx="0" cy="0"/>
+          <a:chOff x="0" y="0"/>
+          <a:chExt cx="0" cy="0"/>
+        </a:xfrm>
+      </p:grpSpPr>
+      <p:sp>
+        <p:nvSpPr>
+          <p:cNvPr id="2" name="Title 1">
+            <a:extLst>
+              <a:ext uri="{FF2B5EF4-FFF2-40B4-BE49-F238E27FC236}">
+                <a16:creationId xmlns:a16="http://schemas.microsoft.com/office/drawing/2014/main" id="{776B09A4-5BC9-4EA8-C267-D3B26A49D07E}"/>
+              </a:ext>
+            </a:extLst>
+          </p:cNvPr>
+          <p:cNvSpPr>
+            <a:spLocks noGrp="1"/>
+          </p:cNvSpPr>
+          <p:nvPr>
+            <p:ph type="title"/>
+          </p:nvPr>
+        </p:nvSpPr>
+        <p:spPr/>
+        <p:txBody>
+          <a:bodyPr/>
+          <a:lstStyle/>
+          <a:p>
+            <a:r>
+              <a:rPr lang="en-US" dirty="0" err="1"/>
+              <a:t>PollEverywhere</a:t>
+            </a:r>
+            <a:endParaRPr lang="en-US" dirty="0"/>
+          </a:p>
+        </p:txBody>
+      </p:sp>
+      <p:sp>
+        <p:nvSpPr>
+          <p:cNvPr id="3" name="Content Placeholder 2">
+            <a:extLst>
+              <a:ext uri="{FF2B5EF4-FFF2-40B4-BE49-F238E27FC236}">
+                <a16:creationId xmlns:a16="http://schemas.microsoft.com/office/drawing/2014/main" id="{97FEFFAF-3949-E82D-4583-E06DA22E7204}"/>
+              </a:ext>
+            </a:extLst>
+          </p:cNvPr>
+          <p:cNvSpPr>
+            <a:spLocks noGrp="1"/>
+          </p:cNvSpPr>
+          <p:nvPr>
+            <p:ph idx="1"/>
+          </p:nvPr>
+        </p:nvSpPr>
+        <p:spPr/>
+        <p:txBody>
+          <a:bodyPr>
+            <a:normAutofit/>
+          </a:bodyPr>
+          <a:lstStyle/>
+          <a:p>
+            <a:r>
+              <a:rPr lang="en-US" dirty="0"/>
+              <a:t>https://pollev.com/brianpark046</a:t>
+            </a:r>
+          </a:p>
+        </p:txBody>
+      </p:sp>
+      <p:sp>
+        <p:nvSpPr>
+          <p:cNvPr id="4" name="Date Placeholder 3">
+            <a:extLst>
+              <a:ext uri="{FF2B5EF4-FFF2-40B4-BE49-F238E27FC236}">
+                <a16:creationId xmlns:a16="http://schemas.microsoft.com/office/drawing/2014/main" id="{CE725A02-EA7A-7321-8B8B-168BF05EA587}"/>
+              </a:ext>
+            </a:extLst>
+          </p:cNvPr>
+          <p:cNvSpPr>
+            <a:spLocks noGrp="1"/>
+          </p:cNvSpPr>
+          <p:nvPr>
+            <p:ph type="dt" sz="half" idx="10"/>
+          </p:nvPr>
+        </p:nvSpPr>
+        <p:spPr/>
+        <p:txBody>
+          <a:bodyPr/>
+          <a:lstStyle/>
+          <a:p>
+            <a:r>
+              <a:rPr lang="en-US"/>
+              <a:t>Fall 2023</a:t>
+            </a:r>
+          </a:p>
+        </p:txBody>
+      </p:sp>
+      <p:sp>
+        <p:nvSpPr>
+          <p:cNvPr id="5" name="Footer Placeholder 4">
+            <a:extLst>
+              <a:ext uri="{FF2B5EF4-FFF2-40B4-BE49-F238E27FC236}">
+                <a16:creationId xmlns:a16="http://schemas.microsoft.com/office/drawing/2014/main" id="{024C4429-8EF0-A6CF-DF65-1DD6365F71D2}"/>
+              </a:ext>
+            </a:extLst>
+          </p:cNvPr>
+          <p:cNvSpPr>
+            <a:spLocks noGrp="1"/>
+          </p:cNvSpPr>
+          <p:nvPr>
+            <p:ph type="ftr" sz="quarter" idx="11"/>
+          </p:nvPr>
+        </p:nvSpPr>
+        <p:spPr/>
+        <p:txBody>
+          <a:bodyPr/>
+          <a:lstStyle/>
+          <a:p>
+            <a:r>
+              <a:rPr lang="en-US"/>
+              <a:t>DEPARTMENT OF BUSINESS &amp; ECONOMICS</a:t>
+            </a:r>
+          </a:p>
+        </p:txBody>
+      </p:sp>
+      <p:sp>
+        <p:nvSpPr>
+          <p:cNvPr id="6" name="Slide Number Placeholder 5">
+            <a:extLst>
+              <a:ext uri="{FF2B5EF4-FFF2-40B4-BE49-F238E27FC236}">
+                <a16:creationId xmlns:a16="http://schemas.microsoft.com/office/drawing/2014/main" id="{E35CE67F-4580-2DF1-52D2-80C99C5F60C8}"/>
+              </a:ext>
+            </a:extLst>
+          </p:cNvPr>
+          <p:cNvSpPr>
+            <a:spLocks noGrp="1"/>
+          </p:cNvSpPr>
+          <p:nvPr>
+            <p:ph type="sldNum" sz="quarter" idx="12"/>
+          </p:nvPr>
+        </p:nvSpPr>
+        <p:spPr/>
+        <p:txBody>
+          <a:bodyPr/>
+          <a:lstStyle/>
+          <a:p>
+            <a:fld id="{1A980C56-831A-4EAB-9EDE-57C090F4F877}" type="slidenum">
+              <a:rPr lang="en-US" smtClean="0"/>
+              <a:t>19</a:t>
+            </a:fld>
+            <a:endParaRPr lang="en-US"/>
+          </a:p>
+        </p:txBody>
+      </p:sp>
+      <p:pic>
+        <p:nvPicPr>
+          <p:cNvPr id="8" name="Picture 7" descr="A qr code on a white background&#10;&#10;Description automatically generated">
+            <a:extLst>
+              <a:ext uri="{FF2B5EF4-FFF2-40B4-BE49-F238E27FC236}">
+                <a16:creationId xmlns:a16="http://schemas.microsoft.com/office/drawing/2014/main" id="{2623E16C-1165-FEA6-D775-025B907AAFC0}"/>
+              </a:ext>
+            </a:extLst>
+          </p:cNvPr>
+          <p:cNvPicPr>
+            <a:picLocks noChangeAspect="1"/>
+          </p:cNvPicPr>
+          <p:nvPr/>
+        </p:nvPicPr>
+        <p:blipFill>
+          <a:blip r:embed="rId2">
+            <a:extLst>
+              <a:ext uri="{28A0092B-C50C-407E-A947-70E740481C1C}">
+                <a14:useLocalDpi xmlns:a14="http://schemas.microsoft.com/office/drawing/2010/main" val="0"/>
+              </a:ext>
+            </a:extLst>
+          </a:blip>
+          <a:stretch>
+            <a:fillRect/>
+          </a:stretch>
+        </p:blipFill>
+        <p:spPr>
+          <a:xfrm>
+            <a:off x="2769079" y="2198373"/>
+            <a:ext cx="3605842" cy="3605842"/>
+          </a:xfrm>
+          <a:prstGeom prst="rect">
+            <a:avLst/>
+          </a:prstGeom>
+        </p:spPr>
+      </p:pic>
+    </p:spTree>
+    <p:extLst>
+      <p:ext uri="{BB962C8B-B14F-4D97-AF65-F5344CB8AC3E}">
+        <p14:creationId xmlns:p14="http://schemas.microsoft.com/office/powerpoint/2010/main" val="1465233587"/>
+      </p:ext>
+    </p:extLst>
+  </p:cSld>
+  <p:clrMapOvr>
+    <a:masterClrMapping/>
+  </p:clrMapOvr>
+</p:sld>
+</file>
+
+<file path=ppt/slides/slide2.xml><?xml version="1.0" encoding="utf-8"?>
+<p:sld xmlns:a="http://schemas.openxmlformats.org/drawingml/2006/main" xmlns:r="http://schemas.openxmlformats.org/officeDocument/2006/relationships" xmlns:p="http://schemas.openxmlformats.org/presentationml/2006/main">
+  <p:cSld>
+    <p:spTree>
+      <p:nvGrpSpPr>
+        <p:cNvPr id="1" name=""/>
+        <p:cNvGrpSpPr/>
+        <p:nvPr/>
+      </p:nvGrpSpPr>
+      <p:grpSpPr>
+        <a:xfrm>
+          <a:off x="0" y="0"/>
+          <a:ext cx="0" cy="0"/>
+          <a:chOff x="0" y="0"/>
+          <a:chExt cx="0" cy="0"/>
+        </a:xfrm>
+      </p:grpSpPr>
+      <p:sp>
+        <p:nvSpPr>
+          <p:cNvPr id="2" name="Title 1">
+            <a:extLst>
+              <a:ext uri="{FF2B5EF4-FFF2-40B4-BE49-F238E27FC236}">
+                <a16:creationId xmlns:a16="http://schemas.microsoft.com/office/drawing/2014/main" id="{776B09A4-5BC9-4EA8-C267-D3B26A49D07E}"/>
+              </a:ext>
+            </a:extLst>
+          </p:cNvPr>
+          <p:cNvSpPr>
+            <a:spLocks noGrp="1"/>
+          </p:cNvSpPr>
+          <p:nvPr>
+            <p:ph type="title"/>
+          </p:nvPr>
+        </p:nvSpPr>
+        <p:spPr/>
+        <p:txBody>
+          <a:bodyPr>
+            <a:normAutofit/>
+          </a:bodyPr>
+          <a:lstStyle/>
+          <a:p>
+            <a:r>
+              <a:rPr lang="en-US" sz="3200" dirty="0"/>
+              <a:t>What is Intermediate Price Theory?</a:t>
+            </a:r>
+          </a:p>
+        </p:txBody>
+      </p:sp>
+      <p:sp>
+        <p:nvSpPr>
+          <p:cNvPr id="3" name="Content Placeholder 2">
+            <a:extLst>
+              <a:ext uri="{FF2B5EF4-FFF2-40B4-BE49-F238E27FC236}">
+                <a16:creationId xmlns:a16="http://schemas.microsoft.com/office/drawing/2014/main" id="{97FEFFAF-3949-E82D-4583-E06DA22E7204}"/>
+              </a:ext>
+            </a:extLst>
+          </p:cNvPr>
+          <p:cNvSpPr>
+            <a:spLocks noGrp="1"/>
+          </p:cNvSpPr>
+          <p:nvPr>
+            <p:ph idx="1"/>
+          </p:nvPr>
+        </p:nvSpPr>
+        <p:spPr/>
+        <p:txBody>
+          <a:bodyPr>
+            <a:normAutofit/>
+          </a:bodyPr>
+          <a:lstStyle/>
+          <a:p>
+            <a:r>
+              <a:rPr lang="en-US" dirty="0"/>
+              <a:t>Directly from the Monmouth College course catalog...</a:t>
+            </a:r>
+            <a:endParaRPr lang="en-US" sz="1200" dirty="0"/>
+          </a:p>
+          <a:p>
+            <a:endParaRPr lang="en-US" sz="1200" dirty="0"/>
+          </a:p>
+          <a:p>
+            <a:r>
+              <a:rPr lang="en-US" dirty="0"/>
+              <a:t>“A rigorous analysis of the modern micro-economic theory of the behavior of the firm and the individual.”</a:t>
+            </a:r>
+          </a:p>
+          <a:p>
+            <a:endParaRPr lang="en-US" sz="1200" dirty="0"/>
+          </a:p>
+          <a:p>
+            <a:r>
+              <a:rPr lang="en-US" dirty="0"/>
+              <a:t>Prerequisites:</a:t>
+            </a:r>
+          </a:p>
+          <a:p>
+            <a:pPr lvl="1"/>
+            <a:r>
+              <a:rPr lang="en-US" dirty="0"/>
+              <a:t>ECON 200 Principles of Economics</a:t>
+            </a:r>
+          </a:p>
+          <a:p>
+            <a:pPr lvl="1"/>
+            <a:r>
+              <a:rPr lang="en-US" dirty="0"/>
+              <a:t>BUSI 201 Business Data Analysis</a:t>
+            </a:r>
+          </a:p>
+          <a:p>
+            <a:pPr lvl="1"/>
+            <a:r>
+              <a:rPr lang="en-US" dirty="0"/>
+              <a:t>BUSI 205 Business Math and Statistics</a:t>
+            </a:r>
+          </a:p>
+        </p:txBody>
+      </p:sp>
+      <p:sp>
+        <p:nvSpPr>
+          <p:cNvPr id="4" name="Date Placeholder 3">
+            <a:extLst>
+              <a:ext uri="{FF2B5EF4-FFF2-40B4-BE49-F238E27FC236}">
+                <a16:creationId xmlns:a16="http://schemas.microsoft.com/office/drawing/2014/main" id="{CE725A02-EA7A-7321-8B8B-168BF05EA587}"/>
+              </a:ext>
+            </a:extLst>
+          </p:cNvPr>
+          <p:cNvSpPr>
+            <a:spLocks noGrp="1"/>
+          </p:cNvSpPr>
+          <p:nvPr>
+            <p:ph type="dt" sz="half" idx="10"/>
+          </p:nvPr>
+        </p:nvSpPr>
+        <p:spPr/>
+        <p:txBody>
+          <a:bodyPr/>
+          <a:lstStyle/>
+          <a:p>
+            <a:r>
+              <a:rPr lang="en-US"/>
+              <a:t>Fall 2023</a:t>
+            </a:r>
+          </a:p>
+        </p:txBody>
+      </p:sp>
+      <p:sp>
+        <p:nvSpPr>
+          <p:cNvPr id="5" name="Footer Placeholder 4">
+            <a:extLst>
+              <a:ext uri="{FF2B5EF4-FFF2-40B4-BE49-F238E27FC236}">
+                <a16:creationId xmlns:a16="http://schemas.microsoft.com/office/drawing/2014/main" id="{024C4429-8EF0-A6CF-DF65-1DD6365F71D2}"/>
+              </a:ext>
+            </a:extLst>
+          </p:cNvPr>
+          <p:cNvSpPr>
+            <a:spLocks noGrp="1"/>
+          </p:cNvSpPr>
+          <p:nvPr>
+            <p:ph type="ftr" sz="quarter" idx="11"/>
+          </p:nvPr>
+        </p:nvSpPr>
+        <p:spPr/>
+        <p:txBody>
+          <a:bodyPr/>
+          <a:lstStyle/>
+          <a:p>
+            <a:r>
+              <a:rPr lang="en-US"/>
+              <a:t>DEPARTMENT OF BUSINESS &amp; ECONOMICS</a:t>
+            </a:r>
+          </a:p>
+        </p:txBody>
+      </p:sp>
+      <p:sp>
+        <p:nvSpPr>
+          <p:cNvPr id="6" name="Slide Number Placeholder 5">
+            <a:extLst>
+              <a:ext uri="{FF2B5EF4-FFF2-40B4-BE49-F238E27FC236}">
+                <a16:creationId xmlns:a16="http://schemas.microsoft.com/office/drawing/2014/main" id="{E35CE67F-4580-2DF1-52D2-80C99C5F60C8}"/>
+              </a:ext>
+            </a:extLst>
+          </p:cNvPr>
+          <p:cNvSpPr>
+            <a:spLocks noGrp="1"/>
+          </p:cNvSpPr>
+          <p:nvPr>
+            <p:ph type="sldNum" sz="quarter" idx="12"/>
+          </p:nvPr>
+        </p:nvSpPr>
+        <p:spPr/>
+        <p:txBody>
+          <a:bodyPr/>
+          <a:lstStyle/>
+          <a:p>
+            <a:fld id="{1A980C56-831A-4EAB-9EDE-57C090F4F877}" type="slidenum">
+              <a:rPr lang="en-US" smtClean="0"/>
+              <a:t>2</a:t>
+            </a:fld>
+            <a:endParaRPr lang="en-US"/>
+          </a:p>
+        </p:txBody>
+      </p:sp>
+    </p:spTree>
+    <p:extLst>
+      <p:ext uri="{BB962C8B-B14F-4D97-AF65-F5344CB8AC3E}">
+        <p14:creationId xmlns:p14="http://schemas.microsoft.com/office/powerpoint/2010/main" val="2940348109"/>
+      </p:ext>
+    </p:extLst>
+  </p:cSld>
+  <p:clrMapOvr>
+    <a:masterClrMapping/>
+  </p:clrMapOvr>
+</p:sld>
+</file>
+
+<file path=ppt/slides/slide20.xml><?xml version="1.0" encoding="utf-8"?>
+<p:sld xmlns:a="http://schemas.openxmlformats.org/drawingml/2006/main" xmlns:r="http://schemas.openxmlformats.org/officeDocument/2006/relationships" xmlns:p="http://schemas.openxmlformats.org/presentationml/2006/main">
+  <p:cSld>
+    <p:spTree>
+      <p:nvGrpSpPr>
+        <p:cNvPr id="1" name=""/>
+        <p:cNvGrpSpPr/>
+        <p:nvPr/>
+      </p:nvGrpSpPr>
+      <p:grpSpPr>
+        <a:xfrm>
+          <a:off x="0" y="0"/>
+          <a:ext cx="0" cy="0"/>
+          <a:chOff x="0" y="0"/>
+          <a:chExt cx="0" cy="0"/>
+        </a:xfrm>
+      </p:grpSpPr>
+      <p:sp>
+        <p:nvSpPr>
+          <p:cNvPr id="2" name="Date Placeholder 1">
+            <a:extLst>
+              <a:ext uri="{FF2B5EF4-FFF2-40B4-BE49-F238E27FC236}">
+                <a16:creationId xmlns:a16="http://schemas.microsoft.com/office/drawing/2014/main" id="{1C7D3459-7107-E535-F38C-11653BC0EA6C}"/>
+              </a:ext>
+            </a:extLst>
+          </p:cNvPr>
+          <p:cNvSpPr>
+            <a:spLocks noGrp="1"/>
+          </p:cNvSpPr>
+          <p:nvPr>
+            <p:ph type="dt" sz="half" idx="10"/>
+          </p:nvPr>
+        </p:nvSpPr>
+        <p:spPr/>
+        <p:txBody>
+          <a:bodyPr/>
+          <a:lstStyle/>
+          <a:p>
+            <a:r>
+              <a:rPr lang="en-US"/>
+              <a:t>Fall 2023</a:t>
+            </a:r>
+          </a:p>
+        </p:txBody>
+      </p:sp>
+      <p:sp>
+        <p:nvSpPr>
+          <p:cNvPr id="3" name="Footer Placeholder 2">
+            <a:extLst>
+              <a:ext uri="{FF2B5EF4-FFF2-40B4-BE49-F238E27FC236}">
+                <a16:creationId xmlns:a16="http://schemas.microsoft.com/office/drawing/2014/main" id="{0198ED19-750A-9774-7652-992D7DBDF2A2}"/>
+              </a:ext>
+            </a:extLst>
+          </p:cNvPr>
+          <p:cNvSpPr>
+            <a:spLocks noGrp="1"/>
+          </p:cNvSpPr>
+          <p:nvPr>
+            <p:ph type="ftr" sz="quarter" idx="11"/>
+          </p:nvPr>
+        </p:nvSpPr>
+        <p:spPr/>
+        <p:txBody>
+          <a:bodyPr/>
+          <a:lstStyle/>
+          <a:p>
+            <a:r>
+              <a:rPr lang="en-US"/>
+              <a:t>DEPARTMENT OF BUSINESS &amp; ECONOMICS</a:t>
+            </a:r>
+          </a:p>
+        </p:txBody>
+      </p:sp>
+      <p:sp>
+        <p:nvSpPr>
+          <p:cNvPr id="4" name="Slide Number Placeholder 3">
+            <a:extLst>
+              <a:ext uri="{FF2B5EF4-FFF2-40B4-BE49-F238E27FC236}">
+                <a16:creationId xmlns:a16="http://schemas.microsoft.com/office/drawing/2014/main" id="{97BEBEDF-4F6A-80C1-125C-BB5F256DEBA1}"/>
+              </a:ext>
+            </a:extLst>
+          </p:cNvPr>
+          <p:cNvSpPr>
+            <a:spLocks noGrp="1"/>
+          </p:cNvSpPr>
+          <p:nvPr>
+            <p:ph type="sldNum" sz="quarter" idx="12"/>
+          </p:nvPr>
+        </p:nvSpPr>
+        <p:spPr/>
+        <p:txBody>
+          <a:bodyPr/>
+          <a:lstStyle/>
+          <a:p>
+            <a:fld id="{1A980C56-831A-4EAB-9EDE-57C090F4F877}" type="slidenum">
+              <a:rPr lang="en-US" smtClean="0"/>
+              <a:t>20</a:t>
             </a:fld>
             <a:endParaRPr lang="en-US"/>
           </a:p>
@@ -6732,7 +7692,7 @@
 </p:sld>
 </file>
 
-<file path=ppt/slides/slide19.xml><?xml version="1.0" encoding="utf-8"?>
+<file path=ppt/slides/slide21.xml><?xml version="1.0" encoding="utf-8"?>
 <p:sld xmlns:a="http://schemas.openxmlformats.org/drawingml/2006/main" xmlns:r="http://schemas.openxmlformats.org/officeDocument/2006/relationships" xmlns:p="http://schemas.openxmlformats.org/presentationml/2006/main">
   <p:cSld>
     <p:spTree>
@@ -6891,7 +7851,7 @@
           <a:p>
             <a:fld id="{1A980C56-831A-4EAB-9EDE-57C090F4F877}" type="slidenum">
               <a:rPr lang="en-US" smtClean="0"/>
-              <a:t>19</a:t>
+              <a:t>21</a:t>
             </a:fld>
             <a:endParaRPr lang="en-US"/>
           </a:p>
@@ -7211,7 +8171,7 @@
 </p:sld>
 </file>
 
-<file path=ppt/slides/slide2.xml><?xml version="1.0" encoding="utf-8"?>
+<file path=ppt/slides/slide22.xml><?xml version="1.0" encoding="utf-8"?>
 <p:sld xmlns:a="http://schemas.openxmlformats.org/drawingml/2006/main" xmlns:r="http://schemas.openxmlformats.org/officeDocument/2006/relationships" xmlns:p="http://schemas.openxmlformats.org/presentationml/2006/main">
   <p:cSld>
     <p:spTree>
@@ -7246,221 +8206,6 @@
         </p:nvSpPr>
         <p:spPr/>
         <p:txBody>
-          <a:bodyPr>
-            <a:normAutofit/>
-          </a:bodyPr>
-          <a:lstStyle/>
-          <a:p>
-            <a:r>
-              <a:rPr lang="en-US" sz="3200" dirty="0"/>
-              <a:t>What is Intermediate Price Theory?</a:t>
-            </a:r>
-          </a:p>
-        </p:txBody>
-      </p:sp>
-      <p:sp>
-        <p:nvSpPr>
-          <p:cNvPr id="3" name="Content Placeholder 2">
-            <a:extLst>
-              <a:ext uri="{FF2B5EF4-FFF2-40B4-BE49-F238E27FC236}">
-                <a16:creationId xmlns:a16="http://schemas.microsoft.com/office/drawing/2014/main" id="{97FEFFAF-3949-E82D-4583-E06DA22E7204}"/>
-              </a:ext>
-            </a:extLst>
-          </p:cNvPr>
-          <p:cNvSpPr>
-            <a:spLocks noGrp="1"/>
-          </p:cNvSpPr>
-          <p:nvPr>
-            <p:ph idx="1"/>
-          </p:nvPr>
-        </p:nvSpPr>
-        <p:spPr/>
-        <p:txBody>
-          <a:bodyPr>
-            <a:normAutofit/>
-          </a:bodyPr>
-          <a:lstStyle/>
-          <a:p>
-            <a:r>
-              <a:rPr lang="en-US" dirty="0"/>
-              <a:t>Directly from the Monmouth College course catalog...</a:t>
-            </a:r>
-            <a:endParaRPr lang="en-US" sz="1200" dirty="0"/>
-          </a:p>
-          <a:p>
-            <a:endParaRPr lang="en-US" sz="1200" dirty="0"/>
-          </a:p>
-          <a:p>
-            <a:r>
-              <a:rPr lang="en-US" dirty="0"/>
-              <a:t>“A rigorous analysis of the modern micro-economic theory of the behavior of the firm and the individual.”</a:t>
-            </a:r>
-          </a:p>
-          <a:p>
-            <a:endParaRPr lang="en-US" sz="1200" dirty="0"/>
-          </a:p>
-          <a:p>
-            <a:r>
-              <a:rPr lang="en-US" dirty="0"/>
-              <a:t>Prerequisite: ECON 200, BUSI 201, and BUSI 205.</a:t>
-            </a:r>
-          </a:p>
-          <a:p>
-            <a:pPr lvl="1"/>
-            <a:r>
-              <a:rPr lang="en-US" dirty="0"/>
-              <a:t>Principles of Economics</a:t>
-            </a:r>
-          </a:p>
-          <a:p>
-            <a:pPr lvl="1"/>
-            <a:r>
-              <a:rPr lang="en-US" dirty="0"/>
-              <a:t>Business Data Analysis</a:t>
-            </a:r>
-          </a:p>
-          <a:p>
-            <a:pPr lvl="1"/>
-            <a:r>
-              <a:rPr lang="en-US" dirty="0"/>
-              <a:t>Business Math and Statistics</a:t>
-            </a:r>
-          </a:p>
-        </p:txBody>
-      </p:sp>
-      <p:sp>
-        <p:nvSpPr>
-          <p:cNvPr id="4" name="Date Placeholder 3">
-            <a:extLst>
-              <a:ext uri="{FF2B5EF4-FFF2-40B4-BE49-F238E27FC236}">
-                <a16:creationId xmlns:a16="http://schemas.microsoft.com/office/drawing/2014/main" id="{CE725A02-EA7A-7321-8B8B-168BF05EA587}"/>
-              </a:ext>
-            </a:extLst>
-          </p:cNvPr>
-          <p:cNvSpPr>
-            <a:spLocks noGrp="1"/>
-          </p:cNvSpPr>
-          <p:nvPr>
-            <p:ph type="dt" sz="half" idx="10"/>
-          </p:nvPr>
-        </p:nvSpPr>
-        <p:spPr/>
-        <p:txBody>
-          <a:bodyPr/>
-          <a:lstStyle/>
-          <a:p>
-            <a:r>
-              <a:rPr lang="en-US"/>
-              <a:t>Fall 2023</a:t>
-            </a:r>
-          </a:p>
-        </p:txBody>
-      </p:sp>
-      <p:sp>
-        <p:nvSpPr>
-          <p:cNvPr id="5" name="Footer Placeholder 4">
-            <a:extLst>
-              <a:ext uri="{FF2B5EF4-FFF2-40B4-BE49-F238E27FC236}">
-                <a16:creationId xmlns:a16="http://schemas.microsoft.com/office/drawing/2014/main" id="{024C4429-8EF0-A6CF-DF65-1DD6365F71D2}"/>
-              </a:ext>
-            </a:extLst>
-          </p:cNvPr>
-          <p:cNvSpPr>
-            <a:spLocks noGrp="1"/>
-          </p:cNvSpPr>
-          <p:nvPr>
-            <p:ph type="ftr" sz="quarter" idx="11"/>
-          </p:nvPr>
-        </p:nvSpPr>
-        <p:spPr/>
-        <p:txBody>
-          <a:bodyPr/>
-          <a:lstStyle/>
-          <a:p>
-            <a:r>
-              <a:rPr lang="en-US"/>
-              <a:t>DEPARTMENT OF BUSINESS &amp; ECONOMICS</a:t>
-            </a:r>
-          </a:p>
-        </p:txBody>
-      </p:sp>
-      <p:sp>
-        <p:nvSpPr>
-          <p:cNvPr id="6" name="Slide Number Placeholder 5">
-            <a:extLst>
-              <a:ext uri="{FF2B5EF4-FFF2-40B4-BE49-F238E27FC236}">
-                <a16:creationId xmlns:a16="http://schemas.microsoft.com/office/drawing/2014/main" id="{E35CE67F-4580-2DF1-52D2-80C99C5F60C8}"/>
-              </a:ext>
-            </a:extLst>
-          </p:cNvPr>
-          <p:cNvSpPr>
-            <a:spLocks noGrp="1"/>
-          </p:cNvSpPr>
-          <p:nvPr>
-            <p:ph type="sldNum" sz="quarter" idx="12"/>
-          </p:nvPr>
-        </p:nvSpPr>
-        <p:spPr/>
-        <p:txBody>
-          <a:bodyPr/>
-          <a:lstStyle/>
-          <a:p>
-            <a:fld id="{1A980C56-831A-4EAB-9EDE-57C090F4F877}" type="slidenum">
-              <a:rPr lang="en-US" smtClean="0"/>
-              <a:t>2</a:t>
-            </a:fld>
-            <a:endParaRPr lang="en-US"/>
-          </a:p>
-        </p:txBody>
-      </p:sp>
-    </p:spTree>
-    <p:extLst>
-      <p:ext uri="{BB962C8B-B14F-4D97-AF65-F5344CB8AC3E}">
-        <p14:creationId xmlns:p14="http://schemas.microsoft.com/office/powerpoint/2010/main" val="2940348109"/>
-      </p:ext>
-    </p:extLst>
-  </p:cSld>
-  <p:clrMapOvr>
-    <a:masterClrMapping/>
-  </p:clrMapOvr>
-</p:sld>
-</file>
-
-<file path=ppt/slides/slide20.xml><?xml version="1.0" encoding="utf-8"?>
-<p:sld xmlns:a="http://schemas.openxmlformats.org/drawingml/2006/main" xmlns:r="http://schemas.openxmlformats.org/officeDocument/2006/relationships" xmlns:p="http://schemas.openxmlformats.org/presentationml/2006/main">
-  <p:cSld>
-    <p:spTree>
-      <p:nvGrpSpPr>
-        <p:cNvPr id="1" name=""/>
-        <p:cNvGrpSpPr/>
-        <p:nvPr/>
-      </p:nvGrpSpPr>
-      <p:grpSpPr>
-        <a:xfrm>
-          <a:off x="0" y="0"/>
-          <a:ext cx="0" cy="0"/>
-          <a:chOff x="0" y="0"/>
-          <a:chExt cx="0" cy="0"/>
-        </a:xfrm>
-      </p:grpSpPr>
-      <p:sp>
-        <p:nvSpPr>
-          <p:cNvPr id="2" name="Title 1">
-            <a:extLst>
-              <a:ext uri="{FF2B5EF4-FFF2-40B4-BE49-F238E27FC236}">
-                <a16:creationId xmlns:a16="http://schemas.microsoft.com/office/drawing/2014/main" id="{776B09A4-5BC9-4EA8-C267-D3B26A49D07E}"/>
-              </a:ext>
-            </a:extLst>
-          </p:cNvPr>
-          <p:cNvSpPr>
-            <a:spLocks noGrp="1"/>
-          </p:cNvSpPr>
-          <p:nvPr>
-            <p:ph type="title"/>
-          </p:nvPr>
-        </p:nvSpPr>
-        <p:spPr/>
-        <p:txBody>
           <a:bodyPr/>
           <a:lstStyle/>
           <a:p>
@@ -7585,7 +8330,7 @@
           <a:p>
             <a:fld id="{1A980C56-831A-4EAB-9EDE-57C090F4F877}" type="slidenum">
               <a:rPr lang="en-US" smtClean="0"/>
-              <a:t>20</a:t>
+              <a:t>22</a:t>
             </a:fld>
             <a:endParaRPr lang="en-US"/>
           </a:p>
@@ -7954,7 +8699,7 @@
 </p:sld>
 </file>
 
-<file path=ppt/slides/slide21.xml><?xml version="1.0" encoding="utf-8"?>
+<file path=ppt/slides/slide23.xml><?xml version="1.0" encoding="utf-8"?>
 <p:sld xmlns:a="http://schemas.openxmlformats.org/drawingml/2006/main" xmlns:r="http://schemas.openxmlformats.org/officeDocument/2006/relationships" xmlns:p="http://schemas.openxmlformats.org/presentationml/2006/main">
   <p:cSld>
     <p:spTree>
@@ -8113,7 +8858,7 @@
           <a:p>
             <a:fld id="{1A980C56-831A-4EAB-9EDE-57C090F4F877}" type="slidenum">
               <a:rPr lang="en-US" smtClean="0"/>
-              <a:t>21</a:t>
+              <a:t>23</a:t>
             </a:fld>
             <a:endParaRPr lang="en-US"/>
           </a:p>
@@ -8463,7 +9208,7 @@
 </p:sld>
 </file>
 
-<file path=ppt/slides/slide22.xml><?xml version="1.0" encoding="utf-8"?>
+<file path=ppt/slides/slide24.xml><?xml version="1.0" encoding="utf-8"?>
 <p:sld xmlns:a="http://schemas.openxmlformats.org/drawingml/2006/main" xmlns:r="http://schemas.openxmlformats.org/officeDocument/2006/relationships" xmlns:p="http://schemas.openxmlformats.org/presentationml/2006/main">
   <p:cSld>
     <p:spTree>
@@ -8622,7 +9367,7 @@
           <a:p>
             <a:fld id="{1A980C56-831A-4EAB-9EDE-57C090F4F877}" type="slidenum">
               <a:rPr lang="en-US" smtClean="0"/>
-              <a:t>22</a:t>
+              <a:t>24</a:t>
             </a:fld>
             <a:endParaRPr lang="en-US"/>
           </a:p>
@@ -8885,7 +9630,7 @@
 </p:sld>
 </file>
 
-<file path=ppt/slides/slide23.xml><?xml version="1.0" encoding="utf-8"?>
+<file path=ppt/slides/slide25.xml><?xml version="1.0" encoding="utf-8"?>
 <p:sld xmlns:a="http://schemas.openxmlformats.org/drawingml/2006/main" xmlns:r="http://schemas.openxmlformats.org/officeDocument/2006/relationships" xmlns:p="http://schemas.openxmlformats.org/presentationml/2006/main">
   <p:cSld>
     <p:spTree>
@@ -9044,7 +9789,7 @@
           <a:p>
             <a:fld id="{1A980C56-831A-4EAB-9EDE-57C090F4F877}" type="slidenum">
               <a:rPr lang="en-US" smtClean="0"/>
-              <a:t>23</a:t>
+              <a:t>25</a:t>
             </a:fld>
             <a:endParaRPr lang="en-US"/>
           </a:p>
@@ -9343,7 +10088,7 @@
 </p:sld>
 </file>
 
-<file path=ppt/slides/slide24.xml><?xml version="1.0" encoding="utf-8"?>
+<file path=ppt/slides/slide26.xml><?xml version="1.0" encoding="utf-8"?>
 <p:sld xmlns:a="http://schemas.openxmlformats.org/drawingml/2006/main" xmlns:r="http://schemas.openxmlformats.org/officeDocument/2006/relationships" xmlns:p="http://schemas.openxmlformats.org/presentationml/2006/main">
   <p:cSld>
     <p:spTree>
@@ -9502,7 +10247,7 @@
           <a:p>
             <a:fld id="{1A980C56-831A-4EAB-9EDE-57C090F4F877}" type="slidenum">
               <a:rPr lang="en-US" smtClean="0"/>
-              <a:t>24</a:t>
+              <a:t>26</a:t>
             </a:fld>
             <a:endParaRPr lang="en-US"/>
           </a:p>
@@ -9869,7 +10614,7 @@
 </p:sld>
 </file>
 
-<file path=ppt/slides/slide25.xml><?xml version="1.0" encoding="utf-8"?>
+<file path=ppt/slides/slide27.xml><?xml version="1.0" encoding="utf-8"?>
 <p:sld xmlns:a="http://schemas.openxmlformats.org/drawingml/2006/main" xmlns:r="http://schemas.openxmlformats.org/officeDocument/2006/relationships" xmlns:p="http://schemas.openxmlformats.org/presentationml/2006/main">
   <p:cSld>
     <p:spTree>
@@ -10054,7 +10799,7 @@
           <a:p>
             <a:fld id="{1A980C56-831A-4EAB-9EDE-57C090F4F877}" type="slidenum">
               <a:rPr lang="en-US" smtClean="0"/>
-              <a:t>25</a:t>
+              <a:t>27</a:t>
             </a:fld>
             <a:endParaRPr lang="en-US"/>
           </a:p>
@@ -10108,120 +10853,43 @@
         </p:nvSpPr>
         <p:spPr/>
         <p:txBody>
+          <a:bodyPr/>
+          <a:lstStyle/>
+          <a:p>
+            <a:r>
+              <a:rPr lang="en-US" dirty="0" err="1"/>
+              <a:t>PollEverywhere</a:t>
+            </a:r>
+            <a:endParaRPr lang="en-US" dirty="0"/>
+          </a:p>
+        </p:txBody>
+      </p:sp>
+      <p:sp>
+        <p:nvSpPr>
+          <p:cNvPr id="3" name="Content Placeholder 2">
+            <a:extLst>
+              <a:ext uri="{FF2B5EF4-FFF2-40B4-BE49-F238E27FC236}">
+                <a16:creationId xmlns:a16="http://schemas.microsoft.com/office/drawing/2014/main" id="{97FEFFAF-3949-E82D-4583-E06DA22E7204}"/>
+              </a:ext>
+            </a:extLst>
+          </p:cNvPr>
+          <p:cNvSpPr>
+            <a:spLocks noGrp="1"/>
+          </p:cNvSpPr>
+          <p:nvPr>
+            <p:ph idx="1"/>
+          </p:nvPr>
+        </p:nvSpPr>
+        <p:spPr/>
+        <p:txBody>
           <a:bodyPr>
             <a:normAutofit/>
           </a:bodyPr>
           <a:lstStyle/>
           <a:p>
             <a:r>
-              <a:rPr lang="en-US" sz="3200" dirty="0"/>
-              <a:t>What is Intermediate Price Theory?</a:t>
-            </a:r>
-          </a:p>
-        </p:txBody>
-      </p:sp>
-      <p:sp>
-        <p:nvSpPr>
-          <p:cNvPr id="3" name="Content Placeholder 2">
-            <a:extLst>
-              <a:ext uri="{FF2B5EF4-FFF2-40B4-BE49-F238E27FC236}">
-                <a16:creationId xmlns:a16="http://schemas.microsoft.com/office/drawing/2014/main" id="{97FEFFAF-3949-E82D-4583-E06DA22E7204}"/>
-              </a:ext>
-            </a:extLst>
-          </p:cNvPr>
-          <p:cNvSpPr>
-            <a:spLocks noGrp="1"/>
-          </p:cNvSpPr>
-          <p:nvPr>
-            <p:ph idx="1"/>
-          </p:nvPr>
-        </p:nvSpPr>
-        <p:spPr/>
-        <p:txBody>
-          <a:bodyPr>
-            <a:normAutofit/>
-          </a:bodyPr>
-          <a:lstStyle/>
-          <a:p>
-            <a:r>
               <a:rPr lang="en-US" dirty="0"/>
-              <a:t>Typically called </a:t>
-            </a:r>
-            <a:r>
-              <a:rPr lang="en-US" b="1" dirty="0"/>
-              <a:t>“Intermediate Microeconomic Theory”</a:t>
-            </a:r>
-          </a:p>
-          <a:p>
-            <a:endParaRPr lang="en-US" sz="1200" dirty="0"/>
-          </a:p>
-          <a:p>
-            <a:r>
-              <a:rPr lang="en-US" dirty="0"/>
-              <a:t>JEL Classification under “Microeconomics”</a:t>
-            </a:r>
-          </a:p>
-          <a:p>
-            <a:pPr lvl="1"/>
-            <a:r>
-              <a:rPr lang="en-US" dirty="0"/>
-              <a:t>Household Behavior and Family Economics</a:t>
-            </a:r>
-          </a:p>
-          <a:p>
-            <a:pPr lvl="1"/>
-            <a:r>
-              <a:rPr lang="en-US" dirty="0"/>
-              <a:t>Production and Organizations</a:t>
-            </a:r>
-          </a:p>
-          <a:p>
-            <a:pPr lvl="1"/>
-            <a:r>
-              <a:rPr lang="en-US" dirty="0"/>
-              <a:t>Distribution</a:t>
-            </a:r>
-          </a:p>
-          <a:p>
-            <a:pPr lvl="1"/>
-            <a:r>
-              <a:rPr lang="en-US" dirty="0"/>
-              <a:t>Market Structure, Pricing, and Design</a:t>
-            </a:r>
-          </a:p>
-          <a:p>
-            <a:pPr lvl="1"/>
-            <a:r>
-              <a:rPr lang="en-US" dirty="0"/>
-              <a:t>General Equilibrium and Disequilibrium</a:t>
-            </a:r>
-          </a:p>
-          <a:p>
-            <a:pPr lvl="1"/>
-            <a:r>
-              <a:rPr lang="en-US" dirty="0"/>
-              <a:t>Welfare Economics</a:t>
-            </a:r>
-          </a:p>
-          <a:p>
-            <a:pPr lvl="1"/>
-            <a:r>
-              <a:rPr lang="en-US" dirty="0"/>
-              <a:t>Analysis of Collective Decision-Making</a:t>
-            </a:r>
-          </a:p>
-          <a:p>
-            <a:pPr lvl="1"/>
-            <a:r>
-              <a:rPr lang="en-US" dirty="0"/>
-              <a:t>Information, Knowledge, and Uncertainty</a:t>
-            </a:r>
-          </a:p>
-          <a:p>
-            <a:pPr lvl="1"/>
-            <a:r>
-              <a:rPr lang="en-US" dirty="0"/>
-              <a:t>Micro-Based Behavioral Economics</a:t>
+              <a:t>https://pollev.com/brianpark046</a:t>
             </a:r>
           </a:p>
         </p:txBody>
@@ -10306,668 +10974,6 @@
             <a:fld id="{1A980C56-831A-4EAB-9EDE-57C090F4F877}" type="slidenum">
               <a:rPr lang="en-US" smtClean="0"/>
               <a:t>3</a:t>
-            </a:fld>
-            <a:endParaRPr lang="en-US"/>
-          </a:p>
-        </p:txBody>
-      </p:sp>
-    </p:spTree>
-    <p:extLst>
-      <p:ext uri="{BB962C8B-B14F-4D97-AF65-F5344CB8AC3E}">
-        <p14:creationId xmlns:p14="http://schemas.microsoft.com/office/powerpoint/2010/main" val="3059287737"/>
-      </p:ext>
-    </p:extLst>
-  </p:cSld>
-  <p:clrMapOvr>
-    <a:masterClrMapping/>
-  </p:clrMapOvr>
-</p:sld>
-</file>
-
-<file path=ppt/slides/slide4.xml><?xml version="1.0" encoding="utf-8"?>
-<p:sld xmlns:a="http://schemas.openxmlformats.org/drawingml/2006/main" xmlns:r="http://schemas.openxmlformats.org/officeDocument/2006/relationships" xmlns:p="http://schemas.openxmlformats.org/presentationml/2006/main">
-  <p:cSld>
-    <p:spTree>
-      <p:nvGrpSpPr>
-        <p:cNvPr id="1" name=""/>
-        <p:cNvGrpSpPr/>
-        <p:nvPr/>
-      </p:nvGrpSpPr>
-      <p:grpSpPr>
-        <a:xfrm>
-          <a:off x="0" y="0"/>
-          <a:ext cx="0" cy="0"/>
-          <a:chOff x="0" y="0"/>
-          <a:chExt cx="0" cy="0"/>
-        </a:xfrm>
-      </p:grpSpPr>
-      <p:sp>
-        <p:nvSpPr>
-          <p:cNvPr id="2" name="Title 1">
-            <a:extLst>
-              <a:ext uri="{FF2B5EF4-FFF2-40B4-BE49-F238E27FC236}">
-                <a16:creationId xmlns:a16="http://schemas.microsoft.com/office/drawing/2014/main" id="{776B09A4-5BC9-4EA8-C267-D3B26A49D07E}"/>
-              </a:ext>
-            </a:extLst>
-          </p:cNvPr>
-          <p:cNvSpPr>
-            <a:spLocks noGrp="1"/>
-          </p:cNvSpPr>
-          <p:nvPr>
-            <p:ph type="title"/>
-          </p:nvPr>
-        </p:nvSpPr>
-        <p:spPr/>
-        <p:txBody>
-          <a:bodyPr>
-            <a:normAutofit/>
-          </a:bodyPr>
-          <a:lstStyle/>
-          <a:p>
-            <a:r>
-              <a:rPr lang="en-US" sz="3200" dirty="0"/>
-              <a:t>What is Intermediate Price Theory?</a:t>
-            </a:r>
-          </a:p>
-        </p:txBody>
-      </p:sp>
-      <p:sp>
-        <p:nvSpPr>
-          <p:cNvPr id="3" name="Content Placeholder 2">
-            <a:extLst>
-              <a:ext uri="{FF2B5EF4-FFF2-40B4-BE49-F238E27FC236}">
-                <a16:creationId xmlns:a16="http://schemas.microsoft.com/office/drawing/2014/main" id="{97FEFFAF-3949-E82D-4583-E06DA22E7204}"/>
-              </a:ext>
-            </a:extLst>
-          </p:cNvPr>
-          <p:cNvSpPr>
-            <a:spLocks noGrp="1"/>
-          </p:cNvSpPr>
-          <p:nvPr>
-            <p:ph idx="1"/>
-          </p:nvPr>
-        </p:nvSpPr>
-        <p:spPr/>
-        <p:txBody>
-          <a:bodyPr>
-            <a:normAutofit/>
-          </a:bodyPr>
-          <a:lstStyle/>
-          <a:p>
-            <a:r>
-              <a:rPr lang="en-US" dirty="0"/>
-              <a:t>In this course we cover the following topics:</a:t>
-            </a:r>
-          </a:p>
-          <a:p>
-            <a:endParaRPr lang="en-US" sz="1200" dirty="0"/>
-          </a:p>
-          <a:p>
-            <a:r>
-              <a:rPr lang="en-US" dirty="0"/>
-              <a:t>How </a:t>
-            </a:r>
-            <a:r>
-              <a:rPr lang="en-US" b="1" dirty="0"/>
-              <a:t>individuals</a:t>
-            </a:r>
-            <a:r>
-              <a:rPr lang="en-US" dirty="0"/>
-              <a:t> make decisions</a:t>
-            </a:r>
-          </a:p>
-          <a:p>
-            <a:pPr lvl="1"/>
-            <a:r>
-              <a:rPr lang="en-US" dirty="0"/>
-              <a:t>How would an agent make consumption choices?</a:t>
-            </a:r>
-          </a:p>
-          <a:p>
-            <a:pPr lvl="1"/>
-            <a:r>
-              <a:rPr lang="en-US" dirty="0"/>
-              <a:t>How would agents make production decisions?</a:t>
-            </a:r>
-          </a:p>
-          <a:p>
-            <a:pPr lvl="1"/>
-            <a:endParaRPr lang="en-US" sz="1200" dirty="0"/>
-          </a:p>
-          <a:p>
-            <a:r>
-              <a:rPr lang="en-US" dirty="0"/>
-              <a:t>How these individual decisions </a:t>
-            </a:r>
-            <a:r>
-              <a:rPr lang="en-US" b="1" dirty="0"/>
-              <a:t>interact</a:t>
-            </a:r>
-          </a:p>
-          <a:p>
-            <a:pPr lvl="1"/>
-            <a:r>
-              <a:rPr lang="en-US" dirty="0"/>
-              <a:t>What is a market equilibrium?</a:t>
-            </a:r>
-          </a:p>
-          <a:p>
-            <a:pPr lvl="1"/>
-            <a:r>
-              <a:rPr lang="en-US" dirty="0"/>
-              <a:t>Who wins, and who loses?</a:t>
-            </a:r>
-          </a:p>
-          <a:p>
-            <a:pPr lvl="1"/>
-            <a:r>
-              <a:rPr lang="en-US" dirty="0"/>
-              <a:t>How would the government fit in this framework?</a:t>
-            </a:r>
-          </a:p>
-          <a:p>
-            <a:pPr lvl="1"/>
-            <a:endParaRPr lang="en-US" sz="1200" dirty="0"/>
-          </a:p>
-          <a:p>
-            <a:r>
-              <a:rPr lang="en-US" dirty="0"/>
-              <a:t>What happens </a:t>
-            </a:r>
-            <a:r>
-              <a:rPr lang="en-US" b="1" dirty="0"/>
-              <a:t>when assumptions fail</a:t>
-            </a:r>
-          </a:p>
-        </p:txBody>
-      </p:sp>
-      <p:sp>
-        <p:nvSpPr>
-          <p:cNvPr id="4" name="Date Placeholder 3">
-            <a:extLst>
-              <a:ext uri="{FF2B5EF4-FFF2-40B4-BE49-F238E27FC236}">
-                <a16:creationId xmlns:a16="http://schemas.microsoft.com/office/drawing/2014/main" id="{CE725A02-EA7A-7321-8B8B-168BF05EA587}"/>
-              </a:ext>
-            </a:extLst>
-          </p:cNvPr>
-          <p:cNvSpPr>
-            <a:spLocks noGrp="1"/>
-          </p:cNvSpPr>
-          <p:nvPr>
-            <p:ph type="dt" sz="half" idx="10"/>
-          </p:nvPr>
-        </p:nvSpPr>
-        <p:spPr/>
-        <p:txBody>
-          <a:bodyPr/>
-          <a:lstStyle/>
-          <a:p>
-            <a:r>
-              <a:rPr lang="en-US"/>
-              <a:t>Fall 2023</a:t>
-            </a:r>
-          </a:p>
-        </p:txBody>
-      </p:sp>
-      <p:sp>
-        <p:nvSpPr>
-          <p:cNvPr id="5" name="Footer Placeholder 4">
-            <a:extLst>
-              <a:ext uri="{FF2B5EF4-FFF2-40B4-BE49-F238E27FC236}">
-                <a16:creationId xmlns:a16="http://schemas.microsoft.com/office/drawing/2014/main" id="{024C4429-8EF0-A6CF-DF65-1DD6365F71D2}"/>
-              </a:ext>
-            </a:extLst>
-          </p:cNvPr>
-          <p:cNvSpPr>
-            <a:spLocks noGrp="1"/>
-          </p:cNvSpPr>
-          <p:nvPr>
-            <p:ph type="ftr" sz="quarter" idx="11"/>
-          </p:nvPr>
-        </p:nvSpPr>
-        <p:spPr/>
-        <p:txBody>
-          <a:bodyPr/>
-          <a:lstStyle/>
-          <a:p>
-            <a:r>
-              <a:rPr lang="en-US"/>
-              <a:t>DEPARTMENT OF BUSINESS &amp; ECONOMICS</a:t>
-            </a:r>
-          </a:p>
-        </p:txBody>
-      </p:sp>
-      <p:sp>
-        <p:nvSpPr>
-          <p:cNvPr id="6" name="Slide Number Placeholder 5">
-            <a:extLst>
-              <a:ext uri="{FF2B5EF4-FFF2-40B4-BE49-F238E27FC236}">
-                <a16:creationId xmlns:a16="http://schemas.microsoft.com/office/drawing/2014/main" id="{E35CE67F-4580-2DF1-52D2-80C99C5F60C8}"/>
-              </a:ext>
-            </a:extLst>
-          </p:cNvPr>
-          <p:cNvSpPr>
-            <a:spLocks noGrp="1"/>
-          </p:cNvSpPr>
-          <p:nvPr>
-            <p:ph type="sldNum" sz="quarter" idx="12"/>
-          </p:nvPr>
-        </p:nvSpPr>
-        <p:spPr/>
-        <p:txBody>
-          <a:bodyPr/>
-          <a:lstStyle/>
-          <a:p>
-            <a:fld id="{1A980C56-831A-4EAB-9EDE-57C090F4F877}" type="slidenum">
-              <a:rPr lang="en-US" smtClean="0"/>
-              <a:t>4</a:t>
-            </a:fld>
-            <a:endParaRPr lang="en-US"/>
-          </a:p>
-        </p:txBody>
-      </p:sp>
-    </p:spTree>
-    <p:extLst>
-      <p:ext uri="{BB962C8B-B14F-4D97-AF65-F5344CB8AC3E}">
-        <p14:creationId xmlns:p14="http://schemas.microsoft.com/office/powerpoint/2010/main" val="566551671"/>
-      </p:ext>
-    </p:extLst>
-  </p:cSld>
-  <p:clrMapOvr>
-    <a:masterClrMapping/>
-  </p:clrMapOvr>
-</p:sld>
-</file>
-
-<file path=ppt/slides/slide5.xml><?xml version="1.0" encoding="utf-8"?>
-<p:sld xmlns:a="http://schemas.openxmlformats.org/drawingml/2006/main" xmlns:r="http://schemas.openxmlformats.org/officeDocument/2006/relationships" xmlns:p="http://schemas.openxmlformats.org/presentationml/2006/main">
-  <p:cSld>
-    <p:spTree>
-      <p:nvGrpSpPr>
-        <p:cNvPr id="1" name=""/>
-        <p:cNvGrpSpPr/>
-        <p:nvPr/>
-      </p:nvGrpSpPr>
-      <p:grpSpPr>
-        <a:xfrm>
-          <a:off x="0" y="0"/>
-          <a:ext cx="0" cy="0"/>
-          <a:chOff x="0" y="0"/>
-          <a:chExt cx="0" cy="0"/>
-        </a:xfrm>
-      </p:grpSpPr>
-      <p:sp>
-        <p:nvSpPr>
-          <p:cNvPr id="2" name="Title 1">
-            <a:extLst>
-              <a:ext uri="{FF2B5EF4-FFF2-40B4-BE49-F238E27FC236}">
-                <a16:creationId xmlns:a16="http://schemas.microsoft.com/office/drawing/2014/main" id="{776B09A4-5BC9-4EA8-C267-D3B26A49D07E}"/>
-              </a:ext>
-            </a:extLst>
-          </p:cNvPr>
-          <p:cNvSpPr>
-            <a:spLocks noGrp="1"/>
-          </p:cNvSpPr>
-          <p:nvPr>
-            <p:ph type="title"/>
-          </p:nvPr>
-        </p:nvSpPr>
-        <p:spPr/>
-        <p:txBody>
-          <a:bodyPr/>
-          <a:lstStyle/>
-          <a:p>
-            <a:r>
-              <a:rPr lang="en-US" dirty="0"/>
-              <a:t>About Me</a:t>
-            </a:r>
-          </a:p>
-        </p:txBody>
-      </p:sp>
-      <p:sp>
-        <p:nvSpPr>
-          <p:cNvPr id="3" name="Content Placeholder 2">
-            <a:extLst>
-              <a:ext uri="{FF2B5EF4-FFF2-40B4-BE49-F238E27FC236}">
-                <a16:creationId xmlns:a16="http://schemas.microsoft.com/office/drawing/2014/main" id="{97FEFFAF-3949-E82D-4583-E06DA22E7204}"/>
-              </a:ext>
-            </a:extLst>
-          </p:cNvPr>
-          <p:cNvSpPr>
-            <a:spLocks noGrp="1"/>
-          </p:cNvSpPr>
-          <p:nvPr>
-            <p:ph idx="1"/>
-          </p:nvPr>
-        </p:nvSpPr>
-        <p:spPr/>
-        <p:txBody>
-          <a:bodyPr>
-            <a:normAutofit/>
-          </a:bodyPr>
-          <a:lstStyle/>
-          <a:p>
-            <a:r>
-              <a:rPr lang="en-US" dirty="0"/>
-              <a:t>Ph.D. Cornell University</a:t>
-            </a:r>
-          </a:p>
-          <a:p>
-            <a:pPr lvl="1"/>
-            <a:endParaRPr lang="en-US" sz="800" dirty="0"/>
-          </a:p>
-          <a:p>
-            <a:r>
-              <a:rPr lang="en-US" dirty="0"/>
-              <a:t>B.A. Korea University</a:t>
-            </a:r>
-          </a:p>
-          <a:p>
-            <a:pPr lvl="1"/>
-            <a:endParaRPr lang="en-US" sz="800" dirty="0"/>
-          </a:p>
-          <a:p>
-            <a:r>
-              <a:rPr lang="en-US" dirty="0"/>
-              <a:t>Research Interests</a:t>
-            </a:r>
-          </a:p>
-          <a:p>
-            <a:pPr lvl="1"/>
-            <a:r>
-              <a:rPr lang="en-US" dirty="0"/>
-              <a:t>Environmental: Climate Change, Air Pollution</a:t>
-            </a:r>
-          </a:p>
-          <a:p>
-            <a:pPr lvl="1"/>
-            <a:r>
-              <a:rPr lang="en-US" dirty="0"/>
-              <a:t>Demographic: Migration, Fertility</a:t>
-            </a:r>
-          </a:p>
-          <a:p>
-            <a:pPr lvl="1"/>
-            <a:r>
-              <a:rPr lang="en-US" dirty="0"/>
-              <a:t>Labor: Employment Stability</a:t>
-            </a:r>
-            <a:endParaRPr lang="en-US" sz="800" dirty="0"/>
-          </a:p>
-          <a:p>
-            <a:pPr lvl="1"/>
-            <a:endParaRPr lang="en-US" sz="800" dirty="0"/>
-          </a:p>
-          <a:p>
-            <a:r>
-              <a:rPr lang="en-US" dirty="0"/>
-              <a:t>1</a:t>
-            </a:r>
-            <a:r>
-              <a:rPr lang="en-US" baseline="30000" dirty="0"/>
-              <a:t>st</a:t>
-            </a:r>
-            <a:r>
-              <a:rPr lang="en-US" dirty="0"/>
-              <a:t> Year at Monmouth College</a:t>
-            </a:r>
-          </a:p>
-        </p:txBody>
-      </p:sp>
-      <p:sp>
-        <p:nvSpPr>
-          <p:cNvPr id="4" name="Date Placeholder 3">
-            <a:extLst>
-              <a:ext uri="{FF2B5EF4-FFF2-40B4-BE49-F238E27FC236}">
-                <a16:creationId xmlns:a16="http://schemas.microsoft.com/office/drawing/2014/main" id="{CE725A02-EA7A-7321-8B8B-168BF05EA587}"/>
-              </a:ext>
-            </a:extLst>
-          </p:cNvPr>
-          <p:cNvSpPr>
-            <a:spLocks noGrp="1"/>
-          </p:cNvSpPr>
-          <p:nvPr>
-            <p:ph type="dt" sz="half" idx="10"/>
-          </p:nvPr>
-        </p:nvSpPr>
-        <p:spPr/>
-        <p:txBody>
-          <a:bodyPr/>
-          <a:lstStyle/>
-          <a:p>
-            <a:r>
-              <a:rPr lang="en-US"/>
-              <a:t>Fall 2023</a:t>
-            </a:r>
-          </a:p>
-        </p:txBody>
-      </p:sp>
-      <p:sp>
-        <p:nvSpPr>
-          <p:cNvPr id="5" name="Footer Placeholder 4">
-            <a:extLst>
-              <a:ext uri="{FF2B5EF4-FFF2-40B4-BE49-F238E27FC236}">
-                <a16:creationId xmlns:a16="http://schemas.microsoft.com/office/drawing/2014/main" id="{024C4429-8EF0-A6CF-DF65-1DD6365F71D2}"/>
-              </a:ext>
-            </a:extLst>
-          </p:cNvPr>
-          <p:cNvSpPr>
-            <a:spLocks noGrp="1"/>
-          </p:cNvSpPr>
-          <p:nvPr>
-            <p:ph type="ftr" sz="quarter" idx="11"/>
-          </p:nvPr>
-        </p:nvSpPr>
-        <p:spPr/>
-        <p:txBody>
-          <a:bodyPr/>
-          <a:lstStyle/>
-          <a:p>
-            <a:r>
-              <a:rPr lang="en-US"/>
-              <a:t>DEPARTMENT OF BUSINESS &amp; ECONOMICS</a:t>
-            </a:r>
-          </a:p>
-        </p:txBody>
-      </p:sp>
-      <p:sp>
-        <p:nvSpPr>
-          <p:cNvPr id="6" name="Slide Number Placeholder 5">
-            <a:extLst>
-              <a:ext uri="{FF2B5EF4-FFF2-40B4-BE49-F238E27FC236}">
-                <a16:creationId xmlns:a16="http://schemas.microsoft.com/office/drawing/2014/main" id="{E35CE67F-4580-2DF1-52D2-80C99C5F60C8}"/>
-              </a:ext>
-            </a:extLst>
-          </p:cNvPr>
-          <p:cNvSpPr>
-            <a:spLocks noGrp="1"/>
-          </p:cNvSpPr>
-          <p:nvPr>
-            <p:ph type="sldNum" sz="quarter" idx="12"/>
-          </p:nvPr>
-        </p:nvSpPr>
-        <p:spPr/>
-        <p:txBody>
-          <a:bodyPr/>
-          <a:lstStyle/>
-          <a:p>
-            <a:fld id="{1A980C56-831A-4EAB-9EDE-57C090F4F877}" type="slidenum">
-              <a:rPr lang="en-US" smtClean="0"/>
-              <a:t>5</a:t>
-            </a:fld>
-            <a:endParaRPr lang="en-US"/>
-          </a:p>
-        </p:txBody>
-      </p:sp>
-    </p:spTree>
-    <p:extLst>
-      <p:ext uri="{BB962C8B-B14F-4D97-AF65-F5344CB8AC3E}">
-        <p14:creationId xmlns:p14="http://schemas.microsoft.com/office/powerpoint/2010/main" val="4091535570"/>
-      </p:ext>
-    </p:extLst>
-  </p:cSld>
-  <p:clrMapOvr>
-    <a:masterClrMapping/>
-  </p:clrMapOvr>
-</p:sld>
-</file>
-
-<file path=ppt/slides/slide6.xml><?xml version="1.0" encoding="utf-8"?>
-<p:sld xmlns:a="http://schemas.openxmlformats.org/drawingml/2006/main" xmlns:r="http://schemas.openxmlformats.org/officeDocument/2006/relationships" xmlns:p="http://schemas.openxmlformats.org/presentationml/2006/main">
-  <p:cSld>
-    <p:spTree>
-      <p:nvGrpSpPr>
-        <p:cNvPr id="1" name=""/>
-        <p:cNvGrpSpPr/>
-        <p:nvPr/>
-      </p:nvGrpSpPr>
-      <p:grpSpPr>
-        <a:xfrm>
-          <a:off x="0" y="0"/>
-          <a:ext cx="0" cy="0"/>
-          <a:chOff x="0" y="0"/>
-          <a:chExt cx="0" cy="0"/>
-        </a:xfrm>
-      </p:grpSpPr>
-      <p:sp>
-        <p:nvSpPr>
-          <p:cNvPr id="2" name="Title 1">
-            <a:extLst>
-              <a:ext uri="{FF2B5EF4-FFF2-40B4-BE49-F238E27FC236}">
-                <a16:creationId xmlns:a16="http://schemas.microsoft.com/office/drawing/2014/main" id="{776B09A4-5BC9-4EA8-C267-D3B26A49D07E}"/>
-              </a:ext>
-            </a:extLst>
-          </p:cNvPr>
-          <p:cNvSpPr>
-            <a:spLocks noGrp="1"/>
-          </p:cNvSpPr>
-          <p:nvPr>
-            <p:ph type="title"/>
-          </p:nvPr>
-        </p:nvSpPr>
-        <p:spPr/>
-        <p:txBody>
-          <a:bodyPr/>
-          <a:lstStyle/>
-          <a:p>
-            <a:r>
-              <a:rPr lang="en-US" dirty="0" err="1"/>
-              <a:t>PollEverywhere</a:t>
-            </a:r>
-            <a:endParaRPr lang="en-US" dirty="0"/>
-          </a:p>
-        </p:txBody>
-      </p:sp>
-      <p:sp>
-        <p:nvSpPr>
-          <p:cNvPr id="3" name="Content Placeholder 2">
-            <a:extLst>
-              <a:ext uri="{FF2B5EF4-FFF2-40B4-BE49-F238E27FC236}">
-                <a16:creationId xmlns:a16="http://schemas.microsoft.com/office/drawing/2014/main" id="{97FEFFAF-3949-E82D-4583-E06DA22E7204}"/>
-              </a:ext>
-            </a:extLst>
-          </p:cNvPr>
-          <p:cNvSpPr>
-            <a:spLocks noGrp="1"/>
-          </p:cNvSpPr>
-          <p:nvPr>
-            <p:ph idx="1"/>
-          </p:nvPr>
-        </p:nvSpPr>
-        <p:spPr/>
-        <p:txBody>
-          <a:bodyPr>
-            <a:normAutofit/>
-          </a:bodyPr>
-          <a:lstStyle/>
-          <a:p>
-            <a:r>
-              <a:rPr lang="en-US" dirty="0"/>
-              <a:t>https://pollev.com/brianpark046</a:t>
-            </a:r>
-          </a:p>
-        </p:txBody>
-      </p:sp>
-      <p:sp>
-        <p:nvSpPr>
-          <p:cNvPr id="4" name="Date Placeholder 3">
-            <a:extLst>
-              <a:ext uri="{FF2B5EF4-FFF2-40B4-BE49-F238E27FC236}">
-                <a16:creationId xmlns:a16="http://schemas.microsoft.com/office/drawing/2014/main" id="{CE725A02-EA7A-7321-8B8B-168BF05EA587}"/>
-              </a:ext>
-            </a:extLst>
-          </p:cNvPr>
-          <p:cNvSpPr>
-            <a:spLocks noGrp="1"/>
-          </p:cNvSpPr>
-          <p:nvPr>
-            <p:ph type="dt" sz="half" idx="10"/>
-          </p:nvPr>
-        </p:nvSpPr>
-        <p:spPr/>
-        <p:txBody>
-          <a:bodyPr/>
-          <a:lstStyle/>
-          <a:p>
-            <a:r>
-              <a:rPr lang="en-US"/>
-              <a:t>Fall 2023</a:t>
-            </a:r>
-          </a:p>
-        </p:txBody>
-      </p:sp>
-      <p:sp>
-        <p:nvSpPr>
-          <p:cNvPr id="5" name="Footer Placeholder 4">
-            <a:extLst>
-              <a:ext uri="{FF2B5EF4-FFF2-40B4-BE49-F238E27FC236}">
-                <a16:creationId xmlns:a16="http://schemas.microsoft.com/office/drawing/2014/main" id="{024C4429-8EF0-A6CF-DF65-1DD6365F71D2}"/>
-              </a:ext>
-            </a:extLst>
-          </p:cNvPr>
-          <p:cNvSpPr>
-            <a:spLocks noGrp="1"/>
-          </p:cNvSpPr>
-          <p:nvPr>
-            <p:ph type="ftr" sz="quarter" idx="11"/>
-          </p:nvPr>
-        </p:nvSpPr>
-        <p:spPr/>
-        <p:txBody>
-          <a:bodyPr/>
-          <a:lstStyle/>
-          <a:p>
-            <a:r>
-              <a:rPr lang="en-US"/>
-              <a:t>DEPARTMENT OF BUSINESS &amp; ECONOMICS</a:t>
-            </a:r>
-          </a:p>
-        </p:txBody>
-      </p:sp>
-      <p:sp>
-        <p:nvSpPr>
-          <p:cNvPr id="6" name="Slide Number Placeholder 5">
-            <a:extLst>
-              <a:ext uri="{FF2B5EF4-FFF2-40B4-BE49-F238E27FC236}">
-                <a16:creationId xmlns:a16="http://schemas.microsoft.com/office/drawing/2014/main" id="{E35CE67F-4580-2DF1-52D2-80C99C5F60C8}"/>
-              </a:ext>
-            </a:extLst>
-          </p:cNvPr>
-          <p:cNvSpPr>
-            <a:spLocks noGrp="1"/>
-          </p:cNvSpPr>
-          <p:nvPr>
-            <p:ph type="sldNum" sz="quarter" idx="12"/>
-          </p:nvPr>
-        </p:nvSpPr>
-        <p:spPr/>
-        <p:txBody>
-          <a:bodyPr/>
-          <a:lstStyle/>
-          <a:p>
-            <a:fld id="{1A980C56-831A-4EAB-9EDE-57C090F4F877}" type="slidenum">
-              <a:rPr lang="en-US" smtClean="0"/>
-              <a:t>6</a:t>
             </a:fld>
             <a:endParaRPr lang="en-US"/>
           </a:p>
@@ -11022,6 +11028,567 @@
 </p:sld>
 </file>
 
+<file path=ppt/slides/slide4.xml><?xml version="1.0" encoding="utf-8"?>
+<p:sld xmlns:a="http://schemas.openxmlformats.org/drawingml/2006/main" xmlns:r="http://schemas.openxmlformats.org/officeDocument/2006/relationships" xmlns:p="http://schemas.openxmlformats.org/presentationml/2006/main">
+  <p:cSld>
+    <p:spTree>
+      <p:nvGrpSpPr>
+        <p:cNvPr id="1" name=""/>
+        <p:cNvGrpSpPr/>
+        <p:nvPr/>
+      </p:nvGrpSpPr>
+      <p:grpSpPr>
+        <a:xfrm>
+          <a:off x="0" y="0"/>
+          <a:ext cx="0" cy="0"/>
+          <a:chOff x="0" y="0"/>
+          <a:chExt cx="0" cy="0"/>
+        </a:xfrm>
+      </p:grpSpPr>
+      <p:sp>
+        <p:nvSpPr>
+          <p:cNvPr id="2" name="Date Placeholder 1">
+            <a:extLst>
+              <a:ext uri="{FF2B5EF4-FFF2-40B4-BE49-F238E27FC236}">
+                <a16:creationId xmlns:a16="http://schemas.microsoft.com/office/drawing/2014/main" id="{1022C780-F98E-749C-4F79-DE6B25F4A3B8}"/>
+              </a:ext>
+            </a:extLst>
+          </p:cNvPr>
+          <p:cNvSpPr>
+            <a:spLocks noGrp="1"/>
+          </p:cNvSpPr>
+          <p:nvPr>
+            <p:ph type="dt" sz="half" idx="10"/>
+          </p:nvPr>
+        </p:nvSpPr>
+        <p:spPr/>
+        <p:txBody>
+          <a:bodyPr/>
+          <a:lstStyle/>
+          <a:p>
+            <a:r>
+              <a:rPr lang="en-US"/>
+              <a:t>Fall 2023</a:t>
+            </a:r>
+          </a:p>
+        </p:txBody>
+      </p:sp>
+      <p:sp>
+        <p:nvSpPr>
+          <p:cNvPr id="3" name="Footer Placeholder 2">
+            <a:extLst>
+              <a:ext uri="{FF2B5EF4-FFF2-40B4-BE49-F238E27FC236}">
+                <a16:creationId xmlns:a16="http://schemas.microsoft.com/office/drawing/2014/main" id="{40927615-3499-AB42-D0B7-17260449353D}"/>
+              </a:ext>
+            </a:extLst>
+          </p:cNvPr>
+          <p:cNvSpPr>
+            <a:spLocks noGrp="1"/>
+          </p:cNvSpPr>
+          <p:nvPr>
+            <p:ph type="ftr" sz="quarter" idx="11"/>
+          </p:nvPr>
+        </p:nvSpPr>
+        <p:spPr/>
+        <p:txBody>
+          <a:bodyPr/>
+          <a:lstStyle/>
+          <a:p>
+            <a:r>
+              <a:rPr lang="en-US"/>
+              <a:t>DEPARTMENT OF BUSINESS &amp; ECONOMICS</a:t>
+            </a:r>
+          </a:p>
+        </p:txBody>
+      </p:sp>
+      <p:sp>
+        <p:nvSpPr>
+          <p:cNvPr id="4" name="Slide Number Placeholder 3">
+            <a:extLst>
+              <a:ext uri="{FF2B5EF4-FFF2-40B4-BE49-F238E27FC236}">
+                <a16:creationId xmlns:a16="http://schemas.microsoft.com/office/drawing/2014/main" id="{9D866D59-D2FF-C5B0-1BD0-23C9A7C2DF4B}"/>
+              </a:ext>
+            </a:extLst>
+          </p:cNvPr>
+          <p:cNvSpPr>
+            <a:spLocks noGrp="1"/>
+          </p:cNvSpPr>
+          <p:nvPr>
+            <p:ph type="sldNum" sz="quarter" idx="12"/>
+          </p:nvPr>
+        </p:nvSpPr>
+        <p:spPr/>
+        <p:txBody>
+          <a:bodyPr/>
+          <a:lstStyle/>
+          <a:p>
+            <a:fld id="{1A980C56-831A-4EAB-9EDE-57C090F4F877}" type="slidenum">
+              <a:rPr lang="en-US" smtClean="0"/>
+              <a:t>4</a:t>
+            </a:fld>
+            <a:endParaRPr lang="en-US"/>
+          </a:p>
+        </p:txBody>
+      </p:sp>
+      <p:pic>
+        <p:nvPicPr>
+          <p:cNvPr id="6" name="Picture 5">
+            <a:extLst>
+              <a:ext uri="{FF2B5EF4-FFF2-40B4-BE49-F238E27FC236}">
+                <a16:creationId xmlns:a16="http://schemas.microsoft.com/office/drawing/2014/main" id="{C744EA90-0465-61EF-CE4F-AD482A830469}"/>
+              </a:ext>
+            </a:extLst>
+          </p:cNvPr>
+          <p:cNvPicPr>
+            <a:picLocks/>
+          </p:cNvPicPr>
+          <p:nvPr>
+            <p:custDataLst>
+              <p:tags r:id="rId1"/>
+            </p:custDataLst>
+          </p:nvPr>
+        </p:nvPicPr>
+        <p:blipFill>
+          <a:blip r:embed="rId4">
+            <a:extLst>
+              <a:ext uri="{28A0092B-C50C-407E-A947-70E740481C1C}">
+                <a14:useLocalDpi xmlns:a14="http://schemas.microsoft.com/office/drawing/2010/main" val="0"/>
+              </a:ext>
+            </a:extLst>
+          </a:blip>
+          <a:stretch>
+            <a:fillRect/>
+          </a:stretch>
+        </p:blipFill>
+        <p:spPr>
+          <a:xfrm>
+            <a:off x="0" y="0"/>
+            <a:ext cx="9144000" cy="6858000"/>
+          </a:xfrm>
+          <a:prstGeom prst="rect">
+            <a:avLst/>
+          </a:prstGeom>
+        </p:spPr>
+      </p:pic>
+    </p:spTree>
+    <p:extLst>
+      <p:ext uri="{BB962C8B-B14F-4D97-AF65-F5344CB8AC3E}">
+        <p14:creationId xmlns:p14="http://schemas.microsoft.com/office/powerpoint/2010/main" val="637836773"/>
+      </p:ext>
+    </p:extLst>
+  </p:cSld>
+  <p:clrMapOvr>
+    <a:masterClrMapping/>
+  </p:clrMapOvr>
+</p:sld>
+</file>
+
+<file path=ppt/slides/slide5.xml><?xml version="1.0" encoding="utf-8"?>
+<p:sld xmlns:a="http://schemas.openxmlformats.org/drawingml/2006/main" xmlns:r="http://schemas.openxmlformats.org/officeDocument/2006/relationships" xmlns:p="http://schemas.openxmlformats.org/presentationml/2006/main">
+  <p:cSld>
+    <p:spTree>
+      <p:nvGrpSpPr>
+        <p:cNvPr id="1" name=""/>
+        <p:cNvGrpSpPr/>
+        <p:nvPr/>
+      </p:nvGrpSpPr>
+      <p:grpSpPr>
+        <a:xfrm>
+          <a:off x="0" y="0"/>
+          <a:ext cx="0" cy="0"/>
+          <a:chOff x="0" y="0"/>
+          <a:chExt cx="0" cy="0"/>
+        </a:xfrm>
+      </p:grpSpPr>
+      <p:sp>
+        <p:nvSpPr>
+          <p:cNvPr id="2" name="Date Placeholder 1">
+            <a:extLst>
+              <a:ext uri="{FF2B5EF4-FFF2-40B4-BE49-F238E27FC236}">
+                <a16:creationId xmlns:a16="http://schemas.microsoft.com/office/drawing/2014/main" id="{5837873B-5B24-A4DC-CE8F-8A475B7E403A}"/>
+              </a:ext>
+            </a:extLst>
+          </p:cNvPr>
+          <p:cNvSpPr>
+            <a:spLocks noGrp="1"/>
+          </p:cNvSpPr>
+          <p:nvPr>
+            <p:ph type="dt" sz="half" idx="10"/>
+          </p:nvPr>
+        </p:nvSpPr>
+        <p:spPr/>
+        <p:txBody>
+          <a:bodyPr/>
+          <a:lstStyle/>
+          <a:p>
+            <a:r>
+              <a:rPr lang="en-US"/>
+              <a:t>Fall 2023</a:t>
+            </a:r>
+          </a:p>
+        </p:txBody>
+      </p:sp>
+      <p:sp>
+        <p:nvSpPr>
+          <p:cNvPr id="3" name="Footer Placeholder 2">
+            <a:extLst>
+              <a:ext uri="{FF2B5EF4-FFF2-40B4-BE49-F238E27FC236}">
+                <a16:creationId xmlns:a16="http://schemas.microsoft.com/office/drawing/2014/main" id="{5F329111-5F54-B3AD-74AC-AE51A3EE4B79}"/>
+              </a:ext>
+            </a:extLst>
+          </p:cNvPr>
+          <p:cNvSpPr>
+            <a:spLocks noGrp="1"/>
+          </p:cNvSpPr>
+          <p:nvPr>
+            <p:ph type="ftr" sz="quarter" idx="11"/>
+          </p:nvPr>
+        </p:nvSpPr>
+        <p:spPr/>
+        <p:txBody>
+          <a:bodyPr/>
+          <a:lstStyle/>
+          <a:p>
+            <a:r>
+              <a:rPr lang="en-US"/>
+              <a:t>DEPARTMENT OF BUSINESS &amp; ECONOMICS</a:t>
+            </a:r>
+          </a:p>
+        </p:txBody>
+      </p:sp>
+      <p:sp>
+        <p:nvSpPr>
+          <p:cNvPr id="4" name="Slide Number Placeholder 3">
+            <a:extLst>
+              <a:ext uri="{FF2B5EF4-FFF2-40B4-BE49-F238E27FC236}">
+                <a16:creationId xmlns:a16="http://schemas.microsoft.com/office/drawing/2014/main" id="{B379BB4C-1152-0DFD-5B9A-7741C62CAC11}"/>
+              </a:ext>
+            </a:extLst>
+          </p:cNvPr>
+          <p:cNvSpPr>
+            <a:spLocks noGrp="1"/>
+          </p:cNvSpPr>
+          <p:nvPr>
+            <p:ph type="sldNum" sz="quarter" idx="12"/>
+          </p:nvPr>
+        </p:nvSpPr>
+        <p:spPr/>
+        <p:txBody>
+          <a:bodyPr/>
+          <a:lstStyle/>
+          <a:p>
+            <a:fld id="{1A980C56-831A-4EAB-9EDE-57C090F4F877}" type="slidenum">
+              <a:rPr lang="en-US" smtClean="0"/>
+              <a:t>5</a:t>
+            </a:fld>
+            <a:endParaRPr lang="en-US"/>
+          </a:p>
+        </p:txBody>
+      </p:sp>
+      <p:pic>
+        <p:nvPicPr>
+          <p:cNvPr id="6" name="Picture 5">
+            <a:extLst>
+              <a:ext uri="{FF2B5EF4-FFF2-40B4-BE49-F238E27FC236}">
+                <a16:creationId xmlns:a16="http://schemas.microsoft.com/office/drawing/2014/main" id="{F69CE346-2C6F-7C38-FC6C-E44FBFFDDCB7}"/>
+              </a:ext>
+            </a:extLst>
+          </p:cNvPr>
+          <p:cNvPicPr>
+            <a:picLocks/>
+          </p:cNvPicPr>
+          <p:nvPr>
+            <p:custDataLst>
+              <p:tags r:id="rId1"/>
+            </p:custDataLst>
+          </p:nvPr>
+        </p:nvPicPr>
+        <p:blipFill>
+          <a:blip r:embed="rId4">
+            <a:extLst>
+              <a:ext uri="{28A0092B-C50C-407E-A947-70E740481C1C}">
+                <a14:useLocalDpi xmlns:a14="http://schemas.microsoft.com/office/drawing/2010/main" val="0"/>
+              </a:ext>
+            </a:extLst>
+          </a:blip>
+          <a:stretch>
+            <a:fillRect/>
+          </a:stretch>
+        </p:blipFill>
+        <p:spPr>
+          <a:xfrm>
+            <a:off x="0" y="0"/>
+            <a:ext cx="9144000" cy="6858000"/>
+          </a:xfrm>
+          <a:prstGeom prst="rect">
+            <a:avLst/>
+          </a:prstGeom>
+        </p:spPr>
+      </p:pic>
+    </p:spTree>
+    <p:extLst>
+      <p:ext uri="{BB962C8B-B14F-4D97-AF65-F5344CB8AC3E}">
+        <p14:creationId xmlns:p14="http://schemas.microsoft.com/office/powerpoint/2010/main" val="3003151096"/>
+      </p:ext>
+    </p:extLst>
+  </p:cSld>
+  <p:clrMapOvr>
+    <a:masterClrMapping/>
+  </p:clrMapOvr>
+</p:sld>
+</file>
+
+<file path=ppt/slides/slide6.xml><?xml version="1.0" encoding="utf-8"?>
+<p:sld xmlns:a="http://schemas.openxmlformats.org/drawingml/2006/main" xmlns:r="http://schemas.openxmlformats.org/officeDocument/2006/relationships" xmlns:p="http://schemas.openxmlformats.org/presentationml/2006/main">
+  <p:cSld>
+    <p:spTree>
+      <p:nvGrpSpPr>
+        <p:cNvPr id="1" name=""/>
+        <p:cNvGrpSpPr/>
+        <p:nvPr/>
+      </p:nvGrpSpPr>
+      <p:grpSpPr>
+        <a:xfrm>
+          <a:off x="0" y="0"/>
+          <a:ext cx="0" cy="0"/>
+          <a:chOff x="0" y="0"/>
+          <a:chExt cx="0" cy="0"/>
+        </a:xfrm>
+      </p:grpSpPr>
+      <p:sp>
+        <p:nvSpPr>
+          <p:cNvPr id="2" name="Title 1">
+            <a:extLst>
+              <a:ext uri="{FF2B5EF4-FFF2-40B4-BE49-F238E27FC236}">
+                <a16:creationId xmlns:a16="http://schemas.microsoft.com/office/drawing/2014/main" id="{776B09A4-5BC9-4EA8-C267-D3B26A49D07E}"/>
+              </a:ext>
+            </a:extLst>
+          </p:cNvPr>
+          <p:cNvSpPr>
+            <a:spLocks noGrp="1"/>
+          </p:cNvSpPr>
+          <p:nvPr>
+            <p:ph type="title"/>
+          </p:nvPr>
+        </p:nvSpPr>
+        <p:spPr/>
+        <p:txBody>
+          <a:bodyPr>
+            <a:normAutofit/>
+          </a:bodyPr>
+          <a:lstStyle/>
+          <a:p>
+            <a:r>
+              <a:rPr lang="en-US" sz="3200" dirty="0"/>
+              <a:t>What is Intermediate Price Theory?</a:t>
+            </a:r>
+          </a:p>
+        </p:txBody>
+      </p:sp>
+      <p:sp>
+        <p:nvSpPr>
+          <p:cNvPr id="3" name="Content Placeholder 2">
+            <a:extLst>
+              <a:ext uri="{FF2B5EF4-FFF2-40B4-BE49-F238E27FC236}">
+                <a16:creationId xmlns:a16="http://schemas.microsoft.com/office/drawing/2014/main" id="{97FEFFAF-3949-E82D-4583-E06DA22E7204}"/>
+              </a:ext>
+            </a:extLst>
+          </p:cNvPr>
+          <p:cNvSpPr>
+            <a:spLocks noGrp="1"/>
+          </p:cNvSpPr>
+          <p:nvPr>
+            <p:ph idx="1"/>
+          </p:nvPr>
+        </p:nvSpPr>
+        <p:spPr/>
+        <p:txBody>
+          <a:bodyPr>
+            <a:normAutofit/>
+          </a:bodyPr>
+          <a:lstStyle/>
+          <a:p>
+            <a:r>
+              <a:rPr lang="en-US" dirty="0"/>
+              <a:t>Typically called </a:t>
+            </a:r>
+            <a:r>
+              <a:rPr lang="en-US" b="1" dirty="0"/>
+              <a:t>“Intermediate Microeconomic Theory”</a:t>
+            </a:r>
+          </a:p>
+          <a:p>
+            <a:endParaRPr lang="en-US" sz="1200" dirty="0"/>
+          </a:p>
+          <a:p>
+            <a:r>
+              <a:rPr lang="en-US" dirty="0"/>
+              <a:t>JEL Classification under “Microeconomics”</a:t>
+            </a:r>
+          </a:p>
+          <a:p>
+            <a:pPr lvl="1"/>
+            <a:r>
+              <a:rPr lang="en-US" dirty="0"/>
+              <a:t>Household Behavior and Family Economics</a:t>
+            </a:r>
+          </a:p>
+          <a:p>
+            <a:pPr lvl="1"/>
+            <a:r>
+              <a:rPr lang="en-US" dirty="0"/>
+              <a:t>Production and Organizations</a:t>
+            </a:r>
+          </a:p>
+          <a:p>
+            <a:pPr lvl="1"/>
+            <a:r>
+              <a:rPr lang="en-US" dirty="0"/>
+              <a:t>Distribution</a:t>
+            </a:r>
+          </a:p>
+          <a:p>
+            <a:pPr lvl="1"/>
+            <a:r>
+              <a:rPr lang="en-US" dirty="0"/>
+              <a:t>Market Structure, Pricing, and Design</a:t>
+            </a:r>
+          </a:p>
+          <a:p>
+            <a:pPr lvl="1"/>
+            <a:r>
+              <a:rPr lang="en-US" dirty="0"/>
+              <a:t>General Equilibrium and Disequilibrium</a:t>
+            </a:r>
+          </a:p>
+          <a:p>
+            <a:pPr lvl="1"/>
+            <a:r>
+              <a:rPr lang="en-US" dirty="0"/>
+              <a:t>Welfare Economics</a:t>
+            </a:r>
+          </a:p>
+          <a:p>
+            <a:pPr lvl="1"/>
+            <a:r>
+              <a:rPr lang="en-US" dirty="0"/>
+              <a:t>Analysis of Collective Decision-Making</a:t>
+            </a:r>
+          </a:p>
+          <a:p>
+            <a:pPr lvl="1"/>
+            <a:r>
+              <a:rPr lang="en-US" dirty="0"/>
+              <a:t>Information, Knowledge, and Uncertainty</a:t>
+            </a:r>
+          </a:p>
+          <a:p>
+            <a:pPr lvl="1"/>
+            <a:r>
+              <a:rPr lang="en-US" dirty="0"/>
+              <a:t>Micro-Based Behavioral Economics</a:t>
+            </a:r>
+          </a:p>
+        </p:txBody>
+      </p:sp>
+      <p:sp>
+        <p:nvSpPr>
+          <p:cNvPr id="4" name="Date Placeholder 3">
+            <a:extLst>
+              <a:ext uri="{FF2B5EF4-FFF2-40B4-BE49-F238E27FC236}">
+                <a16:creationId xmlns:a16="http://schemas.microsoft.com/office/drawing/2014/main" id="{CE725A02-EA7A-7321-8B8B-168BF05EA587}"/>
+              </a:ext>
+            </a:extLst>
+          </p:cNvPr>
+          <p:cNvSpPr>
+            <a:spLocks noGrp="1"/>
+          </p:cNvSpPr>
+          <p:nvPr>
+            <p:ph type="dt" sz="half" idx="10"/>
+          </p:nvPr>
+        </p:nvSpPr>
+        <p:spPr/>
+        <p:txBody>
+          <a:bodyPr/>
+          <a:lstStyle/>
+          <a:p>
+            <a:r>
+              <a:rPr lang="en-US"/>
+              <a:t>Fall 2023</a:t>
+            </a:r>
+          </a:p>
+        </p:txBody>
+      </p:sp>
+      <p:sp>
+        <p:nvSpPr>
+          <p:cNvPr id="5" name="Footer Placeholder 4">
+            <a:extLst>
+              <a:ext uri="{FF2B5EF4-FFF2-40B4-BE49-F238E27FC236}">
+                <a16:creationId xmlns:a16="http://schemas.microsoft.com/office/drawing/2014/main" id="{024C4429-8EF0-A6CF-DF65-1DD6365F71D2}"/>
+              </a:ext>
+            </a:extLst>
+          </p:cNvPr>
+          <p:cNvSpPr>
+            <a:spLocks noGrp="1"/>
+          </p:cNvSpPr>
+          <p:nvPr>
+            <p:ph type="ftr" sz="quarter" idx="11"/>
+          </p:nvPr>
+        </p:nvSpPr>
+        <p:spPr/>
+        <p:txBody>
+          <a:bodyPr/>
+          <a:lstStyle/>
+          <a:p>
+            <a:r>
+              <a:rPr lang="en-US"/>
+              <a:t>DEPARTMENT OF BUSINESS &amp; ECONOMICS</a:t>
+            </a:r>
+          </a:p>
+        </p:txBody>
+      </p:sp>
+      <p:sp>
+        <p:nvSpPr>
+          <p:cNvPr id="6" name="Slide Number Placeholder 5">
+            <a:extLst>
+              <a:ext uri="{FF2B5EF4-FFF2-40B4-BE49-F238E27FC236}">
+                <a16:creationId xmlns:a16="http://schemas.microsoft.com/office/drawing/2014/main" id="{E35CE67F-4580-2DF1-52D2-80C99C5F60C8}"/>
+              </a:ext>
+            </a:extLst>
+          </p:cNvPr>
+          <p:cNvSpPr>
+            <a:spLocks noGrp="1"/>
+          </p:cNvSpPr>
+          <p:nvPr>
+            <p:ph type="sldNum" sz="quarter" idx="12"/>
+          </p:nvPr>
+        </p:nvSpPr>
+        <p:spPr/>
+        <p:txBody>
+          <a:bodyPr/>
+          <a:lstStyle/>
+          <a:p>
+            <a:fld id="{1A980C56-831A-4EAB-9EDE-57C090F4F877}" type="slidenum">
+              <a:rPr lang="en-US" smtClean="0"/>
+              <a:t>6</a:t>
+            </a:fld>
+            <a:endParaRPr lang="en-US"/>
+          </a:p>
+        </p:txBody>
+      </p:sp>
+    </p:spTree>
+    <p:extLst>
+      <p:ext uri="{BB962C8B-B14F-4D97-AF65-F5344CB8AC3E}">
+        <p14:creationId xmlns:p14="http://schemas.microsoft.com/office/powerpoint/2010/main" val="3059287737"/>
+      </p:ext>
+    </p:extLst>
+  </p:cSld>
+  <p:clrMapOvr>
+    <a:masterClrMapping/>
+  </p:clrMapOvr>
+</p:sld>
+</file>
+
 <file path=ppt/slides/slide7.xml><?xml version="1.0" encoding="utf-8"?>
 <p:sld xmlns:a="http://schemas.openxmlformats.org/drawingml/2006/main" xmlns:r="http://schemas.openxmlformats.org/officeDocument/2006/relationships" xmlns:p="http://schemas.openxmlformats.org/presentationml/2006/main">
   <p:cSld>
@@ -11041,10 +11608,150 @@
       </p:grpSpPr>
       <p:sp>
         <p:nvSpPr>
-          <p:cNvPr id="2" name="Date Placeholder 1">
-            <a:extLst>
-              <a:ext uri="{FF2B5EF4-FFF2-40B4-BE49-F238E27FC236}">
-                <a16:creationId xmlns:a16="http://schemas.microsoft.com/office/drawing/2014/main" id="{72C8EFF4-27DC-62FC-AE16-9C73910BAC69}"/>
+          <p:cNvPr id="2" name="Title 1">
+            <a:extLst>
+              <a:ext uri="{FF2B5EF4-FFF2-40B4-BE49-F238E27FC236}">
+                <a16:creationId xmlns:a16="http://schemas.microsoft.com/office/drawing/2014/main" id="{776B09A4-5BC9-4EA8-C267-D3B26A49D07E}"/>
+              </a:ext>
+            </a:extLst>
+          </p:cNvPr>
+          <p:cNvSpPr>
+            <a:spLocks noGrp="1"/>
+          </p:cNvSpPr>
+          <p:nvPr>
+            <p:ph type="title"/>
+          </p:nvPr>
+        </p:nvSpPr>
+        <p:spPr/>
+        <p:txBody>
+          <a:bodyPr>
+            <a:normAutofit/>
+          </a:bodyPr>
+          <a:lstStyle/>
+          <a:p>
+            <a:r>
+              <a:rPr lang="en-US" sz="3200" dirty="0"/>
+              <a:t>What is Intermediate Price Theory?</a:t>
+            </a:r>
+          </a:p>
+        </p:txBody>
+      </p:sp>
+      <p:sp>
+        <p:nvSpPr>
+          <p:cNvPr id="3" name="Content Placeholder 2">
+            <a:extLst>
+              <a:ext uri="{FF2B5EF4-FFF2-40B4-BE49-F238E27FC236}">
+                <a16:creationId xmlns:a16="http://schemas.microsoft.com/office/drawing/2014/main" id="{97FEFFAF-3949-E82D-4583-E06DA22E7204}"/>
+              </a:ext>
+            </a:extLst>
+          </p:cNvPr>
+          <p:cNvSpPr>
+            <a:spLocks noGrp="1"/>
+          </p:cNvSpPr>
+          <p:nvPr>
+            <p:ph idx="1"/>
+          </p:nvPr>
+        </p:nvSpPr>
+        <p:spPr/>
+        <p:txBody>
+          <a:bodyPr>
+            <a:normAutofit/>
+          </a:bodyPr>
+          <a:lstStyle/>
+          <a:p>
+            <a:r>
+              <a:rPr lang="en-US" dirty="0"/>
+              <a:t>In this course we cover the following topics:</a:t>
+            </a:r>
+          </a:p>
+          <a:p>
+            <a:endParaRPr lang="en-US" sz="1200" dirty="0"/>
+          </a:p>
+          <a:p>
+            <a:r>
+              <a:rPr lang="en-US" dirty="0"/>
+              <a:t>How </a:t>
+            </a:r>
+            <a:r>
+              <a:rPr lang="en-US" b="1" dirty="0"/>
+              <a:t>individuals</a:t>
+            </a:r>
+            <a:r>
+              <a:rPr lang="en-US" dirty="0"/>
+              <a:t> make decisions</a:t>
+            </a:r>
+          </a:p>
+          <a:p>
+            <a:pPr lvl="1"/>
+            <a:r>
+              <a:rPr lang="en-US" dirty="0"/>
+              <a:t>How would an agent make consumption choices?</a:t>
+            </a:r>
+          </a:p>
+          <a:p>
+            <a:pPr lvl="1"/>
+            <a:r>
+              <a:rPr lang="en-US" dirty="0"/>
+              <a:t>How would agents make production decisions?</a:t>
+            </a:r>
+          </a:p>
+          <a:p>
+            <a:pPr lvl="1"/>
+            <a:endParaRPr lang="en-US" sz="1200" dirty="0"/>
+          </a:p>
+          <a:p>
+            <a:r>
+              <a:rPr lang="en-US" dirty="0"/>
+              <a:t>How these individual decisions </a:t>
+            </a:r>
+            <a:r>
+              <a:rPr lang="en-US" b="1" dirty="0"/>
+              <a:t>interact</a:t>
+            </a:r>
+          </a:p>
+          <a:p>
+            <a:pPr lvl="1"/>
+            <a:r>
+              <a:rPr lang="en-US" dirty="0"/>
+              <a:t>What is a market equilibrium?</a:t>
+            </a:r>
+          </a:p>
+          <a:p>
+            <a:pPr lvl="1"/>
+            <a:r>
+              <a:rPr lang="en-US" dirty="0"/>
+              <a:t>Who wins, and who loses?</a:t>
+            </a:r>
+          </a:p>
+          <a:p>
+            <a:pPr lvl="1"/>
+            <a:r>
+              <a:rPr lang="en-US" dirty="0"/>
+              <a:t>How would the government fit in this framework?</a:t>
+            </a:r>
+          </a:p>
+          <a:p>
+            <a:pPr lvl="1"/>
+            <a:endParaRPr lang="en-US" sz="1200" dirty="0"/>
+          </a:p>
+          <a:p>
+            <a:r>
+              <a:rPr lang="en-US" dirty="0"/>
+              <a:t>What happens </a:t>
+            </a:r>
+            <a:r>
+              <a:rPr lang="en-US" b="1" dirty="0"/>
+              <a:t>when assumptions fail</a:t>
+            </a:r>
+          </a:p>
+        </p:txBody>
+      </p:sp>
+      <p:sp>
+        <p:nvSpPr>
+          <p:cNvPr id="4" name="Date Placeholder 3">
+            <a:extLst>
+              <a:ext uri="{FF2B5EF4-FFF2-40B4-BE49-F238E27FC236}">
+                <a16:creationId xmlns:a16="http://schemas.microsoft.com/office/drawing/2014/main" id="{CE725A02-EA7A-7321-8B8B-168BF05EA587}"/>
               </a:ext>
             </a:extLst>
           </p:cNvPr>
@@ -11069,10 +11776,10 @@
       </p:sp>
       <p:sp>
         <p:nvSpPr>
-          <p:cNvPr id="3" name="Footer Placeholder 2">
-            <a:extLst>
-              <a:ext uri="{FF2B5EF4-FFF2-40B4-BE49-F238E27FC236}">
-                <a16:creationId xmlns:a16="http://schemas.microsoft.com/office/drawing/2014/main" id="{5E5160E9-09DA-4979-FE70-80EE9C2B60A0}"/>
+          <p:cNvPr id="5" name="Footer Placeholder 4">
+            <a:extLst>
+              <a:ext uri="{FF2B5EF4-FFF2-40B4-BE49-F238E27FC236}">
+                <a16:creationId xmlns:a16="http://schemas.microsoft.com/office/drawing/2014/main" id="{024C4429-8EF0-A6CF-DF65-1DD6365F71D2}"/>
               </a:ext>
             </a:extLst>
           </p:cNvPr>
@@ -11097,10 +11804,10 @@
       </p:sp>
       <p:sp>
         <p:nvSpPr>
-          <p:cNvPr id="4" name="Slide Number Placeholder 3">
-            <a:extLst>
-              <a:ext uri="{FF2B5EF4-FFF2-40B4-BE49-F238E27FC236}">
-                <a16:creationId xmlns:a16="http://schemas.microsoft.com/office/drawing/2014/main" id="{8593419D-7272-9F85-3503-AE5AC0EF5458}"/>
+          <p:cNvPr id="6" name="Slide Number Placeholder 5">
+            <a:extLst>
+              <a:ext uri="{FF2B5EF4-FFF2-40B4-BE49-F238E27FC236}">
+                <a16:creationId xmlns:a16="http://schemas.microsoft.com/office/drawing/2014/main" id="{E35CE67F-4580-2DF1-52D2-80C99C5F60C8}"/>
               </a:ext>
             </a:extLst>
           </p:cNvPr>
@@ -11119,6 +11826,354 @@
             <a:fld id="{1A980C56-831A-4EAB-9EDE-57C090F4F877}" type="slidenum">
               <a:rPr lang="en-US" smtClean="0"/>
               <a:t>7</a:t>
+            </a:fld>
+            <a:endParaRPr lang="en-US"/>
+          </a:p>
+        </p:txBody>
+      </p:sp>
+    </p:spTree>
+    <p:extLst>
+      <p:ext uri="{BB962C8B-B14F-4D97-AF65-F5344CB8AC3E}">
+        <p14:creationId xmlns:p14="http://schemas.microsoft.com/office/powerpoint/2010/main" val="566551671"/>
+      </p:ext>
+    </p:extLst>
+  </p:cSld>
+  <p:clrMapOvr>
+    <a:masterClrMapping/>
+  </p:clrMapOvr>
+</p:sld>
+</file>
+
+<file path=ppt/slides/slide8.xml><?xml version="1.0" encoding="utf-8"?>
+<p:sld xmlns:a="http://schemas.openxmlformats.org/drawingml/2006/main" xmlns:r="http://schemas.openxmlformats.org/officeDocument/2006/relationships" xmlns:p="http://schemas.openxmlformats.org/presentationml/2006/main">
+  <p:cSld>
+    <p:spTree>
+      <p:nvGrpSpPr>
+        <p:cNvPr id="1" name=""/>
+        <p:cNvGrpSpPr/>
+        <p:nvPr/>
+      </p:nvGrpSpPr>
+      <p:grpSpPr>
+        <a:xfrm>
+          <a:off x="0" y="0"/>
+          <a:ext cx="0" cy="0"/>
+          <a:chOff x="0" y="0"/>
+          <a:chExt cx="0" cy="0"/>
+        </a:xfrm>
+      </p:grpSpPr>
+      <p:sp>
+        <p:nvSpPr>
+          <p:cNvPr id="2" name="Title 1">
+            <a:extLst>
+              <a:ext uri="{FF2B5EF4-FFF2-40B4-BE49-F238E27FC236}">
+                <a16:creationId xmlns:a16="http://schemas.microsoft.com/office/drawing/2014/main" id="{776B09A4-5BC9-4EA8-C267-D3B26A49D07E}"/>
+              </a:ext>
+            </a:extLst>
+          </p:cNvPr>
+          <p:cNvSpPr>
+            <a:spLocks noGrp="1"/>
+          </p:cNvSpPr>
+          <p:nvPr>
+            <p:ph type="title"/>
+          </p:nvPr>
+        </p:nvSpPr>
+        <p:spPr/>
+        <p:txBody>
+          <a:bodyPr/>
+          <a:lstStyle/>
+          <a:p>
+            <a:r>
+              <a:rPr lang="en-US" dirty="0"/>
+              <a:t>About Me</a:t>
+            </a:r>
+          </a:p>
+        </p:txBody>
+      </p:sp>
+      <p:sp>
+        <p:nvSpPr>
+          <p:cNvPr id="3" name="Content Placeholder 2">
+            <a:extLst>
+              <a:ext uri="{FF2B5EF4-FFF2-40B4-BE49-F238E27FC236}">
+                <a16:creationId xmlns:a16="http://schemas.microsoft.com/office/drawing/2014/main" id="{97FEFFAF-3949-E82D-4583-E06DA22E7204}"/>
+              </a:ext>
+            </a:extLst>
+          </p:cNvPr>
+          <p:cNvSpPr>
+            <a:spLocks noGrp="1"/>
+          </p:cNvSpPr>
+          <p:nvPr>
+            <p:ph idx="1"/>
+          </p:nvPr>
+        </p:nvSpPr>
+        <p:spPr/>
+        <p:txBody>
+          <a:bodyPr>
+            <a:normAutofit/>
+          </a:bodyPr>
+          <a:lstStyle/>
+          <a:p>
+            <a:r>
+              <a:rPr lang="en-US" dirty="0"/>
+              <a:t>Ph.D. Cornell University</a:t>
+            </a:r>
+          </a:p>
+          <a:p>
+            <a:pPr lvl="1"/>
+            <a:endParaRPr lang="en-US" sz="800" dirty="0"/>
+          </a:p>
+          <a:p>
+            <a:r>
+              <a:rPr lang="en-US" dirty="0"/>
+              <a:t>B.A. Korea University</a:t>
+            </a:r>
+          </a:p>
+          <a:p>
+            <a:pPr lvl="1"/>
+            <a:endParaRPr lang="en-US" sz="800" dirty="0"/>
+          </a:p>
+          <a:p>
+            <a:r>
+              <a:rPr lang="en-US" dirty="0"/>
+              <a:t>Research Interests</a:t>
+            </a:r>
+          </a:p>
+          <a:p>
+            <a:pPr lvl="1"/>
+            <a:r>
+              <a:rPr lang="en-US" dirty="0"/>
+              <a:t>Environmental: Climate Change, Air Pollution</a:t>
+            </a:r>
+          </a:p>
+          <a:p>
+            <a:pPr lvl="1"/>
+            <a:r>
+              <a:rPr lang="en-US" dirty="0"/>
+              <a:t>Demographic: Migration, Fertility</a:t>
+            </a:r>
+          </a:p>
+          <a:p>
+            <a:pPr lvl="1"/>
+            <a:r>
+              <a:rPr lang="en-US" dirty="0"/>
+              <a:t>Labor: Employment Stability</a:t>
+            </a:r>
+            <a:endParaRPr lang="en-US" sz="800" dirty="0"/>
+          </a:p>
+          <a:p>
+            <a:pPr lvl="1"/>
+            <a:endParaRPr lang="en-US" sz="800" dirty="0"/>
+          </a:p>
+          <a:p>
+            <a:r>
+              <a:rPr lang="en-US" dirty="0"/>
+              <a:t>1</a:t>
+            </a:r>
+            <a:r>
+              <a:rPr lang="en-US" baseline="30000" dirty="0"/>
+              <a:t>st</a:t>
+            </a:r>
+            <a:r>
+              <a:rPr lang="en-US" dirty="0"/>
+              <a:t> Year at Monmouth College</a:t>
+            </a:r>
+          </a:p>
+        </p:txBody>
+      </p:sp>
+      <p:sp>
+        <p:nvSpPr>
+          <p:cNvPr id="4" name="Date Placeholder 3">
+            <a:extLst>
+              <a:ext uri="{FF2B5EF4-FFF2-40B4-BE49-F238E27FC236}">
+                <a16:creationId xmlns:a16="http://schemas.microsoft.com/office/drawing/2014/main" id="{CE725A02-EA7A-7321-8B8B-168BF05EA587}"/>
+              </a:ext>
+            </a:extLst>
+          </p:cNvPr>
+          <p:cNvSpPr>
+            <a:spLocks noGrp="1"/>
+          </p:cNvSpPr>
+          <p:nvPr>
+            <p:ph type="dt" sz="half" idx="10"/>
+          </p:nvPr>
+        </p:nvSpPr>
+        <p:spPr/>
+        <p:txBody>
+          <a:bodyPr/>
+          <a:lstStyle/>
+          <a:p>
+            <a:r>
+              <a:rPr lang="en-US"/>
+              <a:t>Fall 2023</a:t>
+            </a:r>
+          </a:p>
+        </p:txBody>
+      </p:sp>
+      <p:sp>
+        <p:nvSpPr>
+          <p:cNvPr id="5" name="Footer Placeholder 4">
+            <a:extLst>
+              <a:ext uri="{FF2B5EF4-FFF2-40B4-BE49-F238E27FC236}">
+                <a16:creationId xmlns:a16="http://schemas.microsoft.com/office/drawing/2014/main" id="{024C4429-8EF0-A6CF-DF65-1DD6365F71D2}"/>
+              </a:ext>
+            </a:extLst>
+          </p:cNvPr>
+          <p:cNvSpPr>
+            <a:spLocks noGrp="1"/>
+          </p:cNvSpPr>
+          <p:nvPr>
+            <p:ph type="ftr" sz="quarter" idx="11"/>
+          </p:nvPr>
+        </p:nvSpPr>
+        <p:spPr/>
+        <p:txBody>
+          <a:bodyPr/>
+          <a:lstStyle/>
+          <a:p>
+            <a:r>
+              <a:rPr lang="en-US"/>
+              <a:t>DEPARTMENT OF BUSINESS &amp; ECONOMICS</a:t>
+            </a:r>
+          </a:p>
+        </p:txBody>
+      </p:sp>
+      <p:sp>
+        <p:nvSpPr>
+          <p:cNvPr id="6" name="Slide Number Placeholder 5">
+            <a:extLst>
+              <a:ext uri="{FF2B5EF4-FFF2-40B4-BE49-F238E27FC236}">
+                <a16:creationId xmlns:a16="http://schemas.microsoft.com/office/drawing/2014/main" id="{E35CE67F-4580-2DF1-52D2-80C99C5F60C8}"/>
+              </a:ext>
+            </a:extLst>
+          </p:cNvPr>
+          <p:cNvSpPr>
+            <a:spLocks noGrp="1"/>
+          </p:cNvSpPr>
+          <p:nvPr>
+            <p:ph type="sldNum" sz="quarter" idx="12"/>
+          </p:nvPr>
+        </p:nvSpPr>
+        <p:spPr/>
+        <p:txBody>
+          <a:bodyPr/>
+          <a:lstStyle/>
+          <a:p>
+            <a:fld id="{1A980C56-831A-4EAB-9EDE-57C090F4F877}" type="slidenum">
+              <a:rPr lang="en-US" smtClean="0"/>
+              <a:t>8</a:t>
+            </a:fld>
+            <a:endParaRPr lang="en-US"/>
+          </a:p>
+        </p:txBody>
+      </p:sp>
+    </p:spTree>
+    <p:extLst>
+      <p:ext uri="{BB962C8B-B14F-4D97-AF65-F5344CB8AC3E}">
+        <p14:creationId xmlns:p14="http://schemas.microsoft.com/office/powerpoint/2010/main" val="4091535570"/>
+      </p:ext>
+    </p:extLst>
+  </p:cSld>
+  <p:clrMapOvr>
+    <a:masterClrMapping/>
+  </p:clrMapOvr>
+</p:sld>
+</file>
+
+<file path=ppt/slides/slide9.xml><?xml version="1.0" encoding="utf-8"?>
+<p:sld xmlns:a="http://schemas.openxmlformats.org/drawingml/2006/main" xmlns:r="http://schemas.openxmlformats.org/officeDocument/2006/relationships" xmlns:p="http://schemas.openxmlformats.org/presentationml/2006/main">
+  <p:cSld>
+    <p:spTree>
+      <p:nvGrpSpPr>
+        <p:cNvPr id="1" name=""/>
+        <p:cNvGrpSpPr/>
+        <p:nvPr/>
+      </p:nvGrpSpPr>
+      <p:grpSpPr>
+        <a:xfrm>
+          <a:off x="0" y="0"/>
+          <a:ext cx="0" cy="0"/>
+          <a:chOff x="0" y="0"/>
+          <a:chExt cx="0" cy="0"/>
+        </a:xfrm>
+      </p:grpSpPr>
+      <p:sp>
+        <p:nvSpPr>
+          <p:cNvPr id="2" name="Date Placeholder 1">
+            <a:extLst>
+              <a:ext uri="{FF2B5EF4-FFF2-40B4-BE49-F238E27FC236}">
+                <a16:creationId xmlns:a16="http://schemas.microsoft.com/office/drawing/2014/main" id="{72C8EFF4-27DC-62FC-AE16-9C73910BAC69}"/>
+              </a:ext>
+            </a:extLst>
+          </p:cNvPr>
+          <p:cNvSpPr>
+            <a:spLocks noGrp="1"/>
+          </p:cNvSpPr>
+          <p:nvPr>
+            <p:ph type="dt" sz="half" idx="10"/>
+          </p:nvPr>
+        </p:nvSpPr>
+        <p:spPr/>
+        <p:txBody>
+          <a:bodyPr/>
+          <a:lstStyle/>
+          <a:p>
+            <a:r>
+              <a:rPr lang="en-US"/>
+              <a:t>Fall 2023</a:t>
+            </a:r>
+          </a:p>
+        </p:txBody>
+      </p:sp>
+      <p:sp>
+        <p:nvSpPr>
+          <p:cNvPr id="3" name="Footer Placeholder 2">
+            <a:extLst>
+              <a:ext uri="{FF2B5EF4-FFF2-40B4-BE49-F238E27FC236}">
+                <a16:creationId xmlns:a16="http://schemas.microsoft.com/office/drawing/2014/main" id="{5E5160E9-09DA-4979-FE70-80EE9C2B60A0}"/>
+              </a:ext>
+            </a:extLst>
+          </p:cNvPr>
+          <p:cNvSpPr>
+            <a:spLocks noGrp="1"/>
+          </p:cNvSpPr>
+          <p:nvPr>
+            <p:ph type="ftr" sz="quarter" idx="11"/>
+          </p:nvPr>
+        </p:nvSpPr>
+        <p:spPr/>
+        <p:txBody>
+          <a:bodyPr/>
+          <a:lstStyle/>
+          <a:p>
+            <a:r>
+              <a:rPr lang="en-US"/>
+              <a:t>DEPARTMENT OF BUSINESS &amp; ECONOMICS</a:t>
+            </a:r>
+          </a:p>
+        </p:txBody>
+      </p:sp>
+      <p:sp>
+        <p:nvSpPr>
+          <p:cNvPr id="4" name="Slide Number Placeholder 3">
+            <a:extLst>
+              <a:ext uri="{FF2B5EF4-FFF2-40B4-BE49-F238E27FC236}">
+                <a16:creationId xmlns:a16="http://schemas.microsoft.com/office/drawing/2014/main" id="{8593419D-7272-9F85-3503-AE5AC0EF5458}"/>
+              </a:ext>
+            </a:extLst>
+          </p:cNvPr>
+          <p:cNvSpPr>
+            <a:spLocks noGrp="1"/>
+          </p:cNvSpPr>
+          <p:nvPr>
+            <p:ph type="sldNum" sz="quarter" idx="12"/>
+          </p:nvPr>
+        </p:nvSpPr>
+        <p:spPr/>
+        <p:txBody>
+          <a:bodyPr/>
+          <a:lstStyle/>
+          <a:p>
+            <a:fld id="{1A980C56-831A-4EAB-9EDE-57C090F4F877}" type="slidenum">
+              <a:rPr lang="en-US" smtClean="0"/>
+              <a:t>9</a:t>
             </a:fld>
             <a:endParaRPr lang="en-US"/>
           </a:p>
@@ -11177,649 +12232,21 @@
 </p:sld>
 </file>
 
-<file path=ppt/slides/slide8.xml><?xml version="1.0" encoding="utf-8"?>
-<p:sld xmlns:a="http://schemas.openxmlformats.org/drawingml/2006/main" xmlns:r="http://schemas.openxmlformats.org/officeDocument/2006/relationships" xmlns:p="http://schemas.openxmlformats.org/presentationml/2006/main">
-  <p:cSld>
-    <p:spTree>
-      <p:nvGrpSpPr>
-        <p:cNvPr id="1" name=""/>
-        <p:cNvGrpSpPr/>
-        <p:nvPr/>
-      </p:nvGrpSpPr>
-      <p:grpSpPr>
-        <a:xfrm>
-          <a:off x="0" y="0"/>
-          <a:ext cx="0" cy="0"/>
-          <a:chOff x="0" y="0"/>
-          <a:chExt cx="0" cy="0"/>
-        </a:xfrm>
-      </p:grpSpPr>
-      <p:sp>
-        <p:nvSpPr>
-          <p:cNvPr id="2" name="Title 1">
-            <a:extLst>
-              <a:ext uri="{FF2B5EF4-FFF2-40B4-BE49-F238E27FC236}">
-                <a16:creationId xmlns:a16="http://schemas.microsoft.com/office/drawing/2014/main" id="{776B09A4-5BC9-4EA8-C267-D3B26A49D07E}"/>
-              </a:ext>
-            </a:extLst>
-          </p:cNvPr>
-          <p:cNvSpPr>
-            <a:spLocks noGrp="1"/>
-          </p:cNvSpPr>
-          <p:nvPr>
-            <p:ph type="title"/>
-          </p:nvPr>
-        </p:nvSpPr>
-        <p:spPr/>
-        <p:txBody>
-          <a:bodyPr/>
-          <a:lstStyle/>
-          <a:p>
-            <a:r>
-              <a:rPr lang="en-US" dirty="0"/>
-              <a:t>Contact Information</a:t>
-            </a:r>
-          </a:p>
-        </p:txBody>
-      </p:sp>
-      <p:sp>
-        <p:nvSpPr>
-          <p:cNvPr id="3" name="Content Placeholder 2">
-            <a:extLst>
-              <a:ext uri="{FF2B5EF4-FFF2-40B4-BE49-F238E27FC236}">
-                <a16:creationId xmlns:a16="http://schemas.microsoft.com/office/drawing/2014/main" id="{97FEFFAF-3949-E82D-4583-E06DA22E7204}"/>
-              </a:ext>
-            </a:extLst>
-          </p:cNvPr>
-          <p:cNvSpPr>
-            <a:spLocks noGrp="1"/>
-          </p:cNvSpPr>
-          <p:nvPr>
-            <p:ph idx="1"/>
-          </p:nvPr>
-        </p:nvSpPr>
-        <p:spPr/>
-        <p:txBody>
-          <a:bodyPr>
-            <a:normAutofit fontScale="92500" lnSpcReduction="10000"/>
-          </a:bodyPr>
-          <a:lstStyle/>
-          <a:p>
-            <a:r>
-              <a:rPr lang="en-US" dirty="0"/>
-              <a:t>Email: BPARK@monmouthcollege.edu</a:t>
-            </a:r>
-          </a:p>
-          <a:p>
-            <a:pPr lvl="1"/>
-            <a:r>
-              <a:rPr lang="en-US" dirty="0"/>
-              <a:t>Please include “ECON300” in the subject line.</a:t>
-            </a:r>
-          </a:p>
-          <a:p>
-            <a:pPr lvl="1"/>
-            <a:r>
-              <a:rPr lang="en-US" dirty="0"/>
-              <a:t>Target response within 1 business day.</a:t>
-            </a:r>
-          </a:p>
-          <a:p>
-            <a:pPr lvl="1"/>
-            <a:endParaRPr lang="en-US" sz="1300" dirty="0"/>
-          </a:p>
-          <a:p>
-            <a:r>
-              <a:rPr lang="en-US" dirty="0"/>
-              <a:t>Office: CSB 248</a:t>
-            </a:r>
-          </a:p>
-          <a:p>
-            <a:pPr lvl="1"/>
-            <a:endParaRPr lang="en-US" sz="1300" dirty="0"/>
-          </a:p>
-          <a:p>
-            <a:r>
-              <a:rPr lang="en-US" dirty="0"/>
-              <a:t>Regular Office Hours: Tue/Thu 12:30 PM ~ 2:00 PM</a:t>
-            </a:r>
-          </a:p>
-          <a:p>
-            <a:pPr lvl="1"/>
-            <a:endParaRPr lang="en-US" sz="1300" dirty="0"/>
-          </a:p>
-          <a:p>
-            <a:r>
-              <a:rPr lang="en-US" dirty="0"/>
-              <a:t>Individual (or Group) Appointments via Calendly.</a:t>
-            </a:r>
-          </a:p>
-          <a:p>
-            <a:pPr lvl="1"/>
-            <a:r>
-              <a:rPr lang="en-US" dirty="0">
-                <a:hlinkClick r:id="rId2"/>
-              </a:rPr>
-              <a:t>https://calendly.com/brianhwpark</a:t>
-            </a:r>
-            <a:endParaRPr lang="en-US" dirty="0"/>
-          </a:p>
-          <a:p>
-            <a:pPr lvl="1"/>
-            <a:r>
-              <a:rPr lang="en-US" dirty="0"/>
-              <a:t>Book on-demand office hours in 30-minute increments</a:t>
-            </a:r>
-          </a:p>
-          <a:p>
-            <a:pPr lvl="1"/>
-            <a:r>
-              <a:rPr lang="en-US" dirty="0"/>
-              <a:t>Calendar opens 15 days in advance</a:t>
-            </a:r>
-          </a:p>
-          <a:p>
-            <a:pPr lvl="1"/>
-            <a:endParaRPr lang="en-US" sz="1300" dirty="0"/>
-          </a:p>
-          <a:p>
-            <a:r>
-              <a:rPr lang="en-US" dirty="0"/>
-              <a:t>Send me an email if you need </a:t>
-            </a:r>
-            <a:r>
-              <a:rPr lang="en-US" b="1" dirty="0"/>
-              <a:t>anything</a:t>
-            </a:r>
-            <a:r>
-              <a:rPr lang="en-US" dirty="0"/>
-              <a:t> else</a:t>
-            </a:r>
-          </a:p>
-        </p:txBody>
-      </p:sp>
-      <p:sp>
-        <p:nvSpPr>
-          <p:cNvPr id="4" name="Date Placeholder 3">
-            <a:extLst>
-              <a:ext uri="{FF2B5EF4-FFF2-40B4-BE49-F238E27FC236}">
-                <a16:creationId xmlns:a16="http://schemas.microsoft.com/office/drawing/2014/main" id="{CE725A02-EA7A-7321-8B8B-168BF05EA587}"/>
-              </a:ext>
-            </a:extLst>
-          </p:cNvPr>
-          <p:cNvSpPr>
-            <a:spLocks noGrp="1"/>
-          </p:cNvSpPr>
-          <p:nvPr>
-            <p:ph type="dt" sz="half" idx="10"/>
-          </p:nvPr>
-        </p:nvSpPr>
-        <p:spPr/>
-        <p:txBody>
-          <a:bodyPr/>
-          <a:lstStyle/>
-          <a:p>
-            <a:r>
-              <a:rPr lang="en-US"/>
-              <a:t>Fall 2023</a:t>
-            </a:r>
-          </a:p>
-        </p:txBody>
-      </p:sp>
-      <p:sp>
-        <p:nvSpPr>
-          <p:cNvPr id="5" name="Footer Placeholder 4">
-            <a:extLst>
-              <a:ext uri="{FF2B5EF4-FFF2-40B4-BE49-F238E27FC236}">
-                <a16:creationId xmlns:a16="http://schemas.microsoft.com/office/drawing/2014/main" id="{024C4429-8EF0-A6CF-DF65-1DD6365F71D2}"/>
-              </a:ext>
-            </a:extLst>
-          </p:cNvPr>
-          <p:cNvSpPr>
-            <a:spLocks noGrp="1"/>
-          </p:cNvSpPr>
-          <p:nvPr>
-            <p:ph type="ftr" sz="quarter" idx="11"/>
-          </p:nvPr>
-        </p:nvSpPr>
-        <p:spPr/>
-        <p:txBody>
-          <a:bodyPr/>
-          <a:lstStyle/>
-          <a:p>
-            <a:r>
-              <a:rPr lang="en-US"/>
-              <a:t>DEPARTMENT OF BUSINESS &amp; ECONOMICS</a:t>
-            </a:r>
-          </a:p>
-        </p:txBody>
-      </p:sp>
-      <p:sp>
-        <p:nvSpPr>
-          <p:cNvPr id="6" name="Slide Number Placeholder 5">
-            <a:extLst>
-              <a:ext uri="{FF2B5EF4-FFF2-40B4-BE49-F238E27FC236}">
-                <a16:creationId xmlns:a16="http://schemas.microsoft.com/office/drawing/2014/main" id="{E35CE67F-4580-2DF1-52D2-80C99C5F60C8}"/>
-              </a:ext>
-            </a:extLst>
-          </p:cNvPr>
-          <p:cNvSpPr>
-            <a:spLocks noGrp="1"/>
-          </p:cNvSpPr>
-          <p:nvPr>
-            <p:ph type="sldNum" sz="quarter" idx="12"/>
-          </p:nvPr>
-        </p:nvSpPr>
-        <p:spPr/>
-        <p:txBody>
-          <a:bodyPr/>
-          <a:lstStyle/>
-          <a:p>
-            <a:fld id="{1A980C56-831A-4EAB-9EDE-57C090F4F877}" type="slidenum">
-              <a:rPr lang="en-US" smtClean="0"/>
-              <a:t>8</a:t>
-            </a:fld>
-            <a:endParaRPr lang="en-US"/>
-          </a:p>
-        </p:txBody>
-      </p:sp>
-    </p:spTree>
-    <p:extLst>
-      <p:ext uri="{BB962C8B-B14F-4D97-AF65-F5344CB8AC3E}">
-        <p14:creationId xmlns:p14="http://schemas.microsoft.com/office/powerpoint/2010/main" val="1142850086"/>
-      </p:ext>
-    </p:extLst>
-  </p:cSld>
-  <p:clrMapOvr>
-    <a:masterClrMapping/>
-  </p:clrMapOvr>
-</p:sld>
-</file>
-
-<file path=ppt/slides/slide9.xml><?xml version="1.0" encoding="utf-8"?>
-<p:sld xmlns:a="http://schemas.openxmlformats.org/drawingml/2006/main" xmlns:r="http://schemas.openxmlformats.org/officeDocument/2006/relationships" xmlns:p="http://schemas.openxmlformats.org/presentationml/2006/main">
-  <p:cSld>
-    <p:spTree>
-      <p:nvGrpSpPr>
-        <p:cNvPr id="1" name=""/>
-        <p:cNvGrpSpPr/>
-        <p:nvPr/>
-      </p:nvGrpSpPr>
-      <p:grpSpPr>
-        <a:xfrm>
-          <a:off x="0" y="0"/>
-          <a:ext cx="0" cy="0"/>
-          <a:chOff x="0" y="0"/>
-          <a:chExt cx="0" cy="0"/>
-        </a:xfrm>
-      </p:grpSpPr>
-      <p:sp>
-        <p:nvSpPr>
-          <p:cNvPr id="2" name="Title 1">
-            <a:extLst>
-              <a:ext uri="{FF2B5EF4-FFF2-40B4-BE49-F238E27FC236}">
-                <a16:creationId xmlns:a16="http://schemas.microsoft.com/office/drawing/2014/main" id="{776B09A4-5BC9-4EA8-C267-D3B26A49D07E}"/>
-              </a:ext>
-            </a:extLst>
-          </p:cNvPr>
-          <p:cNvSpPr>
-            <a:spLocks noGrp="1"/>
-          </p:cNvSpPr>
-          <p:nvPr>
-            <p:ph type="title"/>
-          </p:nvPr>
-        </p:nvSpPr>
-        <p:spPr/>
-        <p:txBody>
-          <a:bodyPr/>
-          <a:lstStyle/>
-          <a:p>
-            <a:r>
-              <a:rPr lang="en-US" dirty="0"/>
-              <a:t>Office Hours</a:t>
-            </a:r>
-          </a:p>
-        </p:txBody>
-      </p:sp>
-      <p:sp>
-        <p:nvSpPr>
-          <p:cNvPr id="4" name="Date Placeholder 3">
-            <a:extLst>
-              <a:ext uri="{FF2B5EF4-FFF2-40B4-BE49-F238E27FC236}">
-                <a16:creationId xmlns:a16="http://schemas.microsoft.com/office/drawing/2014/main" id="{CE725A02-EA7A-7321-8B8B-168BF05EA587}"/>
-              </a:ext>
-            </a:extLst>
-          </p:cNvPr>
-          <p:cNvSpPr>
-            <a:spLocks noGrp="1"/>
-          </p:cNvSpPr>
-          <p:nvPr>
-            <p:ph type="dt" sz="half" idx="10"/>
-          </p:nvPr>
-        </p:nvSpPr>
-        <p:spPr/>
-        <p:txBody>
-          <a:bodyPr/>
-          <a:lstStyle/>
-          <a:p>
-            <a:r>
-              <a:rPr lang="en-US"/>
-              <a:t>Fall 2023</a:t>
-            </a:r>
-          </a:p>
-        </p:txBody>
-      </p:sp>
-      <p:sp>
-        <p:nvSpPr>
-          <p:cNvPr id="5" name="Footer Placeholder 4">
-            <a:extLst>
-              <a:ext uri="{FF2B5EF4-FFF2-40B4-BE49-F238E27FC236}">
-                <a16:creationId xmlns:a16="http://schemas.microsoft.com/office/drawing/2014/main" id="{024C4429-8EF0-A6CF-DF65-1DD6365F71D2}"/>
-              </a:ext>
-            </a:extLst>
-          </p:cNvPr>
-          <p:cNvSpPr>
-            <a:spLocks noGrp="1"/>
-          </p:cNvSpPr>
-          <p:nvPr>
-            <p:ph type="ftr" sz="quarter" idx="11"/>
-          </p:nvPr>
-        </p:nvSpPr>
-        <p:spPr/>
-        <p:txBody>
-          <a:bodyPr/>
-          <a:lstStyle/>
-          <a:p>
-            <a:r>
-              <a:rPr lang="en-US"/>
-              <a:t>DEPARTMENT OF BUSINESS &amp; ECONOMICS</a:t>
-            </a:r>
-          </a:p>
-        </p:txBody>
-      </p:sp>
-      <p:sp>
-        <p:nvSpPr>
-          <p:cNvPr id="6" name="Slide Number Placeholder 5">
-            <a:extLst>
-              <a:ext uri="{FF2B5EF4-FFF2-40B4-BE49-F238E27FC236}">
-                <a16:creationId xmlns:a16="http://schemas.microsoft.com/office/drawing/2014/main" id="{E35CE67F-4580-2DF1-52D2-80C99C5F60C8}"/>
-              </a:ext>
-            </a:extLst>
-          </p:cNvPr>
-          <p:cNvSpPr>
-            <a:spLocks noGrp="1"/>
-          </p:cNvSpPr>
-          <p:nvPr>
-            <p:ph type="sldNum" sz="quarter" idx="12"/>
-          </p:nvPr>
-        </p:nvSpPr>
-        <p:spPr/>
-        <p:txBody>
-          <a:bodyPr/>
-          <a:lstStyle/>
-          <a:p>
-            <a:fld id="{1A980C56-831A-4EAB-9EDE-57C090F4F877}" type="slidenum">
-              <a:rPr lang="en-US" smtClean="0"/>
-              <a:t>9</a:t>
-            </a:fld>
-            <a:endParaRPr lang="en-US"/>
-          </a:p>
-        </p:txBody>
-      </p:sp>
-      <p:pic>
-        <p:nvPicPr>
-          <p:cNvPr id="10" name="Picture 9">
-            <a:extLst>
-              <a:ext uri="{FF2B5EF4-FFF2-40B4-BE49-F238E27FC236}">
-                <a16:creationId xmlns:a16="http://schemas.microsoft.com/office/drawing/2014/main" id="{906E5FC0-DE08-E9E6-B4BF-E9ACC69683BD}"/>
-              </a:ext>
-            </a:extLst>
-          </p:cNvPr>
-          <p:cNvPicPr>
-            <a:picLocks noChangeAspect="1"/>
-          </p:cNvPicPr>
-          <p:nvPr/>
-        </p:nvPicPr>
-        <p:blipFill>
-          <a:blip r:embed="rId2"/>
-          <a:stretch>
-            <a:fillRect/>
-          </a:stretch>
-        </p:blipFill>
-        <p:spPr>
-          <a:xfrm>
-            <a:off x="628650" y="1546629"/>
-            <a:ext cx="7886700" cy="4604476"/>
-          </a:xfrm>
-          <a:prstGeom prst="rect">
-            <a:avLst/>
-          </a:prstGeom>
-        </p:spPr>
-      </p:pic>
-      <p:pic>
-        <p:nvPicPr>
-          <p:cNvPr id="14" name="Picture 13">
-            <a:extLst>
-              <a:ext uri="{FF2B5EF4-FFF2-40B4-BE49-F238E27FC236}">
-                <a16:creationId xmlns:a16="http://schemas.microsoft.com/office/drawing/2014/main" id="{1ECCA483-206B-8314-FE82-825A73EB100E}"/>
-              </a:ext>
-            </a:extLst>
-          </p:cNvPr>
-          <p:cNvPicPr>
-            <a:picLocks noChangeAspect="1"/>
-          </p:cNvPicPr>
-          <p:nvPr/>
-        </p:nvPicPr>
-        <p:blipFill>
-          <a:blip r:embed="rId3"/>
-          <a:stretch>
-            <a:fillRect/>
-          </a:stretch>
-        </p:blipFill>
-        <p:spPr>
-          <a:xfrm>
-            <a:off x="628650" y="1546629"/>
-            <a:ext cx="7886700" cy="4578618"/>
-          </a:xfrm>
-          <a:prstGeom prst="rect">
-            <a:avLst/>
-          </a:prstGeom>
-        </p:spPr>
-      </p:pic>
-      <p:pic>
-        <p:nvPicPr>
-          <p:cNvPr id="16" name="Picture 15">
-            <a:extLst>
-              <a:ext uri="{FF2B5EF4-FFF2-40B4-BE49-F238E27FC236}">
-                <a16:creationId xmlns:a16="http://schemas.microsoft.com/office/drawing/2014/main" id="{35131B10-4363-7B01-92D5-A97CFD1938D1}"/>
-              </a:ext>
-            </a:extLst>
-          </p:cNvPr>
-          <p:cNvPicPr>
-            <a:picLocks noChangeAspect="1"/>
-          </p:cNvPicPr>
-          <p:nvPr/>
-        </p:nvPicPr>
-        <p:blipFill>
-          <a:blip r:embed="rId4"/>
-          <a:stretch>
-            <a:fillRect/>
-          </a:stretch>
-        </p:blipFill>
-        <p:spPr>
-          <a:xfrm>
-            <a:off x="628650" y="1538841"/>
-            <a:ext cx="7886700" cy="4594194"/>
-          </a:xfrm>
-          <a:prstGeom prst="rect">
-            <a:avLst/>
-          </a:prstGeom>
-        </p:spPr>
-      </p:pic>
-    </p:spTree>
-    <p:extLst>
-      <p:ext uri="{BB962C8B-B14F-4D97-AF65-F5344CB8AC3E}">
-        <p14:creationId xmlns:p14="http://schemas.microsoft.com/office/powerpoint/2010/main" val="2073326842"/>
-      </p:ext>
-    </p:extLst>
-  </p:cSld>
-  <p:clrMapOvr>
-    <a:masterClrMapping/>
-  </p:clrMapOvr>
-  <p:timing>
-    <p:tnLst>
-      <p:par>
-        <p:cTn id="1" dur="indefinite" restart="never" nodeType="tmRoot">
-          <p:childTnLst>
-            <p:seq concurrent="1" nextAc="seek">
-              <p:cTn id="2" dur="indefinite" nodeType="mainSeq">
-                <p:childTnLst>
-                  <p:par>
-                    <p:cTn id="3" fill="hold">
-                      <p:stCondLst>
-                        <p:cond delay="indefinite"/>
-                      </p:stCondLst>
-                      <p:childTnLst>
-                        <p:par>
-                          <p:cTn id="4" fill="hold">
-                            <p:stCondLst>
-                              <p:cond delay="0"/>
-                            </p:stCondLst>
-                            <p:childTnLst>
-                              <p:par>
-                                <p:cTn id="5" presetID="10" presetClass="entr" presetSubtype="0" fill="hold" nodeType="clickEffect">
-                                  <p:stCondLst>
-                                    <p:cond delay="0"/>
-                                  </p:stCondLst>
-                                  <p:childTnLst>
-                                    <p:set>
-                                      <p:cBhvr>
-                                        <p:cTn id="6" dur="1" fill="hold">
-                                          <p:stCondLst>
-                                            <p:cond delay="0"/>
-                                          </p:stCondLst>
-                                        </p:cTn>
-                                        <p:tgtEl>
-                                          <p:spTgt spid="14"/>
-                                        </p:tgtEl>
-                                        <p:attrNameLst>
-                                          <p:attrName>style.visibility</p:attrName>
-                                        </p:attrNameLst>
-                                      </p:cBhvr>
-                                      <p:to>
-                                        <p:strVal val="visible"/>
-                                      </p:to>
-                                    </p:set>
-                                    <p:animEffect transition="in" filter="fade">
-                                      <p:cBhvr>
-                                        <p:cTn id="7" dur="500"/>
-                                        <p:tgtEl>
-                                          <p:spTgt spid="14"/>
-                                        </p:tgtEl>
-                                      </p:cBhvr>
-                                    </p:animEffect>
-                                  </p:childTnLst>
-                                </p:cTn>
-                              </p:par>
-                            </p:childTnLst>
-                          </p:cTn>
-                        </p:par>
-                      </p:childTnLst>
-                    </p:cTn>
-                  </p:par>
-                  <p:par>
-                    <p:cTn id="8" fill="hold">
-                      <p:stCondLst>
-                        <p:cond delay="indefinite"/>
-                      </p:stCondLst>
-                      <p:childTnLst>
-                        <p:par>
-                          <p:cTn id="9" fill="hold">
-                            <p:stCondLst>
-                              <p:cond delay="0"/>
-                            </p:stCondLst>
-                            <p:childTnLst>
-                              <p:par>
-                                <p:cTn id="10" presetID="10" presetClass="entr" presetSubtype="0" fill="hold" nodeType="clickEffect">
-                                  <p:stCondLst>
-                                    <p:cond delay="0"/>
-                                  </p:stCondLst>
-                                  <p:childTnLst>
-                                    <p:set>
-                                      <p:cBhvr>
-                                        <p:cTn id="11" dur="1" fill="hold">
-                                          <p:stCondLst>
-                                            <p:cond delay="0"/>
-                                          </p:stCondLst>
-                                        </p:cTn>
-                                        <p:tgtEl>
-                                          <p:spTgt spid="16"/>
-                                        </p:tgtEl>
-                                        <p:attrNameLst>
-                                          <p:attrName>style.visibility</p:attrName>
-                                        </p:attrNameLst>
-                                      </p:cBhvr>
-                                      <p:to>
-                                        <p:strVal val="visible"/>
-                                      </p:to>
-                                    </p:set>
-                                    <p:animEffect transition="in" filter="fade">
-                                      <p:cBhvr>
-                                        <p:cTn id="12" dur="500"/>
-                                        <p:tgtEl>
-                                          <p:spTgt spid="16"/>
-                                        </p:tgtEl>
-                                      </p:cBhvr>
-                                    </p:animEffect>
-                                  </p:childTnLst>
-                                </p:cTn>
-                              </p:par>
-                            </p:childTnLst>
-                          </p:cTn>
-                        </p:par>
-                      </p:childTnLst>
-                    </p:cTn>
-                  </p:par>
-                </p:childTnLst>
-              </p:cTn>
-              <p:prevCondLst>
-                <p:cond evt="onPrev" delay="0">
-                  <p:tgtEl>
-                    <p:sldTgt/>
-                  </p:tgtEl>
-                </p:cond>
-              </p:prevCondLst>
-              <p:nextCondLst>
-                <p:cond evt="onNext" delay="0">
-                  <p:tgtEl>
-                    <p:sldTgt/>
-                  </p:tgtEl>
-                </p:cond>
-              </p:nextCondLst>
-            </p:seq>
-          </p:childTnLst>
-        </p:cTn>
-      </p:par>
-    </p:tnLst>
-  </p:timing>
-</p:sld>
-</file>
-
 <file path=ppt/tags/tag1.xml><?xml version="1.0" encoding="utf-8"?>
 <p:tagLst xmlns:a="http://schemas.openxmlformats.org/drawingml/2006/main" xmlns:r="http://schemas.openxmlformats.org/officeDocument/2006/relationships" xmlns:p="http://schemas.openxmlformats.org/presentationml/2006/main">
-  <p:tag name="__PE_POLL_EMBED_ID" val="3d34c1b2-f0d3-4931-8db5-bf8efce5d3a8"/>
+  <p:tag name="__PE_POLL_EMBED_ID" val="9bf4d1df-f174-47e5-b26e-d762c42868ed"/>
 </p:tagLst>
 </file>
 
 <file path=ppt/tags/tag2.xml><?xml version="1.0" encoding="utf-8"?>
 <p:tagLst xmlns:a="http://schemas.openxmlformats.org/drawingml/2006/main" xmlns:r="http://schemas.openxmlformats.org/officeDocument/2006/relationships" xmlns:p="http://schemas.openxmlformats.org/presentationml/2006/main">
-  <p:tag name="__PE_POLL_EMBED_ID" val="9bf4d1df-f174-47e5-b26e-d762c42868ed"/>
+  <p:tag name="__PE_POLL_EMBED_ID" val="9db3918c-b60c-48fb-997c-a878b25b5cd6"/>
 </p:tagLst>
 </file>
 
 <file path=ppt/tags/tag3.xml><?xml version="1.0" encoding="utf-8"?>
 <p:tagLst xmlns:a="http://schemas.openxmlformats.org/drawingml/2006/main" xmlns:r="http://schemas.openxmlformats.org/officeDocument/2006/relationships" xmlns:p="http://schemas.openxmlformats.org/presentationml/2006/main">
-  <p:tag name="__PE_POLL_EMBED_ID" val="9db3918c-b60c-48fb-997c-a878b25b5cd6"/>
+  <p:tag name="__PE_POLL_EMBED_ID" val="3d34c1b2-f0d3-4931-8db5-bf8efce5d3a8"/>
 </p:tagLst>
 </file>
 
